--- a/slides/Angular Slides Day 1.pptx
+++ b/slides/Angular Slides Day 1.pptx
@@ -7,33 +7,25 @@
   <p:sldIdLst>
     <p:sldId id="256" r:id="rId2"/>
     <p:sldId id="257" r:id="rId3"/>
-    <p:sldId id="258" r:id="rId4"/>
-    <p:sldId id="259" r:id="rId5"/>
-    <p:sldId id="260" r:id="rId6"/>
-    <p:sldId id="261" r:id="rId7"/>
-    <p:sldId id="262" r:id="rId8"/>
-    <p:sldId id="263" r:id="rId9"/>
-    <p:sldId id="264" r:id="rId10"/>
-    <p:sldId id="265" r:id="rId11"/>
-    <p:sldId id="266" r:id="rId12"/>
-    <p:sldId id="267" r:id="rId13"/>
-    <p:sldId id="268" r:id="rId14"/>
-    <p:sldId id="269" r:id="rId15"/>
-    <p:sldId id="270" r:id="rId16"/>
-    <p:sldId id="271" r:id="rId17"/>
-    <p:sldId id="272" r:id="rId18"/>
-    <p:sldId id="273" r:id="rId19"/>
-    <p:sldId id="274" r:id="rId20"/>
-    <p:sldId id="275" r:id="rId21"/>
-    <p:sldId id="276" r:id="rId22"/>
-    <p:sldId id="277" r:id="rId23"/>
-    <p:sldId id="278" r:id="rId24"/>
-    <p:sldId id="279" r:id="rId25"/>
-    <p:sldId id="280" r:id="rId26"/>
-    <p:sldId id="281" r:id="rId27"/>
-    <p:sldId id="282" r:id="rId28"/>
-    <p:sldId id="283" r:id="rId29"/>
-    <p:sldId id="284" r:id="rId30"/>
+    <p:sldId id="285" r:id="rId4"/>
+    <p:sldId id="286" r:id="rId5"/>
+    <p:sldId id="287" r:id="rId6"/>
+    <p:sldId id="294" r:id="rId7"/>
+    <p:sldId id="258" r:id="rId8"/>
+    <p:sldId id="288" r:id="rId9"/>
+    <p:sldId id="289" r:id="rId10"/>
+    <p:sldId id="290" r:id="rId11"/>
+    <p:sldId id="259" r:id="rId12"/>
+    <p:sldId id="291" r:id="rId13"/>
+    <p:sldId id="292" r:id="rId14"/>
+    <p:sldId id="260" r:id="rId15"/>
+    <p:sldId id="262" r:id="rId16"/>
+    <p:sldId id="263" r:id="rId17"/>
+    <p:sldId id="280" r:id="rId18"/>
+    <p:sldId id="293" r:id="rId19"/>
+    <p:sldId id="266" r:id="rId20"/>
+    <p:sldId id="267" r:id="rId21"/>
+    <p:sldId id="261" r:id="rId22"/>
   </p:sldIdLst>
   <p:sldSz cx="9144000" cy="6858000" type="screen4x3"/>
   <p:notesSz cx="6858000" cy="9144000"/>
@@ -316,7 +308,7 @@
           <a:p>
             <a:fld id="{6BFECD78-3C8E-49F2-8FAB-59489D168ABB}" type="datetimeFigureOut">
               <a:rPr lang="en-US" smtClean="0"/>
-              <a:t>5/29/16</a:t>
+              <a:t>10/5/16</a:t>
             </a:fld>
             <a:endParaRPr lang="en-US"/>
           </a:p>
@@ -486,7 +478,7 @@
           <a:p>
             <a:fld id="{6BFECD78-3C8E-49F2-8FAB-59489D168ABB}" type="datetimeFigureOut">
               <a:rPr lang="en-US" smtClean="0"/>
-              <a:t>5/29/16</a:t>
+              <a:t>10/5/16</a:t>
             </a:fld>
             <a:endParaRPr lang="en-US"/>
           </a:p>
@@ -666,7 +658,7 @@
           <a:p>
             <a:fld id="{6BFECD78-3C8E-49F2-8FAB-59489D168ABB}" type="datetimeFigureOut">
               <a:rPr lang="en-US" smtClean="0"/>
-              <a:t>5/29/16</a:t>
+              <a:t>10/5/16</a:t>
             </a:fld>
             <a:endParaRPr lang="en-US"/>
           </a:p>
@@ -836,7 +828,7 @@
           <a:p>
             <a:fld id="{6BFECD78-3C8E-49F2-8FAB-59489D168ABB}" type="datetimeFigureOut">
               <a:rPr lang="en-US" smtClean="0"/>
-              <a:t>5/29/16</a:t>
+              <a:t>10/5/16</a:t>
             </a:fld>
             <a:endParaRPr lang="en-US"/>
           </a:p>
@@ -1082,7 +1074,7 @@
           <a:p>
             <a:fld id="{6BFECD78-3C8E-49F2-8FAB-59489D168ABB}" type="datetimeFigureOut">
               <a:rPr lang="en-US" smtClean="0"/>
-              <a:t>5/29/16</a:t>
+              <a:t>10/5/16</a:t>
             </a:fld>
             <a:endParaRPr lang="en-US"/>
           </a:p>
@@ -1370,7 +1362,7 @@
           <a:p>
             <a:fld id="{6BFECD78-3C8E-49F2-8FAB-59489D168ABB}" type="datetimeFigureOut">
               <a:rPr lang="en-US" smtClean="0"/>
-              <a:t>5/29/16</a:t>
+              <a:t>10/5/16</a:t>
             </a:fld>
             <a:endParaRPr lang="en-US"/>
           </a:p>
@@ -1792,7 +1784,7 @@
           <a:p>
             <a:fld id="{6BFECD78-3C8E-49F2-8FAB-59489D168ABB}" type="datetimeFigureOut">
               <a:rPr lang="en-US" smtClean="0"/>
-              <a:t>5/29/16</a:t>
+              <a:t>10/5/16</a:t>
             </a:fld>
             <a:endParaRPr lang="en-US"/>
           </a:p>
@@ -1910,7 +1902,7 @@
           <a:p>
             <a:fld id="{6BFECD78-3C8E-49F2-8FAB-59489D168ABB}" type="datetimeFigureOut">
               <a:rPr lang="en-US" smtClean="0"/>
-              <a:t>5/29/16</a:t>
+              <a:t>10/5/16</a:t>
             </a:fld>
             <a:endParaRPr lang="en-US"/>
           </a:p>
@@ -2005,7 +1997,7 @@
           <a:p>
             <a:fld id="{6BFECD78-3C8E-49F2-8FAB-59489D168ABB}" type="datetimeFigureOut">
               <a:rPr lang="en-US" smtClean="0"/>
-              <a:t>5/29/16</a:t>
+              <a:t>10/5/16</a:t>
             </a:fld>
             <a:endParaRPr lang="en-US"/>
           </a:p>
@@ -2282,7 +2274,7 @@
           <a:p>
             <a:fld id="{6BFECD78-3C8E-49F2-8FAB-59489D168ABB}" type="datetimeFigureOut">
               <a:rPr lang="en-US" smtClean="0"/>
-              <a:t>5/29/16</a:t>
+              <a:t>10/5/16</a:t>
             </a:fld>
             <a:endParaRPr lang="en-US"/>
           </a:p>
@@ -2539,7 +2531,7 @@
           <a:p>
             <a:fld id="{6BFECD78-3C8E-49F2-8FAB-59489D168ABB}" type="datetimeFigureOut">
               <a:rPr lang="en-US" smtClean="0"/>
-              <a:t>5/29/16</a:t>
+              <a:t>10/5/16</a:t>
             </a:fld>
             <a:endParaRPr lang="en-US"/>
           </a:p>
@@ -2752,7 +2744,7 @@
           <a:p>
             <a:fld id="{6BFECD78-3C8E-49F2-8FAB-59489D168ABB}" type="datetimeFigureOut">
               <a:rPr lang="en-US" smtClean="0"/>
-              <a:t>5/29/16</a:t>
+              <a:t>10/5/16</a:t>
             </a:fld>
             <a:endParaRPr lang="en-US"/>
           </a:p>
@@ -3144,22 +3136,18 @@
           <a:p>
             <a:r>
               <a:rPr lang="en-US" dirty="0" err="1" smtClean="0"/>
-              <a:t>DevelopIntelligence</a:t>
+              <a:t>AngularJS</a:t>
             </a:r>
             <a:r>
               <a:rPr lang="en-US" dirty="0" smtClean="0"/>
-              <a:t/>
+              <a:t> training</a:t>
             </a:r>
             <a:br>
               <a:rPr lang="en-US" dirty="0" smtClean="0"/>
             </a:br>
             <a:r>
-              <a:rPr lang="en-US" dirty="0" smtClean="0"/>
-              <a:t>Intro To </a:t>
-            </a:r>
-            <a:r>
               <a:rPr lang="en-US" dirty="0" err="1" smtClean="0"/>
-              <a:t>AngularJS</a:t>
+              <a:t>QuickOrder</a:t>
             </a:r>
             <a:endParaRPr lang="en-US" dirty="0"/>
           </a:p>
@@ -3177,17 +3165,32 @@
         </p:nvSpPr>
         <p:spPr>
           <a:xfrm>
-            <a:off x="1371600" y="4641252"/>
-            <a:ext cx="6400800" cy="997547"/>
+            <a:off x="1371600" y="4195884"/>
+            <a:ext cx="6400800" cy="1442916"/>
           </a:xfrm>
         </p:spPr>
         <p:txBody>
-          <a:bodyPr/>
+          <a:bodyPr>
+            <a:normAutofit fontScale="92500" lnSpcReduction="20000"/>
+          </a:bodyPr>
           <a:lstStyle/>
           <a:p>
             <a:r>
               <a:rPr lang="en-US" dirty="0" smtClean="0"/>
               <a:t>Elias Carlston</a:t>
+            </a:r>
+          </a:p>
+          <a:p>
+            <a:r>
+              <a:rPr lang="en-US" dirty="0" err="1" smtClean="0"/>
+              <a:t>DevelopIntelligence</a:t>
+            </a:r>
+            <a:endParaRPr lang="en-US" dirty="0" smtClean="0"/>
+          </a:p>
+          <a:p>
+            <a:r>
+              <a:rPr lang="en-US" dirty="0" err="1" smtClean="0"/>
+              <a:t>elias@eliascarlston.com</a:t>
             </a:r>
             <a:endParaRPr lang="en-US" dirty="0"/>
           </a:p>
@@ -3245,7 +3248,7 @@
           <a:p>
             <a:r>
               <a:rPr lang="en-US" dirty="0"/>
-              <a:t>Template expressions</a:t>
+              <a:t>SPA Challenges</a:t>
             </a:r>
             <a:endParaRPr lang="en-US" dirty="0"/>
           </a:p>
@@ -3273,17 +3276,36 @@
           </a:bodyPr>
           <a:lstStyle/>
           <a:p>
+            <a:pPr algn="l"/>
+            <a:r>
+              <a:rPr lang="en-US" sz="2800" dirty="0" smtClean="0"/>
+              <a:t>Structure</a:t>
+            </a:r>
+          </a:p>
+          <a:p>
+            <a:pPr algn="l"/>
+            <a:r>
+              <a:rPr lang="en-US" sz="2400" dirty="0" smtClean="0"/>
+              <a:t>SPAs require organization to achieve best principles</a:t>
+            </a:r>
+            <a:endParaRPr lang="en-US" sz="2400" dirty="0"/>
+          </a:p>
+          <a:p>
             <a:pPr marL="342900" indent="-342900" algn="l">
               <a:buFont typeface="Arial"/>
               <a:buChar char="•"/>
             </a:pPr>
             <a:r>
               <a:rPr lang="en-US" sz="2400" dirty="0" smtClean="0"/>
-              <a:t>Declare </a:t>
+              <a:t>SRP: Single </a:t>
             </a:r>
             <a:r>
               <a:rPr lang="en-US" sz="2400" dirty="0"/>
-              <a:t>template expression using double brackets:</a:t>
+              <a:t>Responsibility </a:t>
+            </a:r>
+            <a:r>
+              <a:rPr lang="en-US" sz="2400" dirty="0" smtClean="0"/>
+              <a:t>Principle</a:t>
             </a:r>
           </a:p>
           <a:p>
@@ -3293,12 +3315,17 @@
             </a:pPr>
             <a:r>
               <a:rPr lang="en-US" sz="2400" dirty="0" smtClean="0"/>
-              <a:t>&lt;</a:t>
+              <a:t>Separation </a:t>
             </a:r>
             <a:r>
               <a:rPr lang="en-US" sz="2400" dirty="0"/>
-              <a:t>p&gt;{{ 'this will ' + ' get concatenated' }}&lt;/p&gt;</a:t>
-            </a:r>
+              <a:t>of </a:t>
+            </a:r>
+            <a:r>
+              <a:rPr lang="en-US" sz="2400" dirty="0" smtClean="0"/>
+              <a:t>Concerns</a:t>
+            </a:r>
+            <a:endParaRPr lang="en-US" sz="2400" dirty="0"/>
           </a:p>
           <a:p>
             <a:pPr marL="342900" indent="-342900" algn="l">
@@ -3307,11 +3334,7 @@
             </a:pPr>
             <a:r>
               <a:rPr lang="en-US" sz="2400" dirty="0" smtClean="0"/>
-              <a:t>Angular </a:t>
-            </a:r>
-            <a:r>
-              <a:rPr lang="en-US" sz="2400" dirty="0"/>
-              <a:t>evaluates and assigns result to a property of a binding target</a:t>
+              <a:t>DRY: Don't Repeat Yourself</a:t>
             </a:r>
           </a:p>
           <a:p>
@@ -3321,20 +3344,25 @@
             </a:pPr>
             <a:r>
               <a:rPr lang="en-US" sz="2400" dirty="0" smtClean="0"/>
-              <a:t>Target </a:t>
-            </a:r>
-            <a:r>
-              <a:rPr lang="en-US" sz="2400" dirty="0"/>
-              <a:t>may be ordinary HTML, directive, component</a:t>
-            </a:r>
-            <a:endParaRPr lang="en-US" sz="2000" dirty="0"/>
+              <a:t>Encapsulation</a:t>
+            </a:r>
+          </a:p>
+          <a:p>
+            <a:pPr marL="342900" indent="-342900" algn="l">
+              <a:buFont typeface="Arial"/>
+              <a:buChar char="•"/>
+            </a:pPr>
+            <a:r>
+              <a:rPr lang="en-US" sz="2400" dirty="0" smtClean="0"/>
+              <a:t>Abstraction</a:t>
+            </a:r>
           </a:p>
         </p:txBody>
       </p:sp>
     </p:spTree>
     <p:extLst>
       <p:ext uri="{BB962C8B-B14F-4D97-AF65-F5344CB8AC3E}">
-        <p14:creationId xmlns:p14="http://schemas.microsoft.com/office/powerpoint/2010/main" val="4047607919"/>
+        <p14:creationId xmlns:p14="http://schemas.microsoft.com/office/powerpoint/2010/main" val="1987306217"/>
       </p:ext>
     </p:extLst>
   </p:cSld>
@@ -3382,8 +3410,8 @@
           <a:lstStyle/>
           <a:p>
             <a:r>
-              <a:rPr lang="en-US" dirty="0"/>
-              <a:t>Template expressions</a:t>
+              <a:rPr lang="en-US" dirty="0" smtClean="0"/>
+              <a:t>Angular Paradigm</a:t>
             </a:r>
             <a:endParaRPr lang="en-US" dirty="0"/>
           </a:p>
@@ -3411,14 +3439,39 @@
           </a:bodyPr>
           <a:lstStyle/>
           <a:p>
+            <a:pPr algn="l"/>
+            <a:r>
+              <a:rPr lang="en-US" sz="2400" dirty="0" smtClean="0"/>
+              <a:t>Angular </a:t>
+            </a:r>
+            <a:r>
+              <a:rPr lang="en-US" sz="2400" dirty="0" smtClean="0"/>
+              <a:t>itself primarily consists of:</a:t>
+            </a:r>
+            <a:endParaRPr lang="en-US" sz="2400" dirty="0"/>
+          </a:p>
+          <a:p>
             <a:pPr marL="342900" indent="-342900" algn="l">
               <a:buFont typeface="Arial"/>
               <a:buChar char="•"/>
             </a:pPr>
             <a:r>
+              <a:rPr lang="en-US" sz="2400" dirty="0" smtClean="0"/>
+              <a:t>declaring </a:t>
+            </a:r>
+            <a:r>
+              <a:rPr lang="en-US" sz="2400" dirty="0" smtClean="0"/>
+              <a:t>custom extensions </a:t>
+            </a:r>
+            <a:r>
               <a:rPr lang="en-US" sz="2400" dirty="0"/>
-              <a:t>Template expressions are limited JS. Not allowed:</a:t>
-            </a:r>
+              <a:t>to </a:t>
+            </a:r>
+            <a:r>
+              <a:rPr lang="en-US" sz="2400" dirty="0" smtClean="0"/>
+              <a:t>HTML</a:t>
+            </a:r>
+            <a:endParaRPr lang="en-US" sz="2400" dirty="0"/>
           </a:p>
           <a:p>
             <a:pPr marL="342900" indent="-342900" algn="l">
@@ -3427,11 +3480,15 @@
             </a:pPr>
             <a:r>
               <a:rPr lang="en-US" sz="2400" dirty="0" smtClean="0"/>
-              <a:t>host </a:t>
+              <a:t>performing DOM </a:t>
             </a:r>
             <a:r>
               <a:rPr lang="en-US" sz="2400" dirty="0"/>
-              <a:t>objects: window, console, Math</a:t>
+              <a:t>modifications described within those </a:t>
+            </a:r>
+            <a:r>
+              <a:rPr lang="en-US" sz="2400" dirty="0" smtClean="0"/>
+              <a:t>extensions</a:t>
             </a:r>
           </a:p>
           <a:p>
@@ -3441,90 +3498,32 @@
             </a:pPr>
             <a:r>
               <a:rPr lang="en-US" sz="2400" dirty="0" smtClean="0"/>
-              <a:t>&lt;</a:t>
+              <a:t>providing API </a:t>
             </a:r>
             <a:r>
               <a:rPr lang="en-US" sz="2400" dirty="0"/>
-              <a:t>script&gt; tag (all other HTML permitted)</a:t>
-            </a:r>
-          </a:p>
-          <a:p>
-            <a:pPr marL="342900" indent="-342900" algn="l">
-              <a:buFont typeface="Arial"/>
-              <a:buChar char="•"/>
-            </a:pPr>
-            <a:r>
-              <a:rPr lang="en-US" sz="2400" dirty="0" smtClean="0"/>
-              <a:t>assignments </a:t>
+              <a:t>to </a:t>
+            </a:r>
+            <a:r>
+              <a:rPr lang="en-US" sz="2400" dirty="0" smtClean="0"/>
+              <a:t>integrate </a:t>
             </a:r>
             <a:r>
               <a:rPr lang="en-US" sz="2400" dirty="0"/>
-              <a:t>(=, +=, -=)</a:t>
-            </a:r>
-          </a:p>
-          <a:p>
-            <a:pPr marL="342900" indent="-342900" algn="l">
-              <a:buFont typeface="Arial"/>
-              <a:buChar char="•"/>
-            </a:pPr>
-            <a:r>
-              <a:rPr lang="en-US" sz="2400" dirty="0" smtClean="0"/>
-              <a:t>the </a:t>
-            </a:r>
-            <a:r>
-              <a:rPr lang="en-US" sz="2400" dirty="0"/>
-              <a:t>new operator</a:t>
-            </a:r>
-          </a:p>
-          <a:p>
-            <a:pPr marL="342900" indent="-342900" algn="l">
-              <a:buFont typeface="Arial"/>
-              <a:buChar char="•"/>
-            </a:pPr>
-            <a:r>
-              <a:rPr lang="en-US" sz="2400" dirty="0" smtClean="0"/>
-              <a:t>chaining </a:t>
-            </a:r>
-            <a:r>
-              <a:rPr lang="en-US" sz="2400" dirty="0"/>
-              <a:t>expressions with ; or ,</a:t>
-            </a:r>
-          </a:p>
-          <a:p>
-            <a:pPr marL="342900" indent="-342900" algn="l">
-              <a:buFont typeface="Arial"/>
-              <a:buChar char="•"/>
-            </a:pPr>
-            <a:r>
-              <a:rPr lang="en-US" sz="2400" dirty="0" smtClean="0"/>
-              <a:t>increment </a:t>
-            </a:r>
-            <a:r>
-              <a:rPr lang="en-US" sz="2400" dirty="0"/>
-              <a:t>and decrement operators (++ and --)</a:t>
-            </a:r>
-          </a:p>
-          <a:p>
-            <a:pPr marL="342900" indent="-342900" algn="l">
-              <a:buFont typeface="Arial"/>
-              <a:buChar char="•"/>
-            </a:pPr>
-            <a:r>
-              <a:rPr lang="en-US" sz="2400" dirty="0" smtClean="0"/>
-              <a:t>bitwise </a:t>
-            </a:r>
-            <a:r>
-              <a:rPr lang="en-US" sz="2400" dirty="0"/>
-              <a:t>operators | and &amp;</a:t>
-            </a:r>
-            <a:endParaRPr lang="en-US" sz="2000" dirty="0"/>
+              <a:t>other </a:t>
+            </a:r>
+            <a:r>
+              <a:rPr lang="en-US" sz="2400" dirty="0" smtClean="0"/>
+              <a:t>code</a:t>
+            </a:r>
+            <a:endParaRPr lang="en-US" sz="2400" dirty="0" smtClean="0"/>
           </a:p>
         </p:txBody>
       </p:sp>
     </p:spTree>
     <p:extLst>
       <p:ext uri="{BB962C8B-B14F-4D97-AF65-F5344CB8AC3E}">
-        <p14:creationId xmlns:p14="http://schemas.microsoft.com/office/powerpoint/2010/main" val="4047607919"/>
+        <p14:creationId xmlns:p14="http://schemas.microsoft.com/office/powerpoint/2010/main" val="3292954081"/>
       </p:ext>
     </p:extLst>
   </p:cSld>
@@ -3572,8 +3571,8 @@
           <a:lstStyle/>
           <a:p>
             <a:r>
-              <a:rPr lang="en-US" dirty="0"/>
-              <a:t>Template expressions</a:t>
+              <a:rPr lang="en-US" dirty="0" smtClean="0"/>
+              <a:t>Angular Paradigm</a:t>
             </a:r>
             <a:endParaRPr lang="en-US" dirty="0"/>
           </a:p>
@@ -3601,18 +3600,35 @@
           </a:bodyPr>
           <a:lstStyle/>
           <a:p>
+            <a:pPr algn="l"/>
+            <a:r>
+              <a:rPr lang="en-US" sz="2400" dirty="0" smtClean="0"/>
+              <a:t>MV* Pattern</a:t>
+            </a:r>
+            <a:endParaRPr lang="en-US" sz="2400" dirty="0"/>
+          </a:p>
+          <a:p>
             <a:pPr marL="342900" indent="-342900" algn="l">
               <a:buFont typeface="Arial"/>
               <a:buChar char="•"/>
             </a:pPr>
             <a:r>
               <a:rPr lang="en-US" sz="2400" dirty="0" smtClean="0"/>
-              <a:t>Best </a:t>
+              <a:t>Model </a:t>
             </a:r>
             <a:r>
               <a:rPr lang="en-US" sz="2400" dirty="0"/>
-              <a:t>practices for template expressions</a:t>
-            </a:r>
+              <a:t>in </a:t>
+            </a:r>
+            <a:r>
+              <a:rPr lang="en-US" sz="2400" dirty="0" err="1" smtClean="0"/>
+              <a:t>Javascript</a:t>
+            </a:r>
+            <a:r>
+              <a:rPr lang="en-US" sz="2400" dirty="0" smtClean="0"/>
+              <a:t> (scope)</a:t>
+            </a:r>
+            <a:endParaRPr lang="en-US" sz="2400" dirty="0"/>
           </a:p>
           <a:p>
             <a:pPr marL="342900" indent="-342900" algn="l">
@@ -3621,11 +3637,11 @@
             </a:pPr>
             <a:r>
               <a:rPr lang="en-US" sz="2400" dirty="0" smtClean="0"/>
-              <a:t>No </a:t>
+              <a:t>View </a:t>
             </a:r>
             <a:r>
               <a:rPr lang="en-US" sz="2400" dirty="0"/>
-              <a:t>side effects</a:t>
+              <a:t>is extended HTML</a:t>
             </a:r>
           </a:p>
           <a:p>
@@ -3635,11 +3651,15 @@
             </a:pPr>
             <a:r>
               <a:rPr lang="en-US" sz="2400" dirty="0" smtClean="0"/>
-              <a:t>Quick </a:t>
+              <a:t>Angular </a:t>
             </a:r>
             <a:r>
               <a:rPr lang="en-US" sz="2400" dirty="0"/>
-              <a:t>execution</a:t>
+              <a:t>1 uses </a:t>
+            </a:r>
+            <a:r>
+              <a:rPr lang="en-US" sz="2400" dirty="0" smtClean="0"/>
+              <a:t>Controllers (maybe not 100% traditional)</a:t>
             </a:r>
           </a:p>
           <a:p>
@@ -3649,9 +3669,12 @@
             </a:pPr>
             <a:r>
               <a:rPr lang="en-US" sz="2400" dirty="0" smtClean="0"/>
-              <a:t>Simplicity</a:t>
-            </a:r>
-            <a:endParaRPr lang="en-US" sz="2400" dirty="0"/>
+              <a:t>Angular </a:t>
+            </a:r>
+            <a:r>
+              <a:rPr lang="en-US" sz="2400" dirty="0"/>
+              <a:t>1.5 &amp; 2 use Components</a:t>
+            </a:r>
           </a:p>
           <a:p>
             <a:pPr marL="342900" indent="-342900" algn="l">
@@ -3659,17 +3682,33 @@
               <a:buChar char="•"/>
             </a:pPr>
             <a:r>
+              <a:rPr lang="en-US" sz="2400" dirty="0" smtClean="0"/>
+              <a:t>John </a:t>
+            </a:r>
+            <a:r>
+              <a:rPr lang="en-US" sz="2400" dirty="0"/>
+              <a:t>Papa and others recommend </a:t>
+            </a:r>
+            <a:r>
+              <a:rPr lang="en-US" sz="2400" dirty="0" smtClean="0"/>
+              <a:t>* = </a:t>
+            </a:r>
+            <a:r>
               <a:rPr lang="en-US" sz="2400" dirty="0" err="1" smtClean="0"/>
-              <a:t>Idempotence</a:t>
-            </a:r>
-            <a:endParaRPr lang="en-US" sz="2000" dirty="0"/>
+              <a:t>ViewModel</a:t>
+            </a:r>
+            <a:r>
+              <a:rPr lang="en-US" sz="2400" dirty="0" smtClean="0"/>
+              <a:t> pattern</a:t>
+            </a:r>
+            <a:endParaRPr lang="en-US" sz="2400" dirty="0" smtClean="0"/>
           </a:p>
         </p:txBody>
       </p:sp>
     </p:spTree>
     <p:extLst>
       <p:ext uri="{BB962C8B-B14F-4D97-AF65-F5344CB8AC3E}">
-        <p14:creationId xmlns:p14="http://schemas.microsoft.com/office/powerpoint/2010/main" val="2028328319"/>
+        <p14:creationId xmlns:p14="http://schemas.microsoft.com/office/powerpoint/2010/main" val="1883988882"/>
       </p:ext>
     </p:extLst>
   </p:cSld>
@@ -3717,8 +3756,8 @@
           <a:lstStyle/>
           <a:p>
             <a:r>
-              <a:rPr lang="en-US" dirty="0"/>
-              <a:t>Template expressions</a:t>
+              <a:rPr lang="en-US" dirty="0" smtClean="0"/>
+              <a:t>Angular Paradigm</a:t>
             </a:r>
             <a:endParaRPr lang="en-US" dirty="0"/>
           </a:p>
@@ -3746,17 +3785,32 @@
           </a:bodyPr>
           <a:lstStyle/>
           <a:p>
+            <a:pPr algn="l"/>
+            <a:r>
+              <a:rPr lang="en-US" sz="2400" dirty="0" smtClean="0"/>
+              <a:t>Angular </a:t>
+            </a:r>
+            <a:r>
+              <a:rPr lang="en-US" sz="2400" dirty="0"/>
+              <a:t>pattern: </a:t>
+            </a:r>
+            <a:r>
+              <a:rPr lang="en-US" sz="2400" dirty="0" smtClean="0"/>
+              <a:t>'recipes'</a:t>
+            </a:r>
+          </a:p>
+          <a:p>
             <a:pPr marL="342900" indent="-342900" algn="l">
               <a:buFont typeface="Arial"/>
               <a:buChar char="•"/>
             </a:pPr>
             <a:r>
               <a:rPr lang="en-US" sz="2400" dirty="0" smtClean="0"/>
-              <a:t>Best </a:t>
+              <a:t>Register </a:t>
             </a:r>
             <a:r>
               <a:rPr lang="en-US" sz="2400" dirty="0"/>
-              <a:t>practices for template expressions</a:t>
+              <a:t>functionality under a module</a:t>
             </a:r>
           </a:p>
           <a:p>
@@ -3766,11 +3820,11 @@
             </a:pPr>
             <a:r>
               <a:rPr lang="en-US" sz="2400" dirty="0" smtClean="0"/>
-              <a:t>No </a:t>
+              <a:t>Modules </a:t>
             </a:r>
             <a:r>
               <a:rPr lang="en-US" sz="2400" dirty="0"/>
-              <a:t>side effects</a:t>
+              <a:t>are high level, standalone units of code</a:t>
             </a:r>
           </a:p>
           <a:p>
@@ -3780,12 +3834,17 @@
             </a:pPr>
             <a:r>
               <a:rPr lang="en-US" sz="2400" dirty="0" smtClean="0"/>
-              <a:t>Quick </a:t>
+              <a:t>Once registered</a:t>
             </a:r>
             <a:r>
               <a:rPr lang="en-US" sz="2400" dirty="0"/>
-              <a:t>execution</a:t>
-            </a:r>
+              <a:t>, </a:t>
+            </a:r>
+            <a:r>
+              <a:rPr lang="en-US" sz="2400" dirty="0" smtClean="0"/>
+              <a:t>then reference elsewhere</a:t>
+            </a:r>
+            <a:endParaRPr lang="en-US" sz="2400" dirty="0"/>
           </a:p>
           <a:p>
             <a:pPr marL="342900" indent="-342900" algn="l">
@@ -3794,27 +3853,23 @@
             </a:pPr>
             <a:r>
               <a:rPr lang="en-US" sz="2400" dirty="0" smtClean="0"/>
-              <a:t>Simplicity</a:t>
-            </a:r>
-            <a:endParaRPr lang="en-US" sz="2400" dirty="0"/>
-          </a:p>
-          <a:p>
-            <a:pPr marL="342900" indent="-342900" algn="l">
-              <a:buFont typeface="Arial"/>
-              <a:buChar char="•"/>
-            </a:pPr>
-            <a:r>
-              <a:rPr lang="en-US" sz="2400" dirty="0" err="1" smtClean="0"/>
-              <a:t>Idempotence</a:t>
-            </a:r>
-            <a:endParaRPr lang="en-US" sz="2000" dirty="0"/>
+              <a:t>Angular </a:t>
+            </a:r>
+            <a:r>
+              <a:rPr lang="en-US" sz="2400" dirty="0"/>
+              <a:t>searches for registered names and passes in registered </a:t>
+            </a:r>
+            <a:r>
+              <a:rPr lang="en-US" sz="2400" dirty="0" smtClean="0"/>
+              <a:t>code</a:t>
+            </a:r>
           </a:p>
         </p:txBody>
       </p:sp>
     </p:spTree>
     <p:extLst>
       <p:ext uri="{BB962C8B-B14F-4D97-AF65-F5344CB8AC3E}">
-        <p14:creationId xmlns:p14="http://schemas.microsoft.com/office/powerpoint/2010/main" val="2520161168"/>
+        <p14:creationId xmlns:p14="http://schemas.microsoft.com/office/powerpoint/2010/main" val="1825441246"/>
       </p:ext>
     </p:extLst>
   </p:cSld>
@@ -3862,8 +3917,12 @@
           <a:lstStyle/>
           <a:p>
             <a:r>
-              <a:rPr lang="en-US" dirty="0"/>
-              <a:t>Built in filters</a:t>
+              <a:rPr lang="en-US" dirty="0" smtClean="0"/>
+              <a:t>Exercise: Angular </a:t>
+            </a:r>
+            <a:r>
+              <a:rPr lang="en-US" dirty="0" smtClean="0"/>
+              <a:t>Style Guide</a:t>
             </a:r>
             <a:endParaRPr lang="en-US" dirty="0"/>
           </a:p>
@@ -3897,158 +3956,54 @@
             </a:pPr>
             <a:r>
               <a:rPr lang="en-US" sz="2400" dirty="0" smtClean="0"/>
-              <a:t>Filters get a </a:t>
+              <a:t>Team should choose a style guide and stick to it</a:t>
+            </a:r>
+          </a:p>
+          <a:p>
+            <a:pPr marL="342900" indent="-342900" algn="l">
+              <a:buFont typeface="Arial"/>
+              <a:buChar char="•"/>
+            </a:pPr>
+            <a:r>
+              <a:rPr lang="en-US" sz="2400" dirty="0" smtClean="0"/>
+              <a:t>John </a:t>
             </a:r>
             <a:r>
               <a:rPr lang="en-US" sz="2400" dirty="0"/>
-              <a:t>template </a:t>
-            </a:r>
-            <a:r>
-              <a:rPr lang="en-US" sz="2400" dirty="0" smtClean="0"/>
-              <a:t>expression</a:t>
-            </a:r>
-            <a:r>
-              <a:rPr lang="en-US" sz="2400" dirty="0"/>
-              <a:t> “piped</a:t>
-            </a:r>
-            <a:r>
-              <a:rPr lang="en-US" sz="2400" dirty="0" smtClean="0"/>
-              <a:t>” to them</a:t>
+              <a:t>Papa has one of the most influential</a:t>
+            </a:r>
+          </a:p>
+          <a:p>
+            <a:pPr marL="342900" indent="-342900" algn="l">
+              <a:buFont typeface="Arial"/>
+              <a:buChar char="•"/>
+            </a:pPr>
+            <a:r>
+              <a:rPr lang="en-US" sz="2400" dirty="0" smtClean="0">
+                <a:hlinkClick r:id="rId2"/>
+              </a:rPr>
+              <a:t>https</a:t>
+            </a:r>
+            <a:r>
+              <a:rPr lang="en-US" sz="2400" dirty="0">
+                <a:hlinkClick r:id="rId2"/>
+              </a:rPr>
+              <a:t>://github.com/johnpapa/angular-styleguide</a:t>
+            </a:r>
+            <a:r>
+              <a:rPr lang="en-US" sz="2400" dirty="0" smtClean="0">
+                <a:hlinkClick r:id="rId2"/>
+              </a:rPr>
+              <a:t>/</a:t>
             </a:r>
             <a:endParaRPr lang="en-US" sz="2400" dirty="0"/>
-          </a:p>
-          <a:p>
-            <a:pPr marL="342900" indent="-342900" algn="l">
-              <a:buFont typeface="Arial"/>
-              <a:buChar char="•"/>
-            </a:pPr>
-            <a:r>
-              <a:rPr lang="en-US" sz="2400" dirty="0" smtClean="0"/>
-              <a:t>&lt;</a:t>
-            </a:r>
-            <a:r>
-              <a:rPr lang="en-US" sz="2400" dirty="0"/>
-              <a:t>p </a:t>
-            </a:r>
-            <a:r>
-              <a:rPr lang="en-US" sz="2400" dirty="0" err="1"/>
-              <a:t>ng</a:t>
-            </a:r>
-            <a:r>
-              <a:rPr lang="en-US" sz="2400" dirty="0"/>
-              <a:t>-some-directive="{{ value | </a:t>
-            </a:r>
-            <a:r>
-              <a:rPr lang="en-US" sz="2400" dirty="0" err="1"/>
-              <a:t>filtername</a:t>
-            </a:r>
-            <a:r>
-              <a:rPr lang="en-US" sz="2400" dirty="0"/>
-              <a:t> }}"&lt;/p&gt;</a:t>
-            </a:r>
-          </a:p>
-          <a:p>
-            <a:pPr marL="342900" indent="-342900" algn="l">
-              <a:buFont typeface="Arial"/>
-              <a:buChar char="•"/>
-            </a:pPr>
-            <a:r>
-              <a:rPr lang="en-US" sz="2400" dirty="0" smtClean="0"/>
-              <a:t>Chainable: </a:t>
-            </a:r>
-            <a:r>
-              <a:rPr lang="en-US" sz="2400" dirty="0"/>
-              <a:t>{{ value | </a:t>
-            </a:r>
-            <a:r>
-              <a:rPr lang="en-US" sz="2400" dirty="0" err="1"/>
-              <a:t>filtername</a:t>
-            </a:r>
-            <a:r>
-              <a:rPr lang="en-US" sz="2400" dirty="0"/>
-              <a:t> | </a:t>
-            </a:r>
-            <a:r>
-              <a:rPr lang="en-US" sz="2400" dirty="0" err="1"/>
-              <a:t>anotherfilter</a:t>
-            </a:r>
-            <a:r>
-              <a:rPr lang="en-US" sz="2400" dirty="0"/>
-              <a:t> }}</a:t>
-            </a:r>
-          </a:p>
-          <a:p>
-            <a:pPr marL="342900" indent="-342900" algn="l">
-              <a:buFont typeface="Arial"/>
-              <a:buChar char="•"/>
-            </a:pPr>
-            <a:r>
-              <a:rPr lang="en-US" sz="2400" dirty="0" smtClean="0"/>
-              <a:t>Accepts </a:t>
-            </a:r>
-            <a:r>
-              <a:rPr lang="en-US" sz="2400" dirty="0"/>
-              <a:t>parameters with colon: </a:t>
-            </a:r>
-            <a:endParaRPr lang="en-US" sz="2400" dirty="0" smtClean="0"/>
-          </a:p>
-          <a:p>
-            <a:pPr marL="800100" lvl="1" indent="-342900" algn="l">
-              <a:buFont typeface="Arial"/>
-              <a:buChar char="•"/>
-            </a:pPr>
-            <a:r>
-              <a:rPr lang="en-US" sz="2000" dirty="0" smtClean="0"/>
-              <a:t>{</a:t>
-            </a:r>
-            <a:r>
-              <a:rPr lang="en-US" sz="2000" dirty="0"/>
-              <a:t>{ value | </a:t>
-            </a:r>
-            <a:r>
-              <a:rPr lang="en-US" sz="2000" dirty="0" err="1"/>
-              <a:t>filtername:oneparameter:anotherparam</a:t>
-            </a:r>
-            <a:r>
-              <a:rPr lang="en-US" sz="2000" dirty="0"/>
-              <a:t> }}</a:t>
-            </a:r>
-          </a:p>
-          <a:p>
-            <a:pPr marL="342900" indent="-342900" algn="l">
-              <a:buFont typeface="Arial"/>
-              <a:buChar char="•"/>
-            </a:pPr>
-            <a:r>
-              <a:rPr lang="en-US" sz="2400" dirty="0" smtClean="0"/>
-              <a:t>Watch </a:t>
-            </a:r>
-            <a:r>
-              <a:rPr lang="en-US" sz="2400" dirty="0"/>
-              <a:t>out for performance penalties (filters can be expensive)</a:t>
-            </a:r>
-          </a:p>
-          <a:p>
-            <a:pPr marL="342900" indent="-342900" algn="l">
-              <a:buFont typeface="Arial"/>
-              <a:buChar char="•"/>
-            </a:pPr>
-            <a:r>
-              <a:rPr lang="en-US" sz="2400" dirty="0" smtClean="0"/>
-              <a:t>examples</a:t>
-            </a:r>
-            <a:r>
-              <a:rPr lang="en-US" sz="2400" dirty="0"/>
-              <a:t>/01-built-in-filters</a:t>
-            </a:r>
-            <a:endParaRPr lang="en-US" sz="2000" dirty="0"/>
           </a:p>
         </p:txBody>
       </p:sp>
     </p:spTree>
     <p:extLst>
       <p:ext uri="{BB962C8B-B14F-4D97-AF65-F5344CB8AC3E}">
-        <p14:creationId xmlns:p14="http://schemas.microsoft.com/office/powerpoint/2010/main" val="2520161168"/>
+        <p14:creationId xmlns:p14="http://schemas.microsoft.com/office/powerpoint/2010/main" val="1055244008"/>
       </p:ext>
     </p:extLst>
   </p:cSld>
@@ -4096,8 +4051,8 @@
           <a:lstStyle/>
           <a:p>
             <a:r>
-              <a:rPr lang="en-US" dirty="0"/>
-              <a:t>Custom filters</a:t>
+              <a:rPr lang="en-US" dirty="0" smtClean="0"/>
+              <a:t>Directives</a:t>
             </a:r>
             <a:endParaRPr lang="en-US" dirty="0"/>
           </a:p>
@@ -4121,7 +4076,7 @@
         </p:spPr>
         <p:txBody>
           <a:bodyPr>
-            <a:normAutofit lnSpcReduction="10000"/>
+            <a:normAutofit/>
           </a:bodyPr>
           <a:lstStyle/>
           <a:p>
@@ -4131,31 +4086,107 @@
             </a:pPr>
             <a:r>
               <a:rPr lang="en-US" sz="2400" dirty="0" smtClean="0"/>
-              <a:t>Register </a:t>
+              <a:t>Directives </a:t>
             </a:r>
             <a:r>
               <a:rPr lang="en-US" sz="2400" dirty="0"/>
-              <a:t>custom functions with </a:t>
-            </a:r>
-            <a:r>
-              <a:rPr lang="en-US" sz="2400" dirty="0" err="1"/>
-              <a:t>nG</a:t>
+              <a:t>are Angular identifiers added to ordinary HTML</a:t>
+            </a:r>
+          </a:p>
+          <a:p>
+            <a:pPr marL="342900" indent="-342900" algn="l">
+              <a:buFont typeface="Arial"/>
+              <a:buChar char="•"/>
+            </a:pPr>
+            <a:r>
+              <a:rPr lang="en-US" sz="2400" dirty="0" smtClean="0"/>
+              <a:t>Angular </a:t>
             </a:r>
             <a:r>
               <a:rPr lang="en-US" sz="2400" dirty="0"/>
-              <a:t> using a '</a:t>
-            </a:r>
-            <a:r>
-              <a:rPr lang="en-US" sz="2400" dirty="0">
-                <a:solidFill>
-                  <a:srgbClr val="FF6600"/>
-                </a:solidFill>
-              </a:rPr>
-              <a:t>recipe</a:t>
-            </a:r>
+              <a:t>attaches event listeners and/or modifies the </a:t>
+            </a:r>
+            <a:r>
+              <a:rPr lang="en-US" sz="2400" dirty="0" smtClean="0"/>
+              <a:t>DOM</a:t>
+            </a:r>
+          </a:p>
+          <a:p>
+            <a:pPr marL="342900" indent="-342900" algn="l">
+              <a:buFont typeface="Arial"/>
+              <a:buChar char="•"/>
+            </a:pPr>
             <a:r>
               <a:rPr lang="en-US" sz="2400" dirty="0"/>
-              <a:t>' pattern</a:t>
+              <a:t>Directives are the only proper place for DOM </a:t>
+            </a:r>
+            <a:r>
+              <a:rPr lang="en-US" sz="2400" dirty="0" smtClean="0"/>
+              <a:t>manipulation</a:t>
+            </a:r>
+            <a:endParaRPr lang="en-US" sz="2400" dirty="0"/>
+          </a:p>
+          <a:p>
+            <a:pPr marL="342900" indent="-342900" algn="l">
+              <a:buFont typeface="Arial"/>
+              <a:buChar char="•"/>
+            </a:pPr>
+            <a:r>
+              <a:rPr lang="en-US" sz="2400" dirty="0" smtClean="0"/>
+              <a:t>Most </a:t>
+            </a:r>
+            <a:r>
+              <a:rPr lang="en-US" sz="2400" dirty="0"/>
+              <a:t>commonly </a:t>
+            </a:r>
+            <a:r>
+              <a:rPr lang="en-US" sz="2400" dirty="0" smtClean="0"/>
+              <a:t>defined as HTML </a:t>
+            </a:r>
+            <a:r>
+              <a:rPr lang="en-US" sz="2400" dirty="0"/>
+              <a:t>attributes or </a:t>
+            </a:r>
+            <a:r>
+              <a:rPr lang="en-US" sz="2400" dirty="0" smtClean="0"/>
+              <a:t>elements</a:t>
+            </a:r>
+          </a:p>
+          <a:p>
+            <a:pPr marL="342900" indent="-342900" algn="l">
+              <a:buFont typeface="Arial"/>
+              <a:buChar char="•"/>
+            </a:pPr>
+            <a:r>
+              <a:rPr lang="en-US" sz="2400" dirty="0" smtClean="0"/>
+              <a:t>Can also be comments</a:t>
+            </a:r>
+            <a:r>
+              <a:rPr lang="en-US" sz="2400" dirty="0"/>
+              <a:t>, CSS classes </a:t>
+            </a:r>
+            <a:r>
+              <a:rPr lang="en-US" sz="2400" dirty="0" smtClean="0"/>
+              <a:t>- less optimal</a:t>
+            </a:r>
+            <a:endParaRPr lang="en-US" sz="2400" dirty="0"/>
+          </a:p>
+          <a:p>
+            <a:pPr marL="342900" indent="-342900" algn="l">
+              <a:buFont typeface="Arial"/>
+              <a:buChar char="•"/>
+            </a:pPr>
+            <a:r>
+              <a:rPr lang="en-US" sz="2400" dirty="0" smtClean="0"/>
+              <a:t>A little magic: HTML directive </a:t>
+            </a:r>
+            <a:r>
+              <a:rPr lang="en-US" sz="2400" dirty="0"/>
+              <a:t>name to JS name </a:t>
+            </a:r>
+            <a:r>
+              <a:rPr lang="en-US" sz="2400" dirty="0" smtClean="0"/>
+              <a:t>matching</a:t>
             </a:r>
           </a:p>
           <a:p>
@@ -4165,185 +4196,67 @@
             </a:pPr>
             <a:r>
               <a:rPr lang="en-US" sz="2000" dirty="0" smtClean="0"/>
-              <a:t>Recipe </a:t>
+              <a:t>data- and x- prefixes stripped from HTML name</a:t>
+            </a:r>
+          </a:p>
+          <a:p>
+            <a:pPr marL="800100" lvl="1" indent="-342900" algn="l">
+              <a:buFont typeface="Arial"/>
+              <a:buChar char="•"/>
+            </a:pPr>
+            <a:r>
+              <a:rPr lang="en-US" sz="2000" dirty="0" smtClean="0"/>
+              <a:t>Dash, underscore, or colon delimiters turn into </a:t>
+            </a:r>
+            <a:r>
+              <a:rPr lang="en-US" sz="2000" dirty="0" err="1" smtClean="0"/>
+              <a:t>camelCase</a:t>
+            </a:r>
+            <a:endParaRPr lang="en-US" sz="2000" dirty="0" smtClean="0"/>
+          </a:p>
+          <a:p>
+            <a:pPr marL="800100" lvl="1" indent="-342900" algn="l">
+              <a:buFont typeface="Arial"/>
+              <a:buChar char="•"/>
+            </a:pPr>
+            <a:r>
+              <a:rPr lang="en-US" sz="2000" dirty="0" smtClean="0"/>
+              <a:t>So HTML name </a:t>
+            </a:r>
+            <a:r>
+              <a:rPr lang="en-US" sz="2000" dirty="0" err="1" smtClean="0"/>
+              <a:t>data-ec:name:space</a:t>
+            </a:r>
+            <a:r>
+              <a:rPr lang="en-US" sz="2000" dirty="0" smtClean="0"/>
+              <a:t> matches </a:t>
+            </a:r>
+            <a:r>
+              <a:rPr lang="en-US" sz="2000" dirty="0" err="1" smtClean="0"/>
+              <a:t>ecNameSpace</a:t>
+            </a:r>
+            <a:endParaRPr lang="en-US" sz="2000" dirty="0" smtClean="0"/>
+          </a:p>
+          <a:p>
+            <a:pPr marL="800100" lvl="1" indent="-342900" algn="l">
+              <a:buFont typeface="Arial"/>
+              <a:buChar char="•"/>
+            </a:pPr>
+            <a:r>
+              <a:rPr lang="en-US" sz="2000" dirty="0" smtClean="0"/>
+              <a:t>Best practice: use a short prefix ('</a:t>
+            </a:r>
+            <a:r>
+              <a:rPr lang="en-US" sz="2000" dirty="0" err="1"/>
+              <a:t>ec</a:t>
             </a:r>
             <a:r>
               <a:rPr lang="en-US" sz="2000" dirty="0"/>
-              <a:t>pattern: from a reference to a module, call a factory</a:t>
-            </a:r>
-          </a:p>
-          <a:p>
-            <a:pPr marL="800100" lvl="1" indent="-342900" algn="l">
-              <a:buFont typeface="Arial"/>
-              <a:buChar char="•"/>
-            </a:pPr>
+              <a:t>' above</a:t>
+            </a:r>
             <a:r>
               <a:rPr lang="en-US" sz="2000" dirty="0" smtClean="0"/>
-              <a:t>module </a:t>
-            </a:r>
-            <a:r>
-              <a:rPr lang="en-US" sz="2000" dirty="0"/>
-              <a:t>is a standalone unit of </a:t>
-            </a:r>
-            <a:r>
-              <a:rPr lang="en-US" sz="2000" dirty="0" err="1"/>
-              <a:t>nG</a:t>
-            </a:r>
-            <a:r>
-              <a:rPr lang="en-US" sz="2000" dirty="0"/>
-              <a:t> code</a:t>
-            </a:r>
-          </a:p>
-          <a:p>
-            <a:pPr marL="800100" lvl="1" indent="-342900" algn="l">
-              <a:buFont typeface="Arial"/>
-              <a:buChar char="•"/>
-            </a:pPr>
-            <a:r>
-              <a:rPr lang="en-US" sz="2000" dirty="0" smtClean="0"/>
-              <a:t>Reference </a:t>
-            </a:r>
-            <a:r>
-              <a:rPr lang="en-US" sz="2000" dirty="0"/>
-              <a:t>to a module:</a:t>
-            </a:r>
-          </a:p>
-          <a:p>
-            <a:pPr marL="1257300" lvl="2" indent="-342900" algn="l">
-              <a:buFont typeface="Arial"/>
-              <a:buChar char="•"/>
-            </a:pPr>
-            <a:r>
-              <a:rPr lang="en-US" sz="1600" dirty="0" smtClean="0"/>
-              <a:t>new </a:t>
-            </a:r>
-            <a:r>
-              <a:rPr lang="en-US" sz="1600" dirty="0"/>
-              <a:t>module (note empty array): </a:t>
-            </a:r>
-            <a:r>
-              <a:rPr lang="en-US" sz="1600" dirty="0" err="1" smtClean="0"/>
-              <a:t>angular.module</a:t>
-            </a:r>
-            <a:r>
-              <a:rPr lang="en-US" sz="1600" dirty="0"/>
-              <a:t>('</a:t>
-            </a:r>
-            <a:r>
-              <a:rPr lang="en-US" sz="1600" dirty="0" err="1"/>
-              <a:t>someModuleName</a:t>
-            </a:r>
-            <a:r>
-              <a:rPr lang="en-US" sz="1600" dirty="0"/>
-              <a:t>', [])</a:t>
-            </a:r>
-          </a:p>
-          <a:p>
-            <a:pPr marL="1257300" lvl="2" indent="-342900" algn="l">
-              <a:buFont typeface="Arial"/>
-              <a:buChar char="•"/>
-            </a:pPr>
-            <a:r>
-              <a:rPr lang="en-US" sz="1600" dirty="0" smtClean="0"/>
-              <a:t>existing </a:t>
-            </a:r>
-            <a:r>
-              <a:rPr lang="en-US" sz="1600" dirty="0"/>
-              <a:t>module: </a:t>
-            </a:r>
-            <a:r>
-              <a:rPr lang="en-US" sz="1600" dirty="0" err="1"/>
-              <a:t>angular.module</a:t>
-            </a:r>
-            <a:r>
-              <a:rPr lang="en-US" sz="1600" dirty="0"/>
-              <a:t>('</a:t>
-            </a:r>
-            <a:r>
-              <a:rPr lang="en-US" sz="1600" dirty="0" err="1"/>
-              <a:t>someModuleName</a:t>
-            </a:r>
-            <a:r>
-              <a:rPr lang="en-US" sz="1600" dirty="0"/>
-              <a:t>')</a:t>
-            </a:r>
-          </a:p>
-          <a:p>
-            <a:pPr marL="342900" indent="-342900" algn="l">
-              <a:buFont typeface="Arial"/>
-              <a:buChar char="•"/>
-            </a:pPr>
-            <a:r>
-              <a:rPr lang="en-US" sz="2400" dirty="0" smtClean="0"/>
-              <a:t>Factory </a:t>
-            </a:r>
-            <a:r>
-              <a:rPr lang="en-US" sz="2400" dirty="0"/>
-              <a:t>call: .filter('</a:t>
-            </a:r>
-            <a:r>
-              <a:rPr lang="en-US" sz="2400" dirty="0" err="1"/>
-              <a:t>thisFilterName</a:t>
-            </a:r>
-            <a:r>
-              <a:rPr lang="en-US" sz="2400" dirty="0"/>
-              <a:t>', function (text) {...})</a:t>
-            </a:r>
-          </a:p>
-          <a:p>
-            <a:pPr marL="342900" indent="-342900" algn="l">
-              <a:buFont typeface="Arial"/>
-              <a:buChar char="•"/>
-            </a:pPr>
-            <a:r>
-              <a:rPr lang="en-US" sz="2400" dirty="0" smtClean="0"/>
-              <a:t>Factory </a:t>
-            </a:r>
-            <a:r>
-              <a:rPr lang="en-US" sz="2400" dirty="0"/>
-              <a:t>function gets passed the value from when the filter was invoked</a:t>
-            </a:r>
-          </a:p>
-          <a:p>
-            <a:pPr marL="342900" indent="-342900" algn="l">
-              <a:buFont typeface="Arial"/>
-              <a:buChar char="•"/>
-            </a:pPr>
-            <a:r>
-              <a:rPr lang="en-US" sz="2400" dirty="0" smtClean="0"/>
-              <a:t>Recipe </a:t>
-            </a:r>
-            <a:r>
-              <a:rPr lang="en-US" sz="2400" dirty="0"/>
-              <a:t>only gets invoked when the filter is used in a view</a:t>
-            </a:r>
-          </a:p>
-          <a:p>
-            <a:pPr marL="342900" indent="-342900" algn="l">
-              <a:buFont typeface="Arial"/>
-              <a:buChar char="•"/>
-            </a:pPr>
-            <a:r>
-              <a:rPr lang="en-US" sz="2400" dirty="0" smtClean="0"/>
-              <a:t>Remember</a:t>
-            </a:r>
-            <a:r>
-              <a:rPr lang="en-US" sz="2400" dirty="0"/>
-              <a:t>, custom filter should follow best practices</a:t>
-            </a:r>
-          </a:p>
-          <a:p>
-            <a:pPr marL="342900" indent="-342900" algn="l">
-              <a:buFont typeface="Arial"/>
-              <a:buChar char="•"/>
-            </a:pPr>
-            <a:r>
-              <a:rPr lang="en-US" sz="2400" dirty="0" smtClean="0"/>
-              <a:t>More </a:t>
-            </a:r>
-            <a:r>
-              <a:rPr lang="en-US" sz="2400" dirty="0"/>
-              <a:t>complicated actions are better suited to directives</a:t>
+              <a:t>) to avoid future collisions</a:t>
             </a:r>
             <a:endParaRPr lang="en-US" sz="2000" dirty="0"/>
           </a:p>
@@ -4352,7 +4265,7 @@
     </p:spTree>
     <p:extLst>
       <p:ext uri="{BB962C8B-B14F-4D97-AF65-F5344CB8AC3E}">
-        <p14:creationId xmlns:p14="http://schemas.microsoft.com/office/powerpoint/2010/main" val="135022607"/>
+        <p14:creationId xmlns:p14="http://schemas.microsoft.com/office/powerpoint/2010/main" val="3443792774"/>
       </p:ext>
     </p:extLst>
   </p:cSld>
@@ -4401,9 +4314,8 @@
           <a:p>
             <a:r>
               <a:rPr lang="en-US" dirty="0"/>
-              <a:t>Looping</a:t>
-            </a:r>
-            <a:endParaRPr lang="en-US" dirty="0"/>
+              <a:t>Some built in directives</a:t>
+            </a:r>
           </a:p>
         </p:txBody>
       </p:sp>
@@ -4425,7 +4337,7 @@
         </p:spPr>
         <p:txBody>
           <a:bodyPr>
-            <a:normAutofit/>
+            <a:normAutofit lnSpcReduction="10000"/>
           </a:bodyPr>
           <a:lstStyle/>
           <a:p>
@@ -4439,7 +4351,11 @@
             </a:r>
             <a:r>
               <a:rPr lang="en-US" sz="2400" dirty="0"/>
-              <a:t>-repeat can iterate arrays or objects</a:t>
+              <a:t>-</a:t>
+            </a:r>
+            <a:r>
+              <a:rPr lang="en-US" sz="2400" dirty="0" smtClean="0"/>
+              <a:t>class</a:t>
             </a:r>
           </a:p>
           <a:p>
@@ -4449,58 +4365,19 @@
             </a:pPr>
             <a:r>
               <a:rPr lang="en-US" sz="2000" dirty="0" smtClean="0"/>
-              <a:t>if </a:t>
+              <a:t>add </a:t>
             </a:r>
             <a:r>
               <a:rPr lang="en-US" sz="2000" dirty="0"/>
-              <a:t>array: "each-item-alias in </a:t>
-            </a:r>
-            <a:r>
-              <a:rPr lang="en-US" sz="2000" dirty="0" err="1" smtClean="0"/>
-              <a:t>someArray</a:t>
+              <a:t>the result of </a:t>
             </a:r>
             <a:r>
               <a:rPr lang="en-US" sz="2000" dirty="0" smtClean="0"/>
-              <a:t>”</a:t>
-            </a:r>
-            <a:endParaRPr lang="en-US" sz="2000" dirty="0"/>
-          </a:p>
-          <a:p>
-            <a:pPr marL="800100" lvl="1" indent="-342900" algn="l">
-              <a:buFont typeface="Arial"/>
-              <a:buChar char="•"/>
-            </a:pPr>
-            <a:r>
-              <a:rPr lang="en-US" sz="2000" dirty="0" smtClean="0"/>
-              <a:t>object</a:t>
+              <a:t>expression </a:t>
             </a:r>
             <a:r>
               <a:rPr lang="en-US" sz="2000" dirty="0"/>
-              <a:t>: "(</a:t>
-            </a:r>
-            <a:r>
-              <a:rPr lang="en-US" sz="2000" dirty="0" err="1"/>
-              <a:t>propertyNameAlias</a:t>
-            </a:r>
-            <a:r>
-              <a:rPr lang="en-US" sz="2000" dirty="0"/>
-              <a:t>, </a:t>
-            </a:r>
-            <a:r>
-              <a:rPr lang="en-US" sz="2000" dirty="0" err="1"/>
-              <a:t>propertyKeyAlias</a:t>
-            </a:r>
-            <a:r>
-              <a:rPr lang="en-US" sz="2000" dirty="0"/>
-              <a:t>) in </a:t>
-            </a:r>
-            <a:r>
-              <a:rPr lang="en-US" sz="2000" dirty="0" err="1"/>
-              <a:t>someObject</a:t>
-            </a:r>
-            <a:r>
-              <a:rPr lang="en-US" sz="2000" dirty="0"/>
-              <a:t>"</a:t>
+              <a:t>to the element as a CSS class</a:t>
             </a:r>
           </a:p>
           <a:p>
@@ -4514,7 +4391,25 @@
             </a:r>
             <a:r>
               <a:rPr lang="en-US" sz="2400" dirty="0"/>
-              <a:t>-repeat can be nested</a:t>
+              <a:t>-</a:t>
+            </a:r>
+            <a:r>
+              <a:rPr lang="en-US" sz="2400" dirty="0" smtClean="0"/>
+              <a:t>blur</a:t>
+            </a:r>
+          </a:p>
+          <a:p>
+            <a:pPr marL="800100" lvl="1" indent="-342900" algn="l">
+              <a:buFont typeface="Arial"/>
+              <a:buChar char="•"/>
+            </a:pPr>
+            <a:r>
+              <a:rPr lang="en-US" sz="2000" dirty="0" smtClean="0"/>
+              <a:t>evaluate </a:t>
+            </a:r>
+            <a:r>
+              <a:rPr lang="en-US" sz="2000" dirty="0"/>
+              <a:t>an expression when element loses focus</a:t>
             </a:r>
           </a:p>
           <a:p>
@@ -4523,28 +4418,31 @@
               <a:buChar char="•"/>
             </a:pPr>
             <a:r>
-              <a:rPr lang="en-US" sz="2400" dirty="0" smtClean="0"/>
-              <a:t>Not </a:t>
-            </a:r>
-            <a:r>
-              <a:rPr lang="en-US" sz="2400" dirty="0"/>
-              <a:t>a list comprehension (</a:t>
-            </a:r>
-            <a:r>
-              <a:rPr lang="en-US" sz="2400" dirty="0" smtClean="0"/>
-              <a:t>can’t </a:t>
-            </a:r>
-            <a:r>
-              <a:rPr lang="en-US" sz="2400" dirty="0"/>
-              <a:t>access </a:t>
-            </a:r>
-            <a:r>
-              <a:rPr lang="en-US" sz="2400" dirty="0" smtClean="0"/>
-              <a:t>iterator properties</a:t>
-            </a:r>
-            <a:r>
-              <a:rPr lang="en-US" sz="2400" dirty="0"/>
-              <a:t>)</a:t>
+              <a:rPr lang="en-US" sz="2400" dirty="0" err="1" smtClean="0"/>
+              <a:t>ng</a:t>
+            </a:r>
+            <a:r>
+              <a:rPr lang="en-US" sz="2400" dirty="0" err="1"/>
+              <a:t>-</a:t>
+            </a:r>
+            <a:r>
+              <a:rPr lang="en-US" sz="2400" dirty="0" err="1" smtClean="0"/>
+              <a:t>init</a:t>
+            </a:r>
+            <a:endParaRPr lang="en-US" sz="2400" dirty="0" smtClean="0"/>
+          </a:p>
+          <a:p>
+            <a:pPr marL="800100" lvl="1" indent="-342900" algn="l">
+              <a:buFont typeface="Arial"/>
+              <a:buChar char="•"/>
+            </a:pPr>
+            <a:r>
+              <a:rPr lang="en-US" sz="2000" dirty="0" smtClean="0"/>
+              <a:t>assign </a:t>
+            </a:r>
+            <a:r>
+              <a:rPr lang="en-US" sz="2000" dirty="0"/>
+              <a:t>a property in the current Angular execution context</a:t>
             </a:r>
           </a:p>
           <a:p>
@@ -4553,12 +4451,26 @@
               <a:buChar char="•"/>
             </a:pPr>
             <a:r>
-              <a:rPr lang="en-US" sz="2400" dirty="0" smtClean="0"/>
-              <a:t>Gotcha</a:t>
-            </a:r>
-            <a:r>
-              <a:rPr lang="en-US" sz="2400" dirty="0"/>
-              <a:t>: elements in collection must be unique by strict equality (===)</a:t>
+              <a:rPr lang="en-US" sz="2400" dirty="0" err="1" smtClean="0"/>
+              <a:t>ng</a:t>
+            </a:r>
+            <a:r>
+              <a:rPr lang="en-US" sz="2400" dirty="0" smtClean="0"/>
+              <a:t>-bind</a:t>
+            </a:r>
+          </a:p>
+          <a:p>
+            <a:pPr marL="800100" lvl="1" indent="-342900" algn="l">
+              <a:buFont typeface="Arial"/>
+              <a:buChar char="•"/>
+            </a:pPr>
+            <a:r>
+              <a:rPr lang="en-US" sz="2000" dirty="0" smtClean="0"/>
+              <a:t>render data from context into </a:t>
+            </a:r>
+            <a:r>
+              <a:rPr lang="en-US" sz="2000" dirty="0" smtClean="0"/>
+              <a:t>target &amp; update on change</a:t>
             </a:r>
           </a:p>
           <a:p>
@@ -4567,21 +4479,75 @@
               <a:buChar char="•"/>
             </a:pPr>
             <a:r>
-              <a:rPr lang="en-US" sz="2400" dirty="0" smtClean="0"/>
-              <a:t>examples</a:t>
-            </a:r>
-            <a:r>
-              <a:rPr lang="en-US" sz="2400" dirty="0"/>
-              <a:t>/03-simple-looping</a:t>
+              <a:rPr lang="en-US" sz="2400" dirty="0" err="1"/>
+              <a:t>ng</a:t>
+            </a:r>
+            <a:r>
+              <a:rPr lang="en-US" sz="2400" dirty="0" smtClean="0"/>
+              <a:t>-model</a:t>
+            </a:r>
+            <a:endParaRPr lang="en-US" sz="2400" dirty="0"/>
+          </a:p>
+          <a:p>
+            <a:pPr marL="800100" lvl="1" indent="-342900" algn="l">
+              <a:buFont typeface="Arial"/>
+              <a:buChar char="•"/>
+            </a:pPr>
+            <a:r>
+              <a:rPr lang="en-US" sz="2000" dirty="0" smtClean="0"/>
+              <a:t>two way binding: change data &amp; update element (usually input)</a:t>
+            </a:r>
+          </a:p>
+          <a:p>
+            <a:pPr marL="342900" indent="-342900" algn="l">
+              <a:buFont typeface="Arial"/>
+              <a:buChar char="•"/>
+            </a:pPr>
+            <a:r>
+              <a:rPr lang="en-US" sz="2400" dirty="0" err="1"/>
+              <a:t>ng</a:t>
+            </a:r>
+            <a:r>
+              <a:rPr lang="en-US" sz="2400" dirty="0" smtClean="0"/>
+              <a:t>-list</a:t>
+            </a:r>
+            <a:endParaRPr lang="en-US" sz="2400" dirty="0"/>
+          </a:p>
+          <a:p>
+            <a:pPr marL="800100" lvl="1" indent="-342900" algn="l">
+              <a:buFont typeface="Arial"/>
+              <a:buChar char="•"/>
+            </a:pPr>
+            <a:r>
+              <a:rPr lang="en-US" sz="2000" dirty="0" err="1" smtClean="0"/>
+              <a:t>ng</a:t>
+            </a:r>
+            <a:r>
+              <a:rPr lang="en-US" sz="2000" dirty="0" smtClean="0"/>
+              <a:t>-model that converts comma separated items to array</a:t>
             </a:r>
             <a:endParaRPr lang="en-US" sz="2000" dirty="0"/>
+          </a:p>
+          <a:p>
+            <a:pPr marL="342900" indent="-342900" algn="l">
+              <a:buFont typeface="Arial"/>
+              <a:buChar char="•"/>
+            </a:pPr>
+            <a:endParaRPr lang="en-US" sz="2400" dirty="0"/>
+          </a:p>
+          <a:p>
+            <a:pPr marL="342900" indent="-342900" algn="l">
+              <a:buFont typeface="Arial"/>
+              <a:buChar char="•"/>
+            </a:pPr>
+            <a:endParaRPr lang="en-US" sz="2400" dirty="0"/>
           </a:p>
         </p:txBody>
       </p:sp>
     </p:spTree>
     <p:extLst>
       <p:ext uri="{BB962C8B-B14F-4D97-AF65-F5344CB8AC3E}">
-        <p14:creationId xmlns:p14="http://schemas.microsoft.com/office/powerpoint/2010/main" val="958387281"/>
+        <p14:creationId xmlns:p14="http://schemas.microsoft.com/office/powerpoint/2010/main" val="3519792158"/>
       </p:ext>
     </p:extLst>
   </p:cSld>
@@ -4629,8 +4595,8 @@
           <a:lstStyle/>
           <a:p>
             <a:r>
-              <a:rPr lang="en-US" dirty="0"/>
-              <a:t>Looping - more features</a:t>
+              <a:rPr lang="en-US" dirty="0" smtClean="0"/>
+              <a:t>Custom Directives</a:t>
             </a:r>
             <a:endParaRPr lang="en-US" dirty="0"/>
           </a:p>
@@ -4664,11 +4630,29 @@
             </a:pPr>
             <a:r>
               <a:rPr lang="en-US" sz="2400" dirty="0" smtClean="0"/>
-              <a:t>Sets </a:t>
+              <a:t>recipe</a:t>
             </a:r>
             <a:r>
               <a:rPr lang="en-US" sz="2400" dirty="0"/>
-              <a:t>special properties within iterations:</a:t>
+              <a:t>: .directive('</a:t>
+            </a:r>
+            <a:r>
+              <a:rPr lang="en-US" sz="2400" dirty="0" err="1"/>
+              <a:t>someDirective</a:t>
+            </a:r>
+            <a:r>
+              <a:rPr lang="en-US" sz="2400" dirty="0"/>
+              <a:t>', function () { return {...}})</a:t>
+            </a:r>
+          </a:p>
+          <a:p>
+            <a:pPr marL="342900" indent="-342900" algn="l">
+              <a:buFont typeface="Arial"/>
+              <a:buChar char="•"/>
+            </a:pPr>
+            <a:r>
+              <a:rPr lang="en-US" sz="2400" dirty="0"/>
+              <a:t>Factory function can return</a:t>
             </a:r>
           </a:p>
           <a:p>
@@ -4677,48 +4661,22 @@
               <a:buChar char="•"/>
             </a:pPr>
             <a:r>
+              <a:rPr lang="en-US" sz="2000" dirty="0"/>
+              <a:t>a directive definition object, which provides many options</a:t>
+            </a:r>
+          </a:p>
+          <a:p>
+            <a:pPr marL="800100" lvl="1" indent="-342900" algn="l">
+              <a:buFont typeface="Arial"/>
+              <a:buChar char="•"/>
+            </a:pPr>
+            <a:r>
+              <a:rPr lang="en-US" sz="2000" dirty="0"/>
+              <a:t>or just the DDOs 'link' function, which is the key spot for DOM </a:t>
+            </a:r>
+            <a:r>
               <a:rPr lang="en-US" sz="2000" dirty="0" smtClean="0"/>
-              <a:t>$</a:t>
-            </a:r>
-            <a:r>
-              <a:rPr lang="en-US" sz="2000" dirty="0"/>
-              <a:t>index, $even, $odd, $first, $middle, $last</a:t>
-            </a:r>
-          </a:p>
-          <a:p>
-            <a:pPr marL="342900" indent="-342900" algn="l">
-              <a:buFont typeface="Arial"/>
-              <a:buChar char="•"/>
-            </a:pPr>
-            <a:r>
-              <a:rPr lang="en-US" sz="2400" dirty="0" smtClean="0"/>
-              <a:t>Use </a:t>
-            </a:r>
-            <a:r>
-              <a:rPr lang="en-US" sz="2400" dirty="0" err="1"/>
-              <a:t>ng-init</a:t>
-            </a:r>
-            <a:r>
-              <a:rPr lang="en-US" sz="2400" dirty="0"/>
-              <a:t> to set custom values within each iteration</a:t>
-            </a:r>
-          </a:p>
-          <a:p>
-            <a:pPr marL="342900" indent="-342900" algn="l">
-              <a:buFont typeface="Arial"/>
-              <a:buChar char="•"/>
-            </a:pPr>
-            <a:r>
-              <a:rPr lang="en-US" sz="2400" dirty="0" smtClean="0"/>
-              <a:t>Use </a:t>
-            </a:r>
-            <a:r>
-              <a:rPr lang="en-US" sz="2400" dirty="0" err="1"/>
-              <a:t>ng</a:t>
-            </a:r>
-            <a:r>
-              <a:rPr lang="en-US" sz="2400" dirty="0"/>
-              <a:t>-repeat-start and -end to add sibling elements</a:t>
+              <a:t>actions</a:t>
             </a:r>
             <a:endParaRPr lang="en-US" sz="2000" dirty="0"/>
           </a:p>
@@ -4727,7 +4685,7 @@
     </p:spTree>
     <p:extLst>
       <p:ext uri="{BB962C8B-B14F-4D97-AF65-F5344CB8AC3E}">
-        <p14:creationId xmlns:p14="http://schemas.microsoft.com/office/powerpoint/2010/main" val="1128837040"/>
+        <p14:creationId xmlns:p14="http://schemas.microsoft.com/office/powerpoint/2010/main" val="3980679051"/>
       </p:ext>
     </p:extLst>
   </p:cSld>
@@ -4775,8 +4733,8 @@
           <a:lstStyle/>
           <a:p>
             <a:r>
-              <a:rPr lang="en-US" dirty="0"/>
-              <a:t>Controllers</a:t>
+              <a:rPr lang="en-US" dirty="0" smtClean="0"/>
+              <a:t>Angular expressions</a:t>
             </a:r>
             <a:endParaRPr lang="en-US" dirty="0"/>
           </a:p>
@@ -4800,152 +4758,41 @@
         </p:spPr>
         <p:txBody>
           <a:bodyPr>
-            <a:normAutofit/>
+            <a:normAutofit fontScale="85000" lnSpcReduction="20000"/>
           </a:bodyPr>
           <a:lstStyle/>
           <a:p>
-            <a:pPr marL="342900" indent="-342900" algn="l">
-              <a:buFont typeface="Arial"/>
-              <a:buChar char="•"/>
-            </a:pPr>
-            <a:r>
-              <a:rPr lang="en-US" sz="2400" dirty="0" smtClean="0"/>
-              <a:t>Use </a:t>
-            </a:r>
+            <a:pPr algn="l"/>
             <a:r>
               <a:rPr lang="en-US" sz="2400" dirty="0"/>
-              <a:t>controllers as </a:t>
-            </a:r>
-            <a:r>
-              <a:rPr lang="en-US" sz="2400" dirty="0" err="1"/>
-              <a:t>ViewModel</a:t>
+              <a:t>Angular expressions </a:t>
             </a:r>
             <a:r>
               <a:rPr lang="en-US" sz="2400" dirty="0"/>
-              <a:t>: </a:t>
-            </a:r>
+              <a:t>are limited </a:t>
+            </a:r>
+            <a:r>
+              <a:rPr lang="en-US" sz="2400" dirty="0" smtClean="0"/>
+              <a:t>JS used within directives. </a:t>
+            </a:r>
+          </a:p>
+          <a:p>
+            <a:pPr algn="l"/>
             <a:endParaRPr lang="en-US" sz="2400" dirty="0" smtClean="0"/>
           </a:p>
           <a:p>
-            <a:pPr marL="800100" lvl="1" indent="-342900" algn="l">
-              <a:buFont typeface="Arial"/>
-              <a:buChar char="•"/>
-            </a:pPr>
-            <a:r>
-              <a:rPr lang="en-US" sz="2000" dirty="0" smtClean="0"/>
-              <a:t>only </a:t>
-            </a:r>
-            <a:r>
-              <a:rPr lang="en-US" sz="2000" dirty="0"/>
-              <a:t>coordinate data flow between the </a:t>
-            </a:r>
-            <a:r>
-              <a:rPr lang="en-US" sz="2000" dirty="0" smtClean="0"/>
-              <a:t>model and view</a:t>
-            </a:r>
-            <a:endParaRPr lang="en-US" sz="2000" dirty="0"/>
-          </a:p>
-          <a:p>
-            <a:pPr marL="342900" indent="-342900" algn="l">
-              <a:buFont typeface="Arial"/>
-              <a:buChar char="•"/>
-            </a:pPr>
-            <a:r>
-              <a:rPr lang="en-US" sz="2400" dirty="0" smtClean="0"/>
-              <a:t>More </a:t>
-            </a:r>
+            <a:pPr algn="l"/>
+            <a:r>
+              <a:rPr lang="en-US" sz="2400" dirty="0" smtClean="0"/>
+              <a:t>Directive attribute:</a:t>
+            </a:r>
+            <a:endParaRPr lang="en-US" sz="2400" dirty="0"/>
+          </a:p>
+          <a:p>
+            <a:pPr algn="l"/>
             <a:r>
               <a:rPr lang="en-US" sz="2400" dirty="0"/>
-              <a:t>complex </a:t>
-            </a:r>
-            <a:r>
-              <a:rPr lang="en-US" sz="2400" dirty="0" smtClean="0"/>
-              <a:t>logic </a:t>
-            </a:r>
-            <a:r>
-              <a:rPr lang="en-US" sz="2400" dirty="0"/>
-              <a:t>should live in a service</a:t>
-            </a:r>
-          </a:p>
-          <a:p>
-            <a:pPr marL="342900" indent="-342900" algn="l">
-              <a:buFont typeface="Arial"/>
-              <a:buChar char="•"/>
-            </a:pPr>
-            <a:r>
-              <a:rPr lang="en-US" sz="2400" dirty="0" smtClean="0"/>
-              <a:t>Controllers </a:t>
-            </a:r>
-            <a:r>
-              <a:rPr lang="en-US" sz="2400" dirty="0"/>
-              <a:t>should never reference DOM</a:t>
-            </a:r>
-          </a:p>
-          <a:p>
-            <a:pPr marL="342900" indent="-342900" algn="l">
-              <a:buFont typeface="Arial"/>
-              <a:buChar char="•"/>
-            </a:pPr>
-            <a:r>
-              <a:rPr lang="en-US" sz="2400" dirty="0" smtClean="0"/>
-              <a:t>Recipe</a:t>
-            </a:r>
-            <a:r>
-              <a:rPr lang="en-US" sz="2400" dirty="0"/>
-              <a:t>: from reference to </a:t>
-            </a:r>
-            <a:r>
-              <a:rPr lang="en-US" sz="2400" dirty="0" err="1" smtClean="0"/>
-              <a:t>angular.module</a:t>
-            </a:r>
-            <a:r>
-              <a:rPr lang="en-US" sz="2400" dirty="0" smtClean="0"/>
-              <a:t>:</a:t>
-            </a:r>
-            <a:endParaRPr lang="en-US" sz="2400" dirty="0"/>
-          </a:p>
-          <a:p>
-            <a:pPr marL="800100" lvl="1" indent="-342900" algn="l">
-              <a:buFont typeface="Arial"/>
-              <a:buChar char="•"/>
-            </a:pPr>
-            <a:r>
-              <a:rPr lang="en-US" sz="2000" dirty="0" smtClean="0"/>
-              <a:t>.</a:t>
-            </a:r>
-            <a:r>
-              <a:rPr lang="en-US" sz="2000" dirty="0"/>
-              <a:t>controller('</a:t>
-            </a:r>
-            <a:r>
-              <a:rPr lang="en-US" sz="2000" dirty="0" err="1"/>
-              <a:t>cntrlName</a:t>
-            </a:r>
-            <a:r>
-              <a:rPr lang="en-US" sz="2000" dirty="0"/>
-              <a:t>', function(dependencies) { ...</a:t>
-            </a:r>
-            <a:r>
-              <a:rPr lang="en-US" sz="2000" dirty="0" err="1"/>
-              <a:t>init</a:t>
-            </a:r>
-            <a:r>
-              <a:rPr lang="en-US" sz="2000" dirty="0"/>
-              <a:t> })</a:t>
-            </a:r>
-          </a:p>
-          <a:p>
-            <a:pPr marL="342900" indent="-342900" algn="l">
-              <a:buFont typeface="Arial"/>
-              <a:buChar char="•"/>
-            </a:pPr>
-            <a:r>
-              <a:rPr lang="en-US" sz="2400" dirty="0" smtClean="0"/>
-              <a:t>In </a:t>
-            </a:r>
-            <a:r>
-              <a:rPr lang="en-US" sz="2400" dirty="0"/>
-              <a:t>HTML, add </a:t>
+              <a:t>&lt;button </a:t>
             </a:r>
             <a:r>
               <a:rPr lang="en-US" sz="2400" dirty="0" err="1"/>
@@ -4953,59 +4800,171 @@
             </a:r>
             <a:r>
               <a:rPr lang="en-US" sz="2400" dirty="0"/>
-              <a:t>-controller directive with name as the value</a:t>
-            </a:r>
-          </a:p>
-          <a:p>
-            <a:pPr marL="342900" indent="-342900" algn="l">
-              <a:buFont typeface="Arial"/>
-              <a:buChar char="•"/>
-            </a:pPr>
-            <a:r>
-              <a:rPr lang="en-US" sz="2400" dirty="0" smtClean="0"/>
-              <a:t>&lt;</a:t>
-            </a:r>
+              <a:t>-click="</a:t>
+            </a:r>
+            <a:r>
+              <a:rPr lang="en-US" sz="2400" dirty="0" err="1"/>
+              <a:t>clickMe</a:t>
+            </a:r>
+            <a:r>
+              <a:rPr lang="en-US" sz="2400" dirty="0" smtClean="0"/>
+              <a:t>( $event )"&gt; Click Me &lt;/button&gt;</a:t>
+            </a:r>
+          </a:p>
+          <a:p>
+            <a:pPr algn="l"/>
+            <a:endParaRPr lang="en-US" sz="2400" dirty="0"/>
+          </a:p>
+          <a:p>
+            <a:pPr algn="l"/>
+            <a:r>
+              <a:rPr lang="en-US" sz="2400" dirty="0" smtClean="0"/>
+              <a:t>Interpolation:</a:t>
+            </a:r>
+          </a:p>
+          <a:p>
+            <a:pPr algn="l"/>
             <a:r>
               <a:rPr lang="en-US" sz="2400" dirty="0"/>
-              <a:t>p </a:t>
-            </a:r>
-            <a:r>
-              <a:rPr lang="en-US" sz="2400" dirty="0" err="1"/>
+              <a:t>&lt;span title="{{ </a:t>
+            </a:r>
+            <a:r>
+              <a:rPr lang="en-US" sz="2400" dirty="0" err="1" smtClean="0"/>
+              <a:t>toolTip</a:t>
+            </a:r>
+            <a:r>
+              <a:rPr lang="en-US" sz="2400" dirty="0" smtClean="0"/>
+              <a:t> }</a:t>
+            </a:r>
+            <a:r>
+              <a:rPr lang="en-US" sz="2400" dirty="0"/>
+              <a:t>}"</a:t>
+            </a:r>
+            <a:r>
+              <a:rPr lang="en-US" sz="2400" dirty="0" smtClean="0"/>
+              <a:t>&gt; {{ </a:t>
+            </a:r>
+            <a:r>
+              <a:rPr lang="en-US" sz="2400" dirty="0" err="1" smtClean="0"/>
+              <a:t>toolContent</a:t>
+            </a:r>
+            <a:r>
+              <a:rPr lang="en-US" sz="2400" dirty="0" smtClean="0"/>
+              <a:t> }}&lt;</a:t>
+            </a:r>
+            <a:r>
+              <a:rPr lang="en-US" sz="2400" dirty="0"/>
+              <a:t>/span&gt;</a:t>
+            </a:r>
+          </a:p>
+          <a:p>
+            <a:pPr algn="l"/>
+            <a:endParaRPr lang="en-US" sz="2400" dirty="0" smtClean="0"/>
+          </a:p>
+          <a:p>
+            <a:pPr algn="l"/>
+            <a:r>
+              <a:rPr lang="en-US" sz="2400" dirty="0" smtClean="0"/>
+              <a:t>Together:</a:t>
+            </a:r>
+          </a:p>
+          <a:p>
+            <a:pPr algn="l"/>
+            <a:r>
+              <a:rPr lang="en-US" sz="2400" dirty="0" smtClean="0"/>
+              <a:t>&lt;div </a:t>
+            </a:r>
+            <a:r>
+              <a:rPr lang="en-US" sz="2400" dirty="0" err="1" smtClean="0"/>
+              <a:t>ng-init</a:t>
+            </a:r>
+            <a:r>
+              <a:rPr lang="en-US" sz="2400" dirty="0" smtClean="0"/>
+              <a:t>="</a:t>
+            </a:r>
+            <a:r>
+              <a:rPr lang="en-US" sz="2400" dirty="0" err="1" smtClean="0"/>
+              <a:t>convertToKM</a:t>
+            </a:r>
+            <a:r>
+              <a:rPr lang="en-US" sz="2400" dirty="0" smtClean="0"/>
+              <a:t> = false"&gt;</a:t>
+            </a:r>
+          </a:p>
+          <a:p>
+            <a:pPr algn="l"/>
+            <a:r>
+              <a:rPr lang="en-US" sz="2400" dirty="0" smtClean="0"/>
+              <a:t>  &lt;</a:t>
+            </a:r>
+            <a:r>
+              <a:rPr lang="en-US" sz="2400" dirty="0"/>
+              <a:t>span </a:t>
+            </a:r>
+            <a:r>
+              <a:rPr lang="en-US" sz="2400" dirty="0" err="1" smtClean="0"/>
               <a:t>ng</a:t>
             </a:r>
             <a:r>
+              <a:rPr lang="en-US" sz="2400" dirty="0" smtClean="0"/>
+              <a:t>-if="</a:t>
+            </a:r>
+            <a:r>
+              <a:rPr lang="en-US" sz="2400" dirty="0" err="1" smtClean="0"/>
+              <a:t>convertToKM</a:t>
+            </a:r>
+            <a:r>
+              <a:rPr lang="en-US" sz="2400" dirty="0" smtClean="0"/>
+              <a:t>"&gt;</a:t>
+            </a:r>
+          </a:p>
+          <a:p>
+            <a:pPr algn="l"/>
+            <a:r>
               <a:rPr lang="en-US" sz="2400" dirty="0"/>
-              <a:t>-controller="</a:t>
-            </a:r>
-            <a:r>
-              <a:rPr lang="en-US" sz="2400" dirty="0" err="1"/>
-              <a:t>cntrlName</a:t>
+              <a:t> </a:t>
+            </a:r>
+            <a:r>
+              <a:rPr lang="en-US" sz="2400" dirty="0" smtClean="0"/>
+              <a:t>   {</a:t>
             </a:r>
             <a:r>
               <a:rPr lang="en-US" sz="2400" dirty="0"/>
-              <a:t>"&gt;Controller owns </a:t>
-            </a:r>
-            <a:r>
-              <a:rPr lang="en-US" sz="2400" dirty="0" smtClean="0"/>
-              <a:t>this&lt;</a:t>
+              <a:t>{ </a:t>
+            </a:r>
+            <a:r>
+              <a:rPr lang="en-US" sz="2400" dirty="0" smtClean="0"/>
+              <a:t>miles * MILES_KM_CONVERT </a:t>
             </a:r>
             <a:r>
               <a:rPr lang="en-US" sz="2400" dirty="0"/>
-              <a:t>/p&gt;</a:t>
-            </a:r>
-          </a:p>
-          <a:p>
-            <a:pPr marL="342900" indent="-342900" algn="l">
-              <a:buFont typeface="Arial"/>
-              <a:buChar char="•"/>
-            </a:pPr>
-            <a:r>
-              <a:rPr lang="en-US" sz="2400" dirty="0" smtClean="0"/>
-              <a:t>examples</a:t>
+              <a:t>}</a:t>
+            </a:r>
+            <a:r>
+              <a:rPr lang="en-US" sz="2400" dirty="0" smtClean="0"/>
+              <a:t>}</a:t>
+            </a:r>
+          </a:p>
+          <a:p>
+            <a:pPr algn="l"/>
+            <a:r>
+              <a:rPr lang="en-US" sz="2400" dirty="0" smtClean="0"/>
+              <a:t>  &lt;</a:t>
             </a:r>
             <a:r>
               <a:rPr lang="en-US" sz="2400" dirty="0"/>
-              <a:t>/02-filters-with-controller</a:t>
+              <a:t>/</a:t>
+            </a:r>
+            <a:r>
+              <a:rPr lang="en-US" sz="2400" dirty="0" smtClean="0"/>
+              <a:t>span&gt;</a:t>
+            </a:r>
+          </a:p>
+          <a:p>
+            <a:pPr algn="l"/>
+            <a:r>
+              <a:rPr lang="en-US" sz="2400" dirty="0" smtClean="0"/>
+              <a:t>&lt;/div&gt;</a:t>
             </a:r>
           </a:p>
         </p:txBody>
@@ -5013,7 +4972,7 @@
     </p:spTree>
     <p:extLst>
       <p:ext uri="{BB962C8B-B14F-4D97-AF65-F5344CB8AC3E}">
-        <p14:creationId xmlns:p14="http://schemas.microsoft.com/office/powerpoint/2010/main" val="3090534406"/>
+        <p14:creationId xmlns:p14="http://schemas.microsoft.com/office/powerpoint/2010/main" val="4112534857"/>
       </p:ext>
     </p:extLst>
   </p:cSld>
@@ -5061,8 +5020,8 @@
           <a:lstStyle/>
           <a:p>
             <a:r>
-              <a:rPr lang="en-US" dirty="0"/>
-              <a:t>Angular Scope</a:t>
+              <a:rPr lang="en-US" dirty="0" smtClean="0"/>
+              <a:t>Angular expressions</a:t>
             </a:r>
             <a:endParaRPr lang="en-US" dirty="0"/>
           </a:p>
@@ -5090,18 +5049,59 @@
           </a:bodyPr>
           <a:lstStyle/>
           <a:p>
+            <a:pPr algn="l"/>
+            <a:r>
+              <a:rPr lang="en-US" sz="2400" dirty="0" smtClean="0"/>
+              <a:t>Differences from </a:t>
+            </a:r>
+            <a:r>
+              <a:rPr lang="en-US" sz="2400" dirty="0"/>
+              <a:t>JavaScript </a:t>
+            </a:r>
+            <a:r>
+              <a:rPr lang="en-US" sz="2400" dirty="0" smtClean="0"/>
+              <a:t>expressions:</a:t>
+            </a:r>
+            <a:endParaRPr lang="en-US" sz="2400" dirty="0"/>
+          </a:p>
+          <a:p>
             <a:pPr marL="342900" indent="-342900" algn="l">
               <a:buFont typeface="Arial"/>
               <a:buChar char="•"/>
             </a:pPr>
             <a:r>
               <a:rPr lang="en-US" sz="2400" dirty="0" smtClean="0"/>
-              <a:t>Scope </a:t>
+              <a:t>Context</a:t>
             </a:r>
             <a:r>
               <a:rPr lang="en-US" sz="2400" dirty="0"/>
-              <a:t>is an object that refers to the application model</a:t>
-            </a:r>
+              <a:t>: </a:t>
+            </a:r>
+            <a:r>
+              <a:rPr lang="en-US" sz="2400" dirty="0" err="1" smtClean="0"/>
+              <a:t>nG</a:t>
+            </a:r>
+            <a:r>
+              <a:rPr lang="en-US" sz="2400" dirty="0" smtClean="0"/>
+              <a:t> expressions evaluated </a:t>
+            </a:r>
+            <a:r>
+              <a:rPr lang="en-US" sz="2400" dirty="0"/>
+              <a:t>against </a:t>
+            </a:r>
+            <a:r>
+              <a:rPr lang="en-US" sz="2400" dirty="0" smtClean="0"/>
+              <a:t>an </a:t>
+            </a:r>
+            <a:r>
+              <a:rPr lang="en-US" sz="2400" dirty="0" err="1" smtClean="0"/>
+              <a:t>nG</a:t>
+            </a:r>
+            <a:r>
+              <a:rPr lang="en-US" sz="2400" dirty="0" smtClean="0"/>
+              <a:t> context</a:t>
+            </a:r>
+            <a:endParaRPr lang="en-US" sz="2400" dirty="0"/>
           </a:p>
           <a:p>
             <a:pPr marL="342900" indent="-342900" algn="l">
@@ -5110,20 +5110,25 @@
             </a:pPr>
             <a:r>
               <a:rPr lang="en-US" sz="2400" dirty="0" smtClean="0"/>
-              <a:t>Provides </a:t>
+              <a:t>Forgiving</a:t>
             </a:r>
             <a:r>
               <a:rPr lang="en-US" sz="2400" dirty="0"/>
-              <a:t>the execution context </a:t>
-            </a:r>
-            <a:r>
-              <a:rPr lang="en-US" sz="2400" dirty="0" smtClean="0"/>
-              <a:t>for template </a:t>
+              <a:t>: </a:t>
+            </a:r>
+            <a:r>
+              <a:rPr lang="en-US" sz="2400" dirty="0" smtClean="0"/>
+              <a:t>undefined </a:t>
             </a:r>
             <a:r>
               <a:rPr lang="en-US" sz="2400" dirty="0"/>
-              <a:t>expressions</a:t>
-            </a:r>
+              <a:t>properties </a:t>
+            </a:r>
+            <a:r>
+              <a:rPr lang="en-US" sz="2400" dirty="0" smtClean="0"/>
+              <a:t>don't throw Errors</a:t>
+            </a:r>
+            <a:endParaRPr lang="en-US" sz="2400" dirty="0"/>
           </a:p>
           <a:p>
             <a:pPr marL="342900" indent="-342900" algn="l">
@@ -5132,13 +5137,51 @@
             </a:pPr>
             <a:r>
               <a:rPr lang="en-US" sz="2400" dirty="0" smtClean="0"/>
-              <a:t>Scope </a:t>
+              <a:t>Filters</a:t>
             </a:r>
             <a:r>
               <a:rPr lang="en-US" sz="2400" dirty="0"/>
-              <a:t>can </a:t>
-            </a:r>
-            <a:endParaRPr lang="en-US" sz="2400" dirty="0" smtClean="0"/>
+              <a:t>: </a:t>
+            </a:r>
+            <a:r>
+              <a:rPr lang="en-US" sz="2400" dirty="0" smtClean="0"/>
+              <a:t>use </a:t>
+            </a:r>
+            <a:r>
+              <a:rPr lang="en-US" sz="2400" dirty="0"/>
+              <a:t>filters within expressions to format data before </a:t>
+            </a:r>
+            <a:r>
+              <a:rPr lang="en-US" sz="2400" dirty="0" smtClean="0"/>
+              <a:t>display</a:t>
+            </a:r>
+            <a:endParaRPr lang="en-US" sz="2400" dirty="0"/>
+          </a:p>
+          <a:p>
+            <a:pPr marL="342900" indent="-342900" algn="l">
+              <a:buFont typeface="Arial"/>
+              <a:buChar char="•"/>
+            </a:pPr>
+            <a:r>
+              <a:rPr lang="en-US" sz="2400" dirty="0" smtClean="0"/>
+              <a:t>No </a:t>
+            </a:r>
+            <a:r>
+              <a:rPr lang="en-US" sz="2400" dirty="0"/>
+              <a:t>Control Flow </a:t>
+            </a:r>
+            <a:r>
+              <a:rPr lang="en-US" sz="2400" dirty="0" smtClean="0"/>
+              <a:t>: no </a:t>
+            </a:r>
+            <a:r>
+              <a:rPr lang="en-US" sz="2400" dirty="0"/>
+              <a:t>conditionals, loops, or </a:t>
+            </a:r>
+            <a:r>
+              <a:rPr lang="en-US" sz="2400" dirty="0" smtClean="0"/>
+              <a:t>exceptions</a:t>
+            </a:r>
           </a:p>
           <a:p>
             <a:pPr marL="800100" lvl="1" indent="-342900" algn="l">
@@ -5147,27 +5190,9 @@
             </a:pPr>
             <a:r>
               <a:rPr lang="en-US" sz="2000" dirty="0" smtClean="0"/>
-              <a:t>observe </a:t>
-            </a:r>
-            <a:r>
-              <a:rPr lang="en-US" sz="2000" dirty="0"/>
-              <a:t>model mutations ($watch) </a:t>
-            </a:r>
-            <a:endParaRPr lang="en-US" sz="2000" dirty="0" smtClean="0"/>
-          </a:p>
-          <a:p>
-            <a:pPr marL="800100" lvl="1" indent="-342900" algn="l">
-              <a:buFont typeface="Arial"/>
-              <a:buChar char="•"/>
-            </a:pPr>
-            <a:r>
-              <a:rPr lang="en-US" sz="2000" dirty="0" smtClean="0"/>
-              <a:t>propagate </a:t>
-            </a:r>
-            <a:r>
-              <a:rPr lang="en-US" sz="2000" dirty="0"/>
-              <a:t>events ($apply)</a:t>
-            </a:r>
+              <a:t>Exception (sort of): ternary operator</a:t>
+            </a:r>
+            <a:endParaRPr lang="en-US" sz="2000" dirty="0"/>
           </a:p>
           <a:p>
             <a:pPr marL="342900" indent="-342900" algn="l">
@@ -5176,12 +5201,25 @@
             </a:pPr>
             <a:r>
               <a:rPr lang="en-US" sz="2400" dirty="0" smtClean="0"/>
-              <a:t>Controllers </a:t>
+              <a:t>No </a:t>
             </a:r>
             <a:r>
               <a:rPr lang="en-US" sz="2400" dirty="0"/>
-              <a:t>and directives modify scope, but not each other</a:t>
-            </a:r>
+              <a:t>Function </a:t>
+            </a:r>
+            <a:r>
+              <a:rPr lang="en-US" sz="2400" dirty="0" smtClean="0"/>
+              <a:t>Declarations, </a:t>
+            </a:r>
+            <a:r>
+              <a:rPr lang="en-US" sz="2400" dirty="0" err="1" smtClean="0"/>
+              <a:t>RegExp</a:t>
+            </a:r>
+            <a:r>
+              <a:rPr lang="en-US" sz="2400" dirty="0" smtClean="0"/>
+              <a:t> Literals, New Operator</a:t>
+            </a:r>
+            <a:endParaRPr lang="en-US" sz="2400" dirty="0"/>
           </a:p>
           <a:p>
             <a:pPr marL="342900" indent="-342900" algn="l">
@@ -5190,33 +5228,28 @@
             </a:pPr>
             <a:r>
               <a:rPr lang="en-US" sz="2400" dirty="0" smtClean="0"/>
-              <a:t>Scopes </a:t>
+              <a:t>No </a:t>
             </a:r>
             <a:r>
               <a:rPr lang="en-US" sz="2400" dirty="0"/>
-              <a:t>arranged in hierarchical structure mirroring the application DOM</a:t>
-            </a:r>
-          </a:p>
-          <a:p>
-            <a:pPr marL="342900" indent="-342900" algn="l">
-              <a:buFont typeface="Arial"/>
-              <a:buChar char="•"/>
-            </a:pPr>
-            <a:r>
-              <a:rPr lang="en-US" sz="2400" dirty="0" smtClean="0"/>
-              <a:t>IOW</a:t>
+              <a:t>Bitwise, Comma, </a:t>
+            </a:r>
+            <a:r>
+              <a:rPr lang="en-US" sz="2400" dirty="0" smtClean="0"/>
+              <a:t>Void </a:t>
             </a:r>
             <a:r>
               <a:rPr lang="en-US" sz="2400" dirty="0"/>
-              <a:t>, all scopes have a parent, some have children</a:t>
-            </a:r>
+              <a:t>Operators: You cannot use Bitwise, , or void operators in an Angular expression.</a:t>
+            </a:r>
+            <a:endParaRPr lang="en-US" sz="2000" dirty="0"/>
           </a:p>
         </p:txBody>
       </p:sp>
     </p:spTree>
     <p:extLst>
       <p:ext uri="{BB962C8B-B14F-4D97-AF65-F5344CB8AC3E}">
-        <p14:creationId xmlns:p14="http://schemas.microsoft.com/office/powerpoint/2010/main" val="1225087237"/>
+        <p14:creationId xmlns:p14="http://schemas.microsoft.com/office/powerpoint/2010/main" val="4047607919"/>
       </p:ext>
     </p:extLst>
   </p:cSld>
@@ -5289,7 +5322,7 @@
         </p:spPr>
         <p:txBody>
           <a:bodyPr>
-            <a:normAutofit fontScale="70000" lnSpcReduction="20000"/>
+            <a:normAutofit/>
           </a:bodyPr>
           <a:lstStyle/>
           <a:p>
@@ -5299,7 +5332,7 @@
             </a:pPr>
             <a:r>
               <a:rPr lang="en-US" dirty="0" smtClean="0"/>
-              <a:t> Introductions </a:t>
+              <a:t>Introductions / Icebreakers</a:t>
             </a:r>
           </a:p>
           <a:p>
@@ -5309,7 +5342,7 @@
             </a:pPr>
             <a:r>
               <a:rPr lang="en-US" dirty="0" smtClean="0"/>
-              <a:t> Review</a:t>
+              <a:t>Course overview &amp; housekeeping</a:t>
             </a:r>
           </a:p>
           <a:p>
@@ -5319,11 +5352,7 @@
             </a:pPr>
             <a:r>
               <a:rPr lang="en-US" dirty="0" smtClean="0"/>
-              <a:t> </a:t>
-            </a:r>
-            <a:r>
-              <a:rPr lang="en-US" dirty="0"/>
-              <a:t>Angular paradigm &amp; getting started (review)</a:t>
+              <a:t>Advanced JS</a:t>
             </a:r>
           </a:p>
           <a:p>
@@ -5333,11 +5362,7 @@
             </a:pPr>
             <a:r>
               <a:rPr lang="en-US" dirty="0" smtClean="0"/>
-              <a:t> Directives</a:t>
-            </a:r>
-            <a:r>
-              <a:rPr lang="en-US" dirty="0"/>
-              <a:t>, template expressions, and filters</a:t>
+              <a:t>Lunch</a:t>
             </a:r>
           </a:p>
           <a:p>
@@ -5347,11 +5372,7 @@
             </a:pPr>
             <a:r>
               <a:rPr lang="en-US" dirty="0" smtClean="0"/>
-              <a:t> </a:t>
-            </a:r>
-            <a:r>
-              <a:rPr lang="en-US" dirty="0"/>
-              <a:t>Controllers and looping</a:t>
+              <a:t>Intro to Angular</a:t>
             </a:r>
           </a:p>
           <a:p>
@@ -5361,114 +5382,7 @@
             </a:pPr>
             <a:r>
               <a:rPr lang="en-US" dirty="0" smtClean="0"/>
-              <a:t> </a:t>
-            </a:r>
-            <a:r>
-              <a:rPr lang="en-US" dirty="0"/>
-              <a:t>Angular scope</a:t>
-            </a:r>
-          </a:p>
-          <a:p>
-            <a:pPr marL="457200" indent="-457200" algn="l">
-              <a:buFont typeface="Arial"/>
-              <a:buChar char="•"/>
-            </a:pPr>
-            <a:r>
-              <a:rPr lang="en-US" dirty="0" smtClean="0"/>
-              <a:t> </a:t>
-            </a:r>
-            <a:r>
-              <a:rPr lang="en-US" dirty="0"/>
-              <a:t>Forms</a:t>
-            </a:r>
-          </a:p>
-          <a:p>
-            <a:pPr marL="457200" indent="-457200" algn="l">
-              <a:buFont typeface="Arial"/>
-              <a:buChar char="•"/>
-            </a:pPr>
-            <a:r>
-              <a:rPr lang="en-US" dirty="0" smtClean="0"/>
-              <a:t> </a:t>
-            </a:r>
-            <a:r>
-              <a:rPr lang="en-US" dirty="0"/>
-              <a:t>UI Lab</a:t>
-            </a:r>
-          </a:p>
-          <a:p>
-            <a:pPr marL="457200" indent="-457200" algn="l">
-              <a:buFont typeface="Arial"/>
-              <a:buChar char="•"/>
-            </a:pPr>
-            <a:r>
-              <a:rPr lang="en-US" dirty="0" smtClean="0"/>
-              <a:t> </a:t>
-            </a:r>
-            <a:r>
-              <a:rPr lang="en-US" dirty="0"/>
-              <a:t>(break)</a:t>
-            </a:r>
-          </a:p>
-          <a:p>
-            <a:pPr marL="457200" indent="-457200" algn="l">
-              <a:buFont typeface="Arial"/>
-              <a:buChar char="•"/>
-            </a:pPr>
-            <a:r>
-              <a:rPr lang="en-US" dirty="0" smtClean="0"/>
-              <a:t> </a:t>
-            </a:r>
-            <a:r>
-              <a:rPr lang="en-US" dirty="0"/>
-              <a:t>Custom </a:t>
-            </a:r>
-            <a:r>
-              <a:rPr lang="en-US" dirty="0" smtClean="0"/>
-              <a:t>directives</a:t>
-            </a:r>
-          </a:p>
-          <a:p>
-            <a:pPr marL="457200" indent="-457200" algn="l">
-              <a:buFont typeface="Arial"/>
-              <a:buChar char="•"/>
-            </a:pPr>
-            <a:r>
-              <a:rPr lang="en-US" dirty="0" smtClean="0"/>
-              <a:t> Directives Lab</a:t>
-            </a:r>
-            <a:endParaRPr lang="en-US" dirty="0"/>
-          </a:p>
-          <a:p>
-            <a:pPr marL="457200" indent="-457200" algn="l">
-              <a:buFont typeface="Arial"/>
-              <a:buChar char="•"/>
-            </a:pPr>
-            <a:r>
-              <a:rPr lang="fr-FR" dirty="0" smtClean="0"/>
-              <a:t> </a:t>
-            </a:r>
-            <a:r>
-              <a:rPr lang="fr-FR" dirty="0"/>
-              <a:t>Components (ng1.5</a:t>
-            </a:r>
-            <a:r>
-              <a:rPr lang="fr-FR" dirty="0" smtClean="0"/>
-              <a:t>)</a:t>
-            </a:r>
-          </a:p>
-          <a:p>
-            <a:pPr marL="457200" indent="-457200" algn="l">
-              <a:buFont typeface="Arial"/>
-              <a:buChar char="•"/>
-            </a:pPr>
-            <a:r>
-              <a:rPr lang="fr-FR" dirty="0" smtClean="0"/>
-              <a:t> Component </a:t>
-            </a:r>
-            <a:r>
-              <a:rPr lang="fr-FR" dirty="0" err="1" smtClean="0"/>
-              <a:t>Lab</a:t>
+              <a:t>Directives and Expressions</a:t>
             </a:r>
             <a:endParaRPr lang="en-US" dirty="0"/>
           </a:p>
@@ -5525,8 +5439,8 @@
           <a:lstStyle/>
           <a:p>
             <a:r>
-              <a:rPr lang="en-US" dirty="0"/>
-              <a:t>Why scope?</a:t>
+              <a:rPr lang="en-US" dirty="0" smtClean="0"/>
+              <a:t>Angular expressions</a:t>
             </a:r>
             <a:endParaRPr lang="en-US" dirty="0"/>
           </a:p>
@@ -5554,21 +5468,43 @@
           </a:bodyPr>
           <a:lstStyle/>
           <a:p>
+            <a:pPr algn="l"/>
+            <a:r>
+              <a:rPr lang="en-US" sz="2400" dirty="0" smtClean="0"/>
+              <a:t>Best </a:t>
+            </a:r>
+            <a:r>
+              <a:rPr lang="en-US" sz="2400" dirty="0"/>
+              <a:t>practices for </a:t>
+            </a:r>
+            <a:r>
+              <a:rPr lang="en-US" sz="2400" dirty="0" smtClean="0"/>
+              <a:t>expressions</a:t>
+            </a:r>
+            <a:endParaRPr lang="en-US" sz="2400" dirty="0"/>
+          </a:p>
+          <a:p>
             <a:pPr marL="342900" indent="-342900" algn="l">
               <a:buFont typeface="Arial"/>
               <a:buChar char="•"/>
             </a:pPr>
             <a:r>
               <a:rPr lang="en-US" sz="2400" dirty="0" smtClean="0"/>
-              <a:t>Scopes </a:t>
+              <a:t>Quick </a:t>
             </a:r>
             <a:r>
               <a:rPr lang="en-US" sz="2400" dirty="0"/>
-              <a:t>can inherit, promoting </a:t>
-            </a:r>
-            <a:r>
-              <a:rPr lang="en-US" sz="2400" dirty="0" err="1"/>
-              <a:t>composability</a:t>
+              <a:t>execution</a:t>
+            </a:r>
+          </a:p>
+          <a:p>
+            <a:pPr marL="342900" indent="-342900" algn="l">
+              <a:buFont typeface="Arial"/>
+              <a:buChar char="•"/>
+            </a:pPr>
+            <a:r>
+              <a:rPr lang="en-US" sz="2400" dirty="0" smtClean="0"/>
+              <a:t>Simplicity</a:t>
             </a:r>
             <a:endParaRPr lang="en-US" sz="2400" dirty="0"/>
           </a:p>
@@ -5578,12 +5514,27 @@
               <a:buChar char="•"/>
             </a:pPr>
             <a:r>
-              <a:rPr lang="en-US" sz="2400" dirty="0" smtClean="0"/>
-              <a:t>Memory </a:t>
+              <a:rPr lang="en-US" sz="2400" dirty="0" err="1" smtClean="0"/>
+              <a:t>Idempotence</a:t>
+            </a:r>
+            <a:endParaRPr lang="en-US" sz="2400" dirty="0" smtClean="0"/>
+          </a:p>
+          <a:p>
+            <a:pPr marL="342900" indent="-342900" algn="l">
+              <a:buFont typeface="Arial"/>
+              <a:buChar char="•"/>
+            </a:pPr>
+            <a:r>
+              <a:rPr lang="en-US" sz="2400" dirty="0" smtClean="0"/>
+              <a:t>No </a:t>
             </a:r>
             <a:r>
               <a:rPr lang="en-US" sz="2400" dirty="0"/>
-              <a:t>management: when DOM changes, scope changes</a:t>
+              <a:t>side </a:t>
+            </a:r>
+            <a:r>
+              <a:rPr lang="en-US" sz="2400" dirty="0" smtClean="0"/>
+              <a:t>effects</a:t>
             </a:r>
           </a:p>
           <a:p>
@@ -5591,13 +5542,13 @@
               <a:buFont typeface="Arial"/>
               <a:buChar char="•"/>
             </a:pPr>
-            <a:r>
-              <a:rPr lang="en-US" sz="2400" dirty="0" smtClean="0"/>
-              <a:t>Scope </a:t>
-            </a:r>
-            <a:r>
-              <a:rPr lang="en-US" sz="2400" dirty="0"/>
-              <a:t>handles set up and tear down of bindings and listeners</a:t>
+            <a:endParaRPr lang="en-US" sz="2400" dirty="0"/>
+          </a:p>
+          <a:p>
+            <a:pPr algn="l"/>
+            <a:r>
+              <a:rPr lang="en-US" sz="2400" dirty="0" smtClean="0"/>
+              <a:t>For more complicated needs, use</a:t>
             </a:r>
           </a:p>
           <a:p>
@@ -5607,41 +5558,26 @@
             </a:pPr>
             <a:r>
               <a:rPr lang="en-US" sz="2400" dirty="0" smtClean="0"/>
-              <a:t>Separates </a:t>
-            </a:r>
-            <a:r>
-              <a:rPr lang="en-US" sz="2400" dirty="0"/>
-              <a:t>data model from application logic. Good for:</a:t>
-            </a:r>
-          </a:p>
-          <a:p>
-            <a:pPr marL="800100" lvl="1" indent="-342900" algn="l">
-              <a:buFont typeface="Arial"/>
-              <a:buChar char="•"/>
-            </a:pPr>
-            <a:r>
-              <a:rPr lang="en-US" sz="2000" dirty="0" smtClean="0"/>
-              <a:t>reusability</a:t>
-            </a:r>
-            <a:endParaRPr lang="en-US" sz="2000" dirty="0"/>
-          </a:p>
-          <a:p>
-            <a:pPr marL="800100" lvl="1" indent="-342900" algn="l">
-              <a:buFont typeface="Arial"/>
-              <a:buChar char="•"/>
-            </a:pPr>
-            <a:r>
-              <a:rPr lang="en-US" sz="2000" dirty="0" smtClean="0"/>
-              <a:t>testing</a:t>
-            </a:r>
-            <a:endParaRPr lang="en-US" sz="2000" dirty="0"/>
+              <a:t>Controller method</a:t>
+            </a:r>
+          </a:p>
+          <a:p>
+            <a:pPr marL="342900" indent="-342900" algn="l">
+              <a:buFont typeface="Arial"/>
+              <a:buChar char="•"/>
+            </a:pPr>
+            <a:r>
+              <a:rPr lang="en-US" sz="2400" dirty="0" smtClean="0"/>
+              <a:t>Service</a:t>
+            </a:r>
+            <a:endParaRPr lang="en-US" sz="2400" dirty="0"/>
           </a:p>
         </p:txBody>
       </p:sp>
     </p:spTree>
     <p:extLst>
       <p:ext uri="{BB962C8B-B14F-4D97-AF65-F5344CB8AC3E}">
-        <p14:creationId xmlns:p14="http://schemas.microsoft.com/office/powerpoint/2010/main" val="2423331774"/>
+        <p14:creationId xmlns:p14="http://schemas.microsoft.com/office/powerpoint/2010/main" val="2028328319"/>
       </p:ext>
     </p:extLst>
   </p:cSld>
@@ -5689,8 +5625,12 @@
           <a:lstStyle/>
           <a:p>
             <a:r>
-              <a:rPr lang="en-US" dirty="0"/>
-              <a:t>Scope inheritance</a:t>
+              <a:rPr lang="en-US" dirty="0" smtClean="0"/>
+              <a:t>Get </a:t>
+            </a:r>
+            <a:r>
+              <a:rPr lang="en-US" dirty="0" smtClean="0"/>
+              <a:t>Started</a:t>
             </a:r>
             <a:endParaRPr lang="en-US" dirty="0"/>
           </a:p>
@@ -5714,60 +5654,58 @@
         </p:spPr>
         <p:txBody>
           <a:bodyPr>
-            <a:normAutofit fontScale="85000" lnSpcReduction="10000"/>
+            <a:normAutofit/>
           </a:bodyPr>
           <a:lstStyle/>
           <a:p>
-            <a:pPr algn="l"/>
-            <a:r>
-              <a:rPr lang="en-US" sz="2400" dirty="0" smtClean="0"/>
-              <a:t>Four </a:t>
-            </a:r>
+            <a:pPr marL="171450" indent="-171450" algn="l">
+              <a:buFont typeface="Arial"/>
+              <a:buChar char="•"/>
+            </a:pPr>
             <a:r>
               <a:rPr lang="en-US" sz="2400" dirty="0"/>
-              <a:t>types (plus none) of scope inheritance</a:t>
-            </a:r>
-          </a:p>
-          <a:p>
-            <a:pPr marL="457200" indent="-457200" algn="l">
-              <a:buFont typeface="+mj-lt"/>
-              <a:buAutoNum type="arabicPeriod"/>
-            </a:pPr>
-            <a:r>
-              <a:rPr lang="en-US" sz="2400" dirty="0" smtClean="0"/>
-              <a:t>None</a:t>
+              <a:t> </a:t>
+            </a:r>
+            <a:r>
+              <a:rPr lang="en-US" sz="2400" dirty="0" smtClean="0"/>
+              <a:t>Valid </a:t>
             </a:r>
             <a:r>
               <a:rPr lang="en-US" sz="2400" dirty="0"/>
-              <a:t>: directives by default</a:t>
-            </a:r>
-          </a:p>
-          <a:p>
-            <a:pPr marL="914400" lvl="1" indent="-457200" algn="l">
-              <a:buFont typeface="Arial"/>
-              <a:buChar char="•"/>
-            </a:pPr>
-            <a:r>
-              <a:rPr lang="en-US" sz="2000" dirty="0" smtClean="0"/>
-              <a:t>Directive </a:t>
-            </a:r>
-            <a:r>
-              <a:rPr lang="en-US" sz="2000" dirty="0"/>
-              <a:t>accesses &amp; assigns values on parent scope directly.</a:t>
-            </a:r>
-          </a:p>
-          <a:p>
-            <a:pPr marL="457200" indent="-457200" algn="l">
-              <a:buFont typeface="+mj-lt"/>
-              <a:buAutoNum type="arabicPeriod"/>
-            </a:pPr>
-            <a:r>
-              <a:rPr lang="en-US" sz="2400" dirty="0" smtClean="0"/>
-              <a:t>Normal </a:t>
+              <a:t>HTML page</a:t>
+            </a:r>
+          </a:p>
+          <a:p>
+            <a:pPr marL="171450" indent="-171450" algn="l">
+              <a:buFont typeface="Arial"/>
+              <a:buChar char="•"/>
+            </a:pPr>
+            <a:r>
+              <a:rPr lang="en-US" sz="2400" dirty="0" smtClean="0"/>
+              <a:t> </a:t>
             </a:r>
             <a:r>
               <a:rPr lang="en-US" sz="2400" dirty="0"/>
-              <a:t>prototypal: </a:t>
+              <a:t>Script tag pointing to </a:t>
+            </a:r>
+            <a:r>
+              <a:rPr lang="en-US" sz="2400" dirty="0" err="1"/>
+              <a:t>angular.js</a:t>
+            </a:r>
+            <a:endParaRPr lang="en-US" sz="2400" dirty="0"/>
+          </a:p>
+          <a:p>
+            <a:pPr marL="171450" indent="-171450" algn="l">
+              <a:buFont typeface="Arial"/>
+              <a:buChar char="•"/>
+            </a:pPr>
+            <a:r>
+              <a:rPr lang="en-US" sz="2400" dirty="0" smtClean="0"/>
+              <a:t> </a:t>
+            </a:r>
+            <a:r>
+              <a:rPr lang="en-US" sz="2400" dirty="0"/>
+              <a:t>Angular requires </a:t>
             </a:r>
             <a:r>
               <a:rPr lang="en-US" sz="2400" dirty="0" err="1"/>
@@ -5775,3095 +5713,20 @@
             </a:r>
             <a:r>
               <a:rPr lang="en-US" sz="2400" dirty="0"/>
-              <a:t>-controller, </a:t>
-            </a:r>
-            <a:r>
-              <a:rPr lang="en-US" sz="2400" dirty="0" err="1"/>
-              <a:t>ng</a:t>
-            </a:r>
-            <a:r>
-              <a:rPr lang="en-US" sz="2400" dirty="0"/>
-              <a:t>-include, </a:t>
-            </a:r>
-            <a:r>
-              <a:rPr lang="en-US" sz="2400" dirty="0" err="1"/>
-              <a:t>ng</a:t>
-            </a:r>
-            <a:r>
-              <a:rPr lang="en-US" sz="2400" dirty="0"/>
-              <a:t>-switch, directive with option </a:t>
-            </a:r>
-            <a:r>
-              <a:rPr lang="en-US" sz="2400" dirty="0" err="1"/>
-              <a:t>scope:true</a:t>
+              <a:t>-app directive to </a:t>
+            </a:r>
+            <a:r>
+              <a:rPr lang="en-US" sz="2400" dirty="0" err="1" smtClean="0"/>
+              <a:t>init</a:t>
             </a:r>
             <a:endParaRPr lang="en-US" sz="2400" dirty="0"/>
-          </a:p>
-          <a:p>
-            <a:pPr marL="914400" lvl="1" indent="-457200" algn="l">
-              <a:buFont typeface="Arial"/>
-              <a:buChar char="•"/>
-            </a:pPr>
-            <a:r>
-              <a:rPr lang="en-US" sz="2000" dirty="0" smtClean="0"/>
-              <a:t>Tries </a:t>
-            </a:r>
-            <a:r>
-              <a:rPr lang="en-US" sz="2000" dirty="0"/>
-              <a:t>to look up properties on child, followed by parent; assigns properties on child.</a:t>
-            </a:r>
-          </a:p>
-          <a:p>
-            <a:pPr marL="457200" indent="-457200" algn="l">
-              <a:buFont typeface="+mj-lt"/>
-              <a:buAutoNum type="arabicPeriod"/>
-            </a:pPr>
-            <a:r>
-              <a:rPr lang="en-US" sz="2400" dirty="0" smtClean="0"/>
-              <a:t>Normal </a:t>
-            </a:r>
-            <a:r>
-              <a:rPr lang="en-US" sz="2400" dirty="0"/>
-              <a:t>prototypal plus copy/assignment: </a:t>
-            </a:r>
-            <a:r>
-              <a:rPr lang="en-US" sz="2400" dirty="0" err="1"/>
-              <a:t>ng</a:t>
-            </a:r>
-            <a:r>
-              <a:rPr lang="en-US" sz="2400" dirty="0"/>
-              <a:t>-repeat</a:t>
-            </a:r>
-          </a:p>
-          <a:p>
-            <a:pPr marL="800100" lvl="1" indent="-342900" algn="l">
-              <a:buFont typeface="Arial"/>
-              <a:buChar char="•"/>
-            </a:pPr>
-            <a:r>
-              <a:rPr lang="en-US" sz="2000" dirty="0" smtClean="0"/>
-              <a:t>Each </a:t>
-            </a:r>
-            <a:r>
-              <a:rPr lang="en-US" sz="2000" dirty="0"/>
-              <a:t>iteration of </a:t>
-            </a:r>
-            <a:r>
-              <a:rPr lang="en-US" sz="2000" dirty="0" err="1"/>
-              <a:t>ng</a:t>
-            </a:r>
-            <a:r>
-              <a:rPr lang="en-US" sz="2000" dirty="0"/>
-              <a:t>-repeat creates a new child scope, which also gets a property with alias name.</a:t>
-            </a:r>
-          </a:p>
-          <a:p>
-            <a:pPr marL="457200" indent="-457200" algn="l">
-              <a:buFont typeface="+mj-lt"/>
-              <a:buAutoNum type="arabicPeriod"/>
-            </a:pPr>
-            <a:r>
-              <a:rPr lang="en-US" sz="2400" dirty="0" smtClean="0"/>
-              <a:t>Isolate </a:t>
-            </a:r>
-            <a:r>
-              <a:rPr lang="en-US" sz="2400" dirty="0"/>
-              <a:t>scope: directive with option scope:{}</a:t>
-            </a:r>
-          </a:p>
-          <a:p>
-            <a:pPr marL="914400" lvl="1" indent="-457200" algn="l">
-              <a:buFont typeface="Arial"/>
-              <a:buChar char="•"/>
-            </a:pPr>
-            <a:r>
-              <a:rPr lang="en-US" sz="2000" dirty="0" smtClean="0"/>
-              <a:t>Object </a:t>
-            </a:r>
-            <a:r>
-              <a:rPr lang="en-US" sz="2000" dirty="0"/>
-              <a:t>literal creates "blank", non-inherited scope. Reference to parent scope is still available.</a:t>
-            </a:r>
-          </a:p>
-          <a:p>
-            <a:pPr marL="457200" indent="-457200" algn="l">
-              <a:buFont typeface="+mj-lt"/>
-              <a:buAutoNum type="arabicPeriod"/>
-            </a:pPr>
-            <a:r>
-              <a:rPr lang="en-US" sz="2400" dirty="0" err="1" smtClean="0"/>
-              <a:t>Transcluded</a:t>
-            </a:r>
-            <a:r>
-              <a:rPr lang="en-US" sz="2400" dirty="0" smtClean="0"/>
-              <a:t> </a:t>
-            </a:r>
-            <a:r>
-              <a:rPr lang="en-US" sz="2400" dirty="0"/>
-              <a:t>scope: directive with option </a:t>
-            </a:r>
-            <a:r>
-              <a:rPr lang="en-US" sz="2400" dirty="0" err="1"/>
-              <a:t>transclude:true</a:t>
-            </a:r>
-            <a:endParaRPr lang="en-US" sz="2400" dirty="0"/>
-          </a:p>
-          <a:p>
-            <a:pPr marL="914400" lvl="1" indent="-457200" algn="l">
-              <a:buFont typeface="Arial"/>
-              <a:buChar char="•"/>
-            </a:pPr>
-            <a:r>
-              <a:rPr lang="en-US" sz="2000" dirty="0" smtClean="0"/>
-              <a:t>Normal</a:t>
-            </a:r>
-            <a:r>
-              <a:rPr lang="en-US" sz="2100" dirty="0" smtClean="0"/>
-              <a:t> </a:t>
-            </a:r>
-            <a:r>
-              <a:rPr lang="en-US" sz="2100" dirty="0"/>
-              <a:t>prototypal scope inheritance, but also a sibling of any isolate scope.</a:t>
-            </a:r>
           </a:p>
         </p:txBody>
       </p:sp>
     </p:spTree>
     <p:extLst>
       <p:ext uri="{BB962C8B-B14F-4D97-AF65-F5344CB8AC3E}">
-        <p14:creationId xmlns:p14="http://schemas.microsoft.com/office/powerpoint/2010/main" val="2224407252"/>
-      </p:ext>
-    </p:extLst>
-  </p:cSld>
-  <p:clrMapOvr>
-    <a:masterClrMapping/>
-  </p:clrMapOvr>
-</p:sld>
-</file>
-
-<file path=ppt/slides/slide22.xml><?xml version="1.0" encoding="utf-8"?>
-<p:sld xmlns:a="http://schemas.openxmlformats.org/drawingml/2006/main" xmlns:r="http://schemas.openxmlformats.org/officeDocument/2006/relationships" xmlns:p="http://schemas.openxmlformats.org/presentationml/2006/main">
-  <p:cSld>
-    <p:spTree>
-      <p:nvGrpSpPr>
-        <p:cNvPr id="1" name=""/>
-        <p:cNvGrpSpPr/>
-        <p:nvPr/>
-      </p:nvGrpSpPr>
-      <p:grpSpPr>
-        <a:xfrm>
-          <a:off x="0" y="0"/>
-          <a:ext cx="0" cy="0"/>
-          <a:chOff x="0" y="0"/>
-          <a:chExt cx="0" cy="0"/>
-        </a:xfrm>
-      </p:grpSpPr>
-      <p:sp>
-        <p:nvSpPr>
-          <p:cNvPr id="2" name="Title 1"/>
-          <p:cNvSpPr>
-            <a:spLocks noGrp="1"/>
-          </p:cNvSpPr>
-          <p:nvPr>
-            <p:ph type="ctrTitle"/>
-          </p:nvPr>
-        </p:nvSpPr>
-        <p:spPr>
-          <a:xfrm>
-            <a:off x="685800" y="160685"/>
-            <a:ext cx="7772400" cy="1470025"/>
-          </a:xfrm>
-        </p:spPr>
-        <p:txBody>
-          <a:bodyPr/>
-          <a:lstStyle/>
-          <a:p>
-            <a:r>
-              <a:rPr lang="en-US" dirty="0" err="1"/>
-              <a:t>ControllerAs</a:t>
-            </a:r>
-            <a:r>
-              <a:rPr lang="en-US" dirty="0"/>
-              <a:t> syntax (</a:t>
-            </a:r>
-            <a:r>
-              <a:rPr lang="en-US" dirty="0" err="1"/>
-              <a:t>nG</a:t>
-            </a:r>
-            <a:r>
-              <a:rPr lang="en-US" dirty="0"/>
-              <a:t> 1.2+)</a:t>
-            </a:r>
-            <a:endParaRPr lang="en-US" dirty="0"/>
-          </a:p>
-        </p:txBody>
-      </p:sp>
-      <p:sp>
-        <p:nvSpPr>
-          <p:cNvPr id="3" name="Subtitle 2"/>
-          <p:cNvSpPr>
-            <a:spLocks noGrp="1"/>
-          </p:cNvSpPr>
-          <p:nvPr>
-            <p:ph type="subTitle" idx="1"/>
-          </p:nvPr>
-        </p:nvSpPr>
-        <p:spPr>
-          <a:xfrm>
-            <a:off x="454651" y="1630710"/>
-            <a:ext cx="8371875" cy="4609893"/>
-          </a:xfrm>
-        </p:spPr>
-        <p:txBody>
-          <a:bodyPr>
-            <a:normAutofit fontScale="92500" lnSpcReduction="10000"/>
-          </a:bodyPr>
-          <a:lstStyle/>
-          <a:p>
-            <a:pPr marL="342900" indent="-342900" algn="l">
-              <a:buFont typeface="Arial"/>
-              <a:buChar char="•"/>
-            </a:pPr>
-            <a:r>
-              <a:rPr lang="en-US" sz="2000" dirty="0" smtClean="0"/>
-              <a:t>Scope </a:t>
-            </a:r>
-            <a:r>
-              <a:rPr lang="en-US" sz="2000" dirty="0"/>
-              <a:t>inheritance starts to get crazy when controllers are nested</a:t>
-            </a:r>
-          </a:p>
-          <a:p>
-            <a:pPr lvl="1" algn="l"/>
-            <a:r>
-              <a:rPr lang="en-US" sz="1600" dirty="0" smtClean="0"/>
-              <a:t>&lt;</a:t>
-            </a:r>
-            <a:r>
-              <a:rPr lang="en-US" sz="1600" dirty="0"/>
-              <a:t>div </a:t>
-            </a:r>
-            <a:r>
-              <a:rPr lang="en-US" sz="1600" dirty="0" err="1"/>
-              <a:t>ng</a:t>
-            </a:r>
-            <a:r>
-              <a:rPr lang="en-US" sz="1600" dirty="0"/>
-              <a:t>-controller="</a:t>
-            </a:r>
-            <a:r>
-              <a:rPr lang="en-US" sz="1600" dirty="0" err="1"/>
-              <a:t>ControllerOne</a:t>
-            </a:r>
-            <a:r>
-              <a:rPr lang="en-US" sz="1600" dirty="0"/>
-              <a:t>"&gt;</a:t>
-            </a:r>
-          </a:p>
-          <a:p>
-            <a:pPr lvl="1" algn="l"/>
-            <a:r>
-              <a:rPr lang="nl-NL" sz="1600" dirty="0" smtClean="0"/>
-              <a:t>  {</a:t>
-            </a:r>
-            <a:r>
-              <a:rPr lang="nl-NL" sz="1600" dirty="0"/>
-              <a:t>{</a:t>
-            </a:r>
-            <a:r>
-              <a:rPr lang="nl-NL" sz="1600" dirty="0" err="1"/>
-              <a:t>foo</a:t>
-            </a:r>
-            <a:r>
-              <a:rPr lang="nl-NL" sz="1600" dirty="0"/>
-              <a:t>}</a:t>
-            </a:r>
-            <a:r>
-              <a:rPr lang="nl-NL" sz="1600" dirty="0" smtClean="0"/>
-              <a:t>}</a:t>
-            </a:r>
-            <a:endParaRPr lang="nl-NL" sz="1600" dirty="0"/>
-          </a:p>
-          <a:p>
-            <a:pPr lvl="1" algn="l"/>
-            <a:r>
-              <a:rPr lang="nl-NL" sz="1600" dirty="0" smtClean="0"/>
-              <a:t>&lt;</a:t>
-            </a:r>
-            <a:r>
-              <a:rPr lang="nl-NL" sz="1600" dirty="0"/>
-              <a:t>div </a:t>
-            </a:r>
-            <a:r>
-              <a:rPr lang="nl-NL" sz="1600" dirty="0" err="1"/>
-              <a:t>ng</a:t>
-            </a:r>
-            <a:r>
-              <a:rPr lang="nl-NL" sz="1600" dirty="0"/>
-              <a:t>-controller="</a:t>
-            </a:r>
-            <a:r>
-              <a:rPr lang="nl-NL" sz="1600" dirty="0" err="1"/>
-              <a:t>ControllerTwo</a:t>
-            </a:r>
-            <a:r>
-              <a:rPr lang="nl-NL" sz="1600" dirty="0"/>
-              <a:t>"&gt;</a:t>
-            </a:r>
-          </a:p>
-          <a:p>
-            <a:pPr lvl="1" algn="l"/>
-            <a:r>
-              <a:rPr lang="nl-NL" sz="1600" dirty="0" smtClean="0"/>
-              <a:t>   {</a:t>
-            </a:r>
-            <a:r>
-              <a:rPr lang="nl-NL" sz="1600" dirty="0"/>
-              <a:t>{</a:t>
-            </a:r>
-            <a:r>
-              <a:rPr lang="nl-NL" sz="1600" dirty="0" err="1"/>
-              <a:t>foo</a:t>
-            </a:r>
-            <a:r>
-              <a:rPr lang="nl-NL" sz="1600" dirty="0"/>
-              <a:t>}}</a:t>
-            </a:r>
-          </a:p>
-          <a:p>
-            <a:pPr lvl="1" algn="l"/>
-            <a:r>
-              <a:rPr lang="nl-NL" sz="1600" dirty="0" smtClean="0"/>
-              <a:t>  {</a:t>
-            </a:r>
-            <a:r>
-              <a:rPr lang="nl-NL" sz="1600" dirty="0"/>
-              <a:t>{$</a:t>
-            </a:r>
-            <a:r>
-              <a:rPr lang="nl-NL" sz="1600" dirty="0" err="1"/>
-              <a:t>parent.foo</a:t>
-            </a:r>
-            <a:r>
-              <a:rPr lang="nl-NL" sz="1600" dirty="0"/>
-              <a:t>}}</a:t>
-            </a:r>
-          </a:p>
-          <a:p>
-            <a:pPr marL="342900" indent="-342900" algn="l">
-              <a:buFont typeface="Arial"/>
-              <a:buChar char="•"/>
-            </a:pPr>
-            <a:r>
-              <a:rPr lang="nl-NL" sz="2000" dirty="0" smtClean="0"/>
-              <a:t>Template </a:t>
-            </a:r>
-            <a:r>
-              <a:rPr lang="nl-NL" sz="2000" dirty="0" err="1"/>
-              <a:t>value</a:t>
-            </a:r>
-            <a:r>
-              <a:rPr lang="nl-NL" sz="2000" dirty="0"/>
-              <a:t> </a:t>
-            </a:r>
-            <a:r>
-              <a:rPr lang="nl-NL" sz="2000" dirty="0" err="1"/>
-              <a:t>now</a:t>
-            </a:r>
-            <a:r>
-              <a:rPr lang="nl-NL" sz="2000" dirty="0"/>
-              <a:t> </a:t>
-            </a:r>
-            <a:r>
-              <a:rPr lang="nl-NL" sz="2000" dirty="0" err="1"/>
-              <a:t>coupled</a:t>
-            </a:r>
-            <a:r>
-              <a:rPr lang="nl-NL" sz="2000" dirty="0"/>
-              <a:t> </a:t>
-            </a:r>
-            <a:r>
-              <a:rPr lang="nl-NL" sz="2000" dirty="0" err="1"/>
-              <a:t>to</a:t>
-            </a:r>
-            <a:r>
-              <a:rPr lang="nl-NL" sz="2000" dirty="0"/>
-              <a:t> DOM placement ($</a:t>
-            </a:r>
-            <a:r>
-              <a:rPr lang="nl-NL" sz="2000" dirty="0" err="1"/>
-              <a:t>parent</a:t>
-            </a:r>
-            <a:r>
-              <a:rPr lang="nl-NL" sz="2000" dirty="0"/>
-              <a:t>) - </a:t>
-            </a:r>
-            <a:r>
-              <a:rPr lang="nl-NL" sz="2000" dirty="0" err="1"/>
-              <a:t>not</a:t>
-            </a:r>
-            <a:r>
-              <a:rPr lang="nl-NL" sz="2000" dirty="0"/>
-              <a:t> </a:t>
-            </a:r>
-            <a:r>
-              <a:rPr lang="nl-NL" sz="2000" dirty="0" err="1"/>
-              <a:t>moveable</a:t>
-            </a:r>
-            <a:endParaRPr lang="nl-NL" sz="2000" dirty="0"/>
-          </a:p>
-          <a:p>
-            <a:pPr lvl="1" algn="l"/>
-            <a:r>
-              <a:rPr lang="nl-NL" sz="1600" dirty="0"/>
-              <a:t>  </a:t>
-            </a:r>
-            <a:r>
-              <a:rPr lang="nl-NL" sz="1600" dirty="0" smtClean="0"/>
-              <a:t>&lt;</a:t>
-            </a:r>
-            <a:r>
-              <a:rPr lang="nl-NL" sz="1600" dirty="0"/>
-              <a:t>div </a:t>
-            </a:r>
-            <a:r>
-              <a:rPr lang="nl-NL" sz="1600" dirty="0" err="1"/>
-              <a:t>ng</a:t>
-            </a:r>
-            <a:r>
-              <a:rPr lang="nl-NL" sz="1600" dirty="0"/>
-              <a:t>-controller="</a:t>
-            </a:r>
-            <a:r>
-              <a:rPr lang="nl-NL" sz="1600" dirty="0" err="1"/>
-              <a:t>ControllerOne</a:t>
-            </a:r>
-            <a:r>
-              <a:rPr lang="nl-NL" sz="1600" dirty="0"/>
-              <a:t> as ctrl1"&gt;</a:t>
-            </a:r>
-          </a:p>
-          <a:p>
-            <a:pPr lvl="1" algn="l"/>
-            <a:r>
-              <a:rPr lang="nl-NL" sz="1600" dirty="0"/>
-              <a:t>  </a:t>
-            </a:r>
-            <a:r>
-              <a:rPr lang="nl-NL" sz="1600" dirty="0" smtClean="0"/>
-              <a:t>  {</a:t>
-            </a:r>
-            <a:r>
-              <a:rPr lang="nl-NL" sz="1600" dirty="0"/>
-              <a:t>{ctrl1.foo}}</a:t>
-            </a:r>
-          </a:p>
-          <a:p>
-            <a:pPr algn="l"/>
-            <a:r>
-              <a:rPr lang="nl-NL" sz="1600" dirty="0"/>
-              <a:t>          &lt;div </a:t>
-            </a:r>
-            <a:r>
-              <a:rPr lang="nl-NL" sz="1600" dirty="0" err="1"/>
-              <a:t>ng</a:t>
-            </a:r>
-            <a:r>
-              <a:rPr lang="nl-NL" sz="1600" dirty="0"/>
-              <a:t>-</a:t>
-            </a:r>
-            <a:r>
-              <a:rPr lang="nl-NL" sz="1600" dirty="0" smtClean="0"/>
-              <a:t>controller</a:t>
-            </a:r>
-            <a:r>
-              <a:rPr lang="nl-NL" sz="1600" dirty="0"/>
-              <a:t>="</a:t>
-            </a:r>
-            <a:r>
-              <a:rPr lang="nl-NL" sz="1600" dirty="0" err="1"/>
-              <a:t>ControllerTwo</a:t>
-            </a:r>
-            <a:r>
-              <a:rPr lang="nl-NL" sz="1600" dirty="0"/>
-              <a:t> as ctrl2"&gt;</a:t>
-            </a:r>
-          </a:p>
-          <a:p>
-            <a:pPr lvl="1" algn="l"/>
-            <a:r>
-              <a:rPr lang="nl-NL" sz="1600" dirty="0"/>
-              <a:t>   </a:t>
-            </a:r>
-            <a:r>
-              <a:rPr lang="nl-NL" sz="1600" dirty="0" smtClean="0"/>
-              <a:t>  {</a:t>
-            </a:r>
-            <a:r>
-              <a:rPr lang="nl-NL" sz="1600" dirty="0"/>
-              <a:t>{ctrl2.foo}}</a:t>
-            </a:r>
-          </a:p>
-          <a:p>
-            <a:pPr lvl="1" algn="l"/>
-            <a:r>
-              <a:rPr lang="nl-NL" sz="1600" dirty="0"/>
-              <a:t>     </a:t>
-            </a:r>
-            <a:r>
-              <a:rPr lang="nl-NL" sz="1600" dirty="0" smtClean="0"/>
-              <a:t>{</a:t>
-            </a:r>
-            <a:r>
-              <a:rPr lang="nl-NL" sz="1600" dirty="0"/>
-              <a:t>{ctrl1.foo}}</a:t>
-            </a:r>
-          </a:p>
-          <a:p>
-            <a:pPr marL="342900" indent="-342900" algn="l">
-              <a:buFont typeface="Arial"/>
-              <a:buChar char="•"/>
-            </a:pPr>
-            <a:r>
-              <a:rPr lang="nl-NL" sz="2000" dirty="0" smtClean="0"/>
-              <a:t>Syntax </a:t>
-            </a:r>
-            <a:r>
-              <a:rPr lang="nl-NL" sz="2000" dirty="0" err="1"/>
-              <a:t>not</a:t>
-            </a:r>
-            <a:r>
-              <a:rPr lang="nl-NL" sz="2000" dirty="0"/>
-              <a:t> </a:t>
-            </a:r>
-            <a:r>
-              <a:rPr lang="nl-NL" sz="2000" dirty="0" err="1"/>
-              <a:t>limited</a:t>
-            </a:r>
-            <a:r>
-              <a:rPr lang="nl-NL" sz="2000" dirty="0"/>
-              <a:t> </a:t>
-            </a:r>
-            <a:r>
-              <a:rPr lang="nl-NL" sz="2000" dirty="0" err="1"/>
-              <a:t>to</a:t>
-            </a:r>
-            <a:r>
-              <a:rPr lang="nl-NL" sz="2000" dirty="0"/>
-              <a:t> views - </a:t>
-            </a:r>
-            <a:r>
-              <a:rPr lang="nl-NL" sz="2000" dirty="0" err="1"/>
-              <a:t>heres</a:t>
-            </a:r>
-            <a:r>
-              <a:rPr lang="nl-NL" sz="2000" dirty="0"/>
-              <a:t> a Directive Definition </a:t>
-            </a:r>
-            <a:r>
-              <a:rPr lang="nl-NL" sz="2000" dirty="0" smtClean="0"/>
-              <a:t>Object:</a:t>
-            </a:r>
-          </a:p>
-          <a:p>
-            <a:pPr lvl="1" algn="l"/>
-            <a:r>
-              <a:rPr lang="fr-FR" sz="1600" dirty="0" smtClean="0"/>
-              <a:t>{ </a:t>
-            </a:r>
-            <a:r>
-              <a:rPr lang="fr-FR" sz="1600" dirty="0" err="1" smtClean="0"/>
-              <a:t>restrict</a:t>
-            </a:r>
-            <a:r>
-              <a:rPr lang="fr-FR" sz="1600" dirty="0" smtClean="0"/>
-              <a:t>: 'A',</a:t>
-            </a:r>
-          </a:p>
-          <a:p>
-            <a:pPr lvl="1" algn="l"/>
-            <a:r>
-              <a:rPr lang="fr-FR" sz="1600" dirty="0" smtClean="0"/>
-              <a:t> </a:t>
-            </a:r>
-            <a:r>
-              <a:rPr lang="fr-FR" sz="1600" dirty="0" err="1" smtClean="0"/>
-              <a:t>controller</a:t>
-            </a:r>
-            <a:r>
-              <a:rPr lang="fr-FR" sz="1600" dirty="0"/>
-              <a:t>: '</a:t>
-            </a:r>
-            <a:r>
-              <a:rPr lang="fr-FR" sz="1600" dirty="0" err="1"/>
-              <a:t>SomeController</a:t>
-            </a:r>
-            <a:r>
-              <a:rPr lang="fr-FR" sz="1600" dirty="0"/>
-              <a:t>',</a:t>
-            </a:r>
-          </a:p>
-          <a:p>
-            <a:pPr lvl="1" algn="l"/>
-            <a:r>
-              <a:rPr lang="fr-FR" sz="1600" dirty="0" smtClean="0"/>
-              <a:t> </a:t>
-            </a:r>
-            <a:r>
-              <a:rPr lang="fr-FR" sz="1600" dirty="0" err="1" smtClean="0"/>
-              <a:t>controllerAs</a:t>
-            </a:r>
-            <a:r>
-              <a:rPr lang="fr-FR" sz="1600" dirty="0"/>
-              <a:t>: 'ctrl',</a:t>
-            </a:r>
-          </a:p>
-          <a:p>
-            <a:pPr lvl="1" algn="l"/>
-            <a:r>
-              <a:rPr lang="nl-NL" sz="1600" dirty="0" smtClean="0"/>
-              <a:t> template</a:t>
-            </a:r>
-            <a:r>
-              <a:rPr lang="nl-NL" sz="1600" dirty="0"/>
-              <a:t>: '{{</a:t>
-            </a:r>
-            <a:r>
-              <a:rPr lang="nl-NL" sz="1600" dirty="0" err="1"/>
-              <a:t>ctrl.foo</a:t>
-            </a:r>
-            <a:r>
-              <a:rPr lang="nl-NL" sz="1600" dirty="0"/>
-              <a:t>}</a:t>
-            </a:r>
-            <a:r>
-              <a:rPr lang="nl-NL" sz="1600" dirty="0" smtClean="0"/>
-              <a:t>}’}</a:t>
-            </a:r>
-            <a:endParaRPr lang="en-US" sz="1700" dirty="0"/>
-          </a:p>
-        </p:txBody>
-      </p:sp>
-    </p:spTree>
-    <p:extLst>
-      <p:ext uri="{BB962C8B-B14F-4D97-AF65-F5344CB8AC3E}">
-        <p14:creationId xmlns:p14="http://schemas.microsoft.com/office/powerpoint/2010/main" val="2552618574"/>
-      </p:ext>
-    </p:extLst>
-  </p:cSld>
-  <p:clrMapOvr>
-    <a:masterClrMapping/>
-  </p:clrMapOvr>
-</p:sld>
-</file>
-
-<file path=ppt/slides/slide23.xml><?xml version="1.0" encoding="utf-8"?>
-<p:sld xmlns:a="http://schemas.openxmlformats.org/drawingml/2006/main" xmlns:r="http://schemas.openxmlformats.org/officeDocument/2006/relationships" xmlns:p="http://schemas.openxmlformats.org/presentationml/2006/main">
-  <p:cSld>
-    <p:spTree>
-      <p:nvGrpSpPr>
-        <p:cNvPr id="1" name=""/>
-        <p:cNvGrpSpPr/>
-        <p:nvPr/>
-      </p:nvGrpSpPr>
-      <p:grpSpPr>
-        <a:xfrm>
-          <a:off x="0" y="0"/>
-          <a:ext cx="0" cy="0"/>
-          <a:chOff x="0" y="0"/>
-          <a:chExt cx="0" cy="0"/>
-        </a:xfrm>
-      </p:grpSpPr>
-      <p:sp>
-        <p:nvSpPr>
-          <p:cNvPr id="2" name="Title 1"/>
-          <p:cNvSpPr>
-            <a:spLocks noGrp="1"/>
-          </p:cNvSpPr>
-          <p:nvPr>
-            <p:ph type="ctrTitle"/>
-          </p:nvPr>
-        </p:nvSpPr>
-        <p:spPr>
-          <a:xfrm>
-            <a:off x="685800" y="160685"/>
-            <a:ext cx="7772400" cy="1470025"/>
-          </a:xfrm>
-        </p:spPr>
-        <p:txBody>
-          <a:bodyPr/>
-          <a:lstStyle/>
-          <a:p>
-            <a:r>
-              <a:rPr lang="en-US" dirty="0"/>
-              <a:t>Forms</a:t>
-            </a:r>
-            <a:endParaRPr lang="en-US" dirty="0"/>
-          </a:p>
-        </p:txBody>
-      </p:sp>
-      <p:sp>
-        <p:nvSpPr>
-          <p:cNvPr id="3" name="Subtitle 2"/>
-          <p:cNvSpPr>
-            <a:spLocks noGrp="1"/>
-          </p:cNvSpPr>
-          <p:nvPr>
-            <p:ph type="subTitle" idx="1"/>
-          </p:nvPr>
-        </p:nvSpPr>
-        <p:spPr>
-          <a:xfrm>
-            <a:off x="454651" y="1630710"/>
-            <a:ext cx="8371875" cy="4609893"/>
-          </a:xfrm>
-        </p:spPr>
-        <p:txBody>
-          <a:bodyPr>
-            <a:normAutofit/>
-          </a:bodyPr>
-          <a:lstStyle/>
-          <a:p>
-            <a:pPr marL="342900" indent="-342900" algn="l">
-              <a:buFont typeface="Arial"/>
-              <a:buChar char="•"/>
-            </a:pPr>
-            <a:r>
-              <a:rPr lang="en-US" sz="2000" dirty="0" smtClean="0"/>
-              <a:t>A </a:t>
-            </a:r>
-            <a:r>
-              <a:rPr lang="en-US" sz="2000" dirty="0"/>
-              <a:t>form is a collection of related controls (input, select, </a:t>
-            </a:r>
-            <a:r>
-              <a:rPr lang="en-US" sz="2000" dirty="0" err="1"/>
-              <a:t>textarea</a:t>
-            </a:r>
-            <a:r>
-              <a:rPr lang="en-US" sz="2000" dirty="0"/>
-              <a:t>)</a:t>
-            </a:r>
-          </a:p>
-          <a:p>
-            <a:pPr marL="342900" indent="-342900" algn="l">
-              <a:buFont typeface="Arial"/>
-              <a:buChar char="•"/>
-            </a:pPr>
-            <a:r>
-              <a:rPr lang="en-US" sz="2000" dirty="0" smtClean="0"/>
-              <a:t>Control </a:t>
-            </a:r>
-            <a:r>
-              <a:rPr lang="en-US" sz="2000" dirty="0"/>
-              <a:t>data often needs to be...</a:t>
-            </a:r>
-          </a:p>
-          <a:p>
-            <a:pPr marL="800100" lvl="1" indent="-342900" algn="l">
-              <a:buFont typeface="Arial"/>
-              <a:buChar char="•"/>
-            </a:pPr>
-            <a:r>
-              <a:rPr lang="en-US" sz="1600" dirty="0" smtClean="0"/>
-              <a:t>entered </a:t>
-            </a:r>
-            <a:r>
-              <a:rPr lang="en-US" sz="1600" dirty="0"/>
-              <a:t>in a certain format</a:t>
-            </a:r>
-          </a:p>
-          <a:p>
-            <a:pPr marL="800100" lvl="1" indent="-342900" algn="l">
-              <a:buFont typeface="Arial"/>
-              <a:buChar char="•"/>
-            </a:pPr>
-            <a:r>
-              <a:rPr lang="en-US" sz="1600" dirty="0" smtClean="0"/>
-              <a:t>validated </a:t>
-            </a:r>
-            <a:r>
-              <a:rPr lang="en-US" sz="1600" dirty="0"/>
-              <a:t>before submission</a:t>
-            </a:r>
-          </a:p>
-          <a:p>
-            <a:pPr marL="800100" lvl="1" indent="-342900" algn="l">
-              <a:buFont typeface="Arial"/>
-              <a:buChar char="•"/>
-            </a:pPr>
-            <a:r>
-              <a:rPr lang="en-US" sz="1600" dirty="0" smtClean="0"/>
-              <a:t>sent </a:t>
-            </a:r>
-            <a:r>
-              <a:rPr lang="en-US" sz="1600" dirty="0"/>
-              <a:t>to a server for persistence</a:t>
-            </a:r>
-          </a:p>
-          <a:p>
-            <a:pPr marL="342900" indent="-342900" algn="l">
-              <a:buFont typeface="Arial"/>
-              <a:buChar char="•"/>
-            </a:pPr>
-            <a:r>
-              <a:rPr lang="en-US" sz="2000" dirty="0" err="1" smtClean="0"/>
-              <a:t>ngModel</a:t>
-            </a:r>
-            <a:r>
-              <a:rPr lang="en-US" sz="2000" dirty="0" smtClean="0"/>
-              <a:t> </a:t>
-            </a:r>
-            <a:r>
-              <a:rPr lang="en-US" sz="2000" dirty="0"/>
-              <a:t>directive binds a form control to a property on the scope</a:t>
-            </a:r>
-          </a:p>
-          <a:p>
-            <a:pPr marL="800100" lvl="1" indent="-342900" algn="l">
-              <a:buFont typeface="Arial"/>
-              <a:buChar char="•"/>
-            </a:pPr>
-            <a:r>
-              <a:rPr lang="en-US" sz="1600" dirty="0" smtClean="0"/>
-              <a:t>be </a:t>
-            </a:r>
-            <a:r>
-              <a:rPr lang="en-US" sz="1600" dirty="0"/>
-              <a:t>careful of variable shadowing when parent/child or nested controller</a:t>
-            </a:r>
-          </a:p>
-          <a:p>
-            <a:pPr marL="800100" lvl="1" indent="-342900" algn="l">
-              <a:buFont typeface="Arial"/>
-              <a:buChar char="•"/>
-            </a:pPr>
-            <a:r>
-              <a:rPr lang="en-US" sz="1600" dirty="0" smtClean="0"/>
-              <a:t>be </a:t>
-            </a:r>
-            <a:r>
-              <a:rPr lang="en-US" sz="1600" dirty="0"/>
-              <a:t>careful of how </a:t>
-            </a:r>
-            <a:r>
-              <a:rPr lang="en-US" sz="1600" dirty="0" err="1"/>
-              <a:t>ng</a:t>
-            </a:r>
-            <a:r>
-              <a:rPr lang="en-US" sz="1600" dirty="0"/>
-              <a:t> watches properties for updates</a:t>
-            </a:r>
-          </a:p>
-          <a:p>
-            <a:pPr marL="800100" lvl="1" indent="-342900" algn="l">
-              <a:buFont typeface="Arial"/>
-              <a:buChar char="•"/>
-            </a:pPr>
-            <a:r>
-              <a:rPr lang="en-US" sz="1600" dirty="0" smtClean="0"/>
-              <a:t>try </a:t>
-            </a:r>
-            <a:r>
-              <a:rPr lang="en-US" sz="1600" dirty="0"/>
-              <a:t>entering trailing spaces in name field, then text. See how .length changes</a:t>
-            </a:r>
-          </a:p>
-          <a:p>
-            <a:pPr marL="800100" lvl="1" indent="-342900" algn="l">
-              <a:buFont typeface="Arial"/>
-              <a:buChar char="•"/>
-            </a:pPr>
-            <a:r>
-              <a:rPr lang="en-US" sz="1600" dirty="0" smtClean="0"/>
-              <a:t>getter</a:t>
-            </a:r>
-            <a:r>
-              <a:rPr lang="en-US" sz="1600" dirty="0"/>
-              <a:t>/setter available via </a:t>
-            </a:r>
-            <a:r>
-              <a:rPr lang="en-US" sz="1600" dirty="0" err="1"/>
-              <a:t>ng</a:t>
-            </a:r>
-            <a:r>
-              <a:rPr lang="en-US" sz="1600" dirty="0"/>
-              <a:t>-model-options (make sure getter stays fast)</a:t>
-            </a:r>
-          </a:p>
-          <a:p>
-            <a:pPr marL="342900" indent="-342900" algn="l">
-              <a:buFont typeface="Arial"/>
-              <a:buChar char="•"/>
-            </a:pPr>
-            <a:r>
-              <a:rPr lang="en-US" sz="2000" dirty="0" smtClean="0"/>
-              <a:t>examples</a:t>
-            </a:r>
-            <a:r>
-              <a:rPr lang="en-US" sz="2000" dirty="0"/>
-              <a:t>/04-forms</a:t>
-            </a:r>
-            <a:endParaRPr lang="en-US" sz="1700" dirty="0"/>
-          </a:p>
-        </p:txBody>
-      </p:sp>
-    </p:spTree>
-    <p:extLst>
-      <p:ext uri="{BB962C8B-B14F-4D97-AF65-F5344CB8AC3E}">
-        <p14:creationId xmlns:p14="http://schemas.microsoft.com/office/powerpoint/2010/main" val="4044313371"/>
-      </p:ext>
-    </p:extLst>
-  </p:cSld>
-  <p:clrMapOvr>
-    <a:masterClrMapping/>
-  </p:clrMapOvr>
-</p:sld>
-</file>
-
-<file path=ppt/slides/slide24.xml><?xml version="1.0" encoding="utf-8"?>
-<p:sld xmlns:a="http://schemas.openxmlformats.org/drawingml/2006/main" xmlns:r="http://schemas.openxmlformats.org/officeDocument/2006/relationships" xmlns:p="http://schemas.openxmlformats.org/presentationml/2006/main">
-  <p:cSld>
-    <p:spTree>
-      <p:nvGrpSpPr>
-        <p:cNvPr id="1" name=""/>
-        <p:cNvGrpSpPr/>
-        <p:nvPr/>
-      </p:nvGrpSpPr>
-      <p:grpSpPr>
-        <a:xfrm>
-          <a:off x="0" y="0"/>
-          <a:ext cx="0" cy="0"/>
-          <a:chOff x="0" y="0"/>
-          <a:chExt cx="0" cy="0"/>
-        </a:xfrm>
-      </p:grpSpPr>
-      <p:sp>
-        <p:nvSpPr>
-          <p:cNvPr id="2" name="Title 1"/>
-          <p:cNvSpPr>
-            <a:spLocks noGrp="1"/>
-          </p:cNvSpPr>
-          <p:nvPr>
-            <p:ph type="ctrTitle"/>
-          </p:nvPr>
-        </p:nvSpPr>
-        <p:spPr>
-          <a:xfrm>
-            <a:off x="685800" y="160685"/>
-            <a:ext cx="7772400" cy="1470025"/>
-          </a:xfrm>
-        </p:spPr>
-        <p:txBody>
-          <a:bodyPr/>
-          <a:lstStyle/>
-          <a:p>
-            <a:r>
-              <a:rPr lang="en-US" dirty="0"/>
-              <a:t>UI </a:t>
-            </a:r>
-            <a:r>
-              <a:rPr lang="en-US" dirty="0" smtClean="0"/>
-              <a:t>Lab</a:t>
-            </a:r>
-            <a:endParaRPr lang="en-US" dirty="0"/>
-          </a:p>
-        </p:txBody>
-      </p:sp>
-      <p:sp>
-        <p:nvSpPr>
-          <p:cNvPr id="3" name="Subtitle 2"/>
-          <p:cNvSpPr>
-            <a:spLocks noGrp="1"/>
-          </p:cNvSpPr>
-          <p:nvPr>
-            <p:ph type="subTitle" idx="1"/>
-          </p:nvPr>
-        </p:nvSpPr>
-        <p:spPr>
-          <a:xfrm>
-            <a:off x="454651" y="1630710"/>
-            <a:ext cx="8371875" cy="4609893"/>
-          </a:xfrm>
-        </p:spPr>
-        <p:txBody>
-          <a:bodyPr>
-            <a:normAutofit/>
-          </a:bodyPr>
-          <a:lstStyle/>
-          <a:p>
-            <a:pPr marL="342900" indent="-342900" algn="l">
-              <a:buFont typeface="Arial"/>
-              <a:buChar char="•"/>
-            </a:pPr>
-            <a:r>
-              <a:rPr lang="en-US" sz="2000" dirty="0" smtClean="0"/>
-              <a:t>Build </a:t>
-            </a:r>
-            <a:r>
-              <a:rPr lang="en-US" sz="2000" dirty="0"/>
-              <a:t>a CRUD interface for management of a jukebox</a:t>
-            </a:r>
-          </a:p>
-          <a:p>
-            <a:pPr marL="342900" indent="-342900" algn="l">
-              <a:buFont typeface="Arial"/>
-              <a:buChar char="•"/>
-            </a:pPr>
-            <a:r>
-              <a:rPr lang="en-US" sz="2000" dirty="0" smtClean="0"/>
-              <a:t>Display </a:t>
-            </a:r>
-            <a:r>
-              <a:rPr lang="en-US" sz="2000" dirty="0"/>
-              <a:t>a list of saved songs ("saved" meaning stored in the model)</a:t>
-            </a:r>
-          </a:p>
-          <a:p>
-            <a:pPr marL="342900" indent="-342900" algn="l">
-              <a:buFont typeface="Arial"/>
-              <a:buChar char="•"/>
-            </a:pPr>
-            <a:r>
-              <a:rPr lang="en-US" sz="2000" dirty="0" smtClean="0"/>
-              <a:t>Add</a:t>
-            </a:r>
-            <a:r>
-              <a:rPr lang="en-US" sz="2000" dirty="0"/>
-              <a:t>, edit, delete a song. Fields: name, genre, number of plays</a:t>
-            </a:r>
-          </a:p>
-          <a:p>
-            <a:pPr marL="342900" indent="-342900" algn="l">
-              <a:buFont typeface="Arial"/>
-              <a:buChar char="•"/>
-            </a:pPr>
-            <a:r>
-              <a:rPr lang="en-US" sz="2000" dirty="0" smtClean="0"/>
-              <a:t>Create </a:t>
-            </a:r>
-            <a:r>
-              <a:rPr lang="en-US" sz="2000" dirty="0"/>
-              <a:t>a button to "play" a song (add to number of plays)</a:t>
-            </a:r>
-          </a:p>
-          <a:p>
-            <a:pPr marL="342900" indent="-342900" algn="l">
-              <a:buFont typeface="Arial"/>
-              <a:buChar char="•"/>
-            </a:pPr>
-            <a:r>
-              <a:rPr lang="en-US" sz="2000" dirty="0" smtClean="0"/>
-              <a:t>Genre </a:t>
-            </a:r>
-            <a:r>
-              <a:rPr lang="en-US" sz="2000" dirty="0"/>
-              <a:t>should be populated from an array in a </a:t>
-            </a:r>
-            <a:r>
-              <a:rPr lang="en-US" sz="2000" dirty="0" smtClean="0"/>
-              <a:t>controller</a:t>
-            </a:r>
-          </a:p>
-          <a:p>
-            <a:pPr marL="342900" indent="-342900" algn="l">
-              <a:buFont typeface="Arial"/>
-              <a:buChar char="•"/>
-            </a:pPr>
-            <a:r>
-              <a:rPr lang="en-US" sz="2000" dirty="0" smtClean="0"/>
-              <a:t>Optional</a:t>
-            </a:r>
-            <a:r>
-              <a:rPr lang="en-US" sz="2000" dirty="0"/>
-              <a:t>: CRUD for genre</a:t>
-            </a:r>
-          </a:p>
-          <a:p>
-            <a:pPr marL="342900" indent="-342900" algn="l">
-              <a:buFont typeface="Arial"/>
-              <a:buChar char="•"/>
-            </a:pPr>
-            <a:r>
-              <a:rPr lang="en-US" sz="2000" dirty="0" smtClean="0"/>
-              <a:t>Validation</a:t>
-            </a:r>
-            <a:endParaRPr lang="en-US" sz="2000" dirty="0"/>
-          </a:p>
-          <a:p>
-            <a:pPr marL="800100" lvl="1" indent="-342900" algn="l">
-              <a:buFont typeface="Arial"/>
-              <a:buChar char="•"/>
-            </a:pPr>
-            <a:r>
-              <a:rPr lang="en-US" sz="1600" dirty="0" smtClean="0"/>
-              <a:t>name </a:t>
-            </a:r>
-            <a:r>
-              <a:rPr lang="en-US" sz="1600" dirty="0"/>
-              <a:t>must be more than 2 chars</a:t>
-            </a:r>
-          </a:p>
-          <a:p>
-            <a:pPr marL="800100" lvl="1" indent="-342900" algn="l">
-              <a:buFont typeface="Arial"/>
-              <a:buChar char="•"/>
-            </a:pPr>
-            <a:r>
-              <a:rPr lang="en-US" sz="1600" dirty="0" smtClean="0"/>
-              <a:t>name </a:t>
-            </a:r>
-            <a:r>
-              <a:rPr lang="en-US" sz="1600" dirty="0"/>
-              <a:t>limited to alphanumeric</a:t>
-            </a:r>
-            <a:endParaRPr lang="en-US" sz="1300" dirty="0"/>
-          </a:p>
-        </p:txBody>
-      </p:sp>
-    </p:spTree>
-    <p:extLst>
-      <p:ext uri="{BB962C8B-B14F-4D97-AF65-F5344CB8AC3E}">
-        <p14:creationId xmlns:p14="http://schemas.microsoft.com/office/powerpoint/2010/main" val="2610515244"/>
-      </p:ext>
-    </p:extLst>
-  </p:cSld>
-  <p:clrMapOvr>
-    <a:masterClrMapping/>
-  </p:clrMapOvr>
-</p:sld>
-</file>
-
-<file path=ppt/slides/slide25.xml><?xml version="1.0" encoding="utf-8"?>
-<p:sld xmlns:a="http://schemas.openxmlformats.org/drawingml/2006/main" xmlns:r="http://schemas.openxmlformats.org/officeDocument/2006/relationships" xmlns:p="http://schemas.openxmlformats.org/presentationml/2006/main">
-  <p:cSld>
-    <p:spTree>
-      <p:nvGrpSpPr>
-        <p:cNvPr id="1" name=""/>
-        <p:cNvGrpSpPr/>
-        <p:nvPr/>
-      </p:nvGrpSpPr>
-      <p:grpSpPr>
-        <a:xfrm>
-          <a:off x="0" y="0"/>
-          <a:ext cx="0" cy="0"/>
-          <a:chOff x="0" y="0"/>
-          <a:chExt cx="0" cy="0"/>
-        </a:xfrm>
-      </p:grpSpPr>
-      <p:sp>
-        <p:nvSpPr>
-          <p:cNvPr id="2" name="Title 1"/>
-          <p:cNvSpPr>
-            <a:spLocks noGrp="1"/>
-          </p:cNvSpPr>
-          <p:nvPr>
-            <p:ph type="ctrTitle"/>
-          </p:nvPr>
-        </p:nvSpPr>
-        <p:spPr>
-          <a:xfrm>
-            <a:off x="685800" y="160685"/>
-            <a:ext cx="7772400" cy="1470025"/>
-          </a:xfrm>
-        </p:spPr>
-        <p:txBody>
-          <a:bodyPr/>
-          <a:lstStyle/>
-          <a:p>
-            <a:r>
-              <a:rPr lang="en-US" dirty="0"/>
-              <a:t>Custom directives</a:t>
-            </a:r>
-            <a:endParaRPr lang="en-US" dirty="0"/>
-          </a:p>
-        </p:txBody>
-      </p:sp>
-      <p:sp>
-        <p:nvSpPr>
-          <p:cNvPr id="3" name="Subtitle 2"/>
-          <p:cNvSpPr>
-            <a:spLocks noGrp="1"/>
-          </p:cNvSpPr>
-          <p:nvPr>
-            <p:ph type="subTitle" idx="1"/>
-          </p:nvPr>
-        </p:nvSpPr>
-        <p:spPr>
-          <a:xfrm>
-            <a:off x="454651" y="1630710"/>
-            <a:ext cx="8371875" cy="4609893"/>
-          </a:xfrm>
-        </p:spPr>
-        <p:txBody>
-          <a:bodyPr>
-            <a:normAutofit/>
-          </a:bodyPr>
-          <a:lstStyle/>
-          <a:p>
-            <a:pPr marL="342900" indent="-342900" algn="l">
-              <a:buFont typeface="Arial"/>
-              <a:buChar char="•"/>
-            </a:pPr>
-            <a:r>
-              <a:rPr lang="en-US" sz="2000" dirty="0" smtClean="0"/>
-              <a:t>Directives </a:t>
-            </a:r>
-            <a:r>
-              <a:rPr lang="en-US" sz="2000" dirty="0"/>
-              <a:t>are the proper place for DOM manipulation</a:t>
-            </a:r>
-          </a:p>
-          <a:p>
-            <a:pPr marL="342900" indent="-342900" algn="l">
-              <a:buFont typeface="Arial"/>
-              <a:buChar char="•"/>
-            </a:pPr>
-            <a:r>
-              <a:rPr lang="en-US" sz="2000" dirty="0" smtClean="0"/>
-              <a:t>Use </a:t>
-            </a:r>
-            <a:r>
-              <a:rPr lang="en-US" sz="2000" dirty="0"/>
-              <a:t>recipe: .directive('</a:t>
-            </a:r>
-            <a:r>
-              <a:rPr lang="en-US" sz="2000" dirty="0" err="1"/>
-              <a:t>someDirective</a:t>
-            </a:r>
-            <a:r>
-              <a:rPr lang="en-US" sz="2000" dirty="0"/>
-              <a:t>', function () { return {...}})</a:t>
-            </a:r>
-          </a:p>
-          <a:p>
-            <a:pPr marL="342900" indent="-342900" algn="l">
-              <a:buFont typeface="Arial"/>
-              <a:buChar char="•"/>
-            </a:pPr>
-            <a:r>
-              <a:rPr lang="en-US" sz="2000" dirty="0" smtClean="0"/>
-              <a:t>Factory </a:t>
-            </a:r>
-            <a:r>
-              <a:rPr lang="en-US" sz="2000" dirty="0"/>
-              <a:t>function can return</a:t>
-            </a:r>
-          </a:p>
-          <a:p>
-            <a:pPr marL="800100" lvl="1" indent="-342900" algn="l">
-              <a:buFont typeface="Arial"/>
-              <a:buChar char="•"/>
-            </a:pPr>
-            <a:r>
-              <a:rPr lang="en-US" sz="1600" dirty="0" smtClean="0"/>
-              <a:t>a </a:t>
-            </a:r>
-            <a:r>
-              <a:rPr lang="en-US" sz="1600" dirty="0"/>
-              <a:t>directive definition object, which provides many options</a:t>
-            </a:r>
-          </a:p>
-          <a:p>
-            <a:pPr marL="800100" lvl="1" indent="-342900" algn="l">
-              <a:buFont typeface="Arial"/>
-              <a:buChar char="•"/>
-            </a:pPr>
-            <a:r>
-              <a:rPr lang="en-US" sz="1600" dirty="0" smtClean="0"/>
-              <a:t>or </a:t>
-            </a:r>
-            <a:r>
-              <a:rPr lang="en-US" sz="1600" dirty="0"/>
-              <a:t>just the DDOs 'link' function, which is the key spot for DOM actions</a:t>
-            </a:r>
-            <a:endParaRPr lang="en-US" sz="900" dirty="0"/>
-          </a:p>
-        </p:txBody>
-      </p:sp>
-    </p:spTree>
-    <p:extLst>
-      <p:ext uri="{BB962C8B-B14F-4D97-AF65-F5344CB8AC3E}">
-        <p14:creationId xmlns:p14="http://schemas.microsoft.com/office/powerpoint/2010/main" val="3980679051"/>
-      </p:ext>
-    </p:extLst>
-  </p:cSld>
-  <p:clrMapOvr>
-    <a:masterClrMapping/>
-  </p:clrMapOvr>
-</p:sld>
-</file>
-
-<file path=ppt/slides/slide26.xml><?xml version="1.0" encoding="utf-8"?>
-<p:sld xmlns:a="http://schemas.openxmlformats.org/drawingml/2006/main" xmlns:r="http://schemas.openxmlformats.org/officeDocument/2006/relationships" xmlns:p="http://schemas.openxmlformats.org/presentationml/2006/main">
-  <p:cSld>
-    <p:spTree>
-      <p:nvGrpSpPr>
-        <p:cNvPr id="1" name=""/>
-        <p:cNvGrpSpPr/>
-        <p:nvPr/>
-      </p:nvGrpSpPr>
-      <p:grpSpPr>
-        <a:xfrm>
-          <a:off x="0" y="0"/>
-          <a:ext cx="0" cy="0"/>
-          <a:chOff x="0" y="0"/>
-          <a:chExt cx="0" cy="0"/>
-        </a:xfrm>
-      </p:grpSpPr>
-      <p:sp>
-        <p:nvSpPr>
-          <p:cNvPr id="2" name="Title 1"/>
-          <p:cNvSpPr>
-            <a:spLocks noGrp="1"/>
-          </p:cNvSpPr>
-          <p:nvPr>
-            <p:ph type="ctrTitle"/>
-          </p:nvPr>
-        </p:nvSpPr>
-        <p:spPr>
-          <a:xfrm>
-            <a:off x="685800" y="160685"/>
-            <a:ext cx="7772400" cy="1470025"/>
-          </a:xfrm>
-        </p:spPr>
-        <p:txBody>
-          <a:bodyPr/>
-          <a:lstStyle/>
-          <a:p>
-            <a:r>
-              <a:rPr lang="en-US" dirty="0"/>
-              <a:t>Directive Lab</a:t>
-            </a:r>
-            <a:endParaRPr lang="en-US" dirty="0"/>
-          </a:p>
-        </p:txBody>
-      </p:sp>
-      <p:sp>
-        <p:nvSpPr>
-          <p:cNvPr id="3" name="Subtitle 2"/>
-          <p:cNvSpPr>
-            <a:spLocks noGrp="1"/>
-          </p:cNvSpPr>
-          <p:nvPr>
-            <p:ph type="subTitle" idx="1"/>
-          </p:nvPr>
-        </p:nvSpPr>
-        <p:spPr>
-          <a:xfrm>
-            <a:off x="454651" y="1630710"/>
-            <a:ext cx="8371875" cy="4609893"/>
-          </a:xfrm>
-        </p:spPr>
-        <p:txBody>
-          <a:bodyPr>
-            <a:normAutofit/>
-          </a:bodyPr>
-          <a:lstStyle/>
-          <a:p>
-            <a:pPr marL="342900" indent="-342900" algn="l">
-              <a:buFont typeface="Arial"/>
-              <a:buChar char="•"/>
-            </a:pPr>
-            <a:r>
-              <a:rPr lang="en-US" sz="2000" dirty="0" smtClean="0"/>
-              <a:t>Turn </a:t>
-            </a:r>
-            <a:r>
-              <a:rPr lang="en-US" sz="2000" dirty="0"/>
-              <a:t>Jukebox UI into several nested directives</a:t>
-            </a:r>
-          </a:p>
-          <a:p>
-            <a:pPr marL="342900" indent="-342900" algn="l">
-              <a:buFont typeface="Arial"/>
-              <a:buChar char="•"/>
-            </a:pPr>
-            <a:r>
-              <a:rPr lang="en-US" sz="2000" dirty="0" smtClean="0"/>
-              <a:t>Break </a:t>
-            </a:r>
-            <a:r>
-              <a:rPr lang="en-US" sz="2000" dirty="0"/>
-              <a:t>songs table into its own directive</a:t>
-            </a:r>
-          </a:p>
-          <a:p>
-            <a:pPr marL="342900" indent="-342900" algn="l">
-              <a:buFont typeface="Arial"/>
-              <a:buChar char="•"/>
-            </a:pPr>
-            <a:r>
-              <a:rPr lang="en-US" sz="2000" dirty="0" smtClean="0"/>
-              <a:t>Same </a:t>
-            </a:r>
-            <a:r>
-              <a:rPr lang="en-US" sz="2000" dirty="0"/>
-              <a:t>with add/edit form</a:t>
-            </a:r>
-          </a:p>
-          <a:p>
-            <a:pPr marL="342900" indent="-342900" algn="l">
-              <a:buFont typeface="Arial"/>
-              <a:buChar char="•"/>
-            </a:pPr>
-            <a:r>
-              <a:rPr lang="en-US" sz="2000" dirty="0" smtClean="0"/>
-              <a:t>Pass </a:t>
-            </a:r>
-            <a:r>
-              <a:rPr lang="en-US" sz="2000" dirty="0"/>
-              <a:t>a value to top-level directive to turn add/edit features on and off</a:t>
-            </a:r>
-            <a:endParaRPr lang="en-US" sz="900" dirty="0"/>
-          </a:p>
-        </p:txBody>
-      </p:sp>
-    </p:spTree>
-    <p:extLst>
-      <p:ext uri="{BB962C8B-B14F-4D97-AF65-F5344CB8AC3E}">
-        <p14:creationId xmlns:p14="http://schemas.microsoft.com/office/powerpoint/2010/main" val="1711539015"/>
-      </p:ext>
-    </p:extLst>
-  </p:cSld>
-  <p:clrMapOvr>
-    <a:masterClrMapping/>
-  </p:clrMapOvr>
-</p:sld>
-</file>
-
-<file path=ppt/slides/slide27.xml><?xml version="1.0" encoding="utf-8"?>
-<p:sld xmlns:a="http://schemas.openxmlformats.org/drawingml/2006/main" xmlns:r="http://schemas.openxmlformats.org/officeDocument/2006/relationships" xmlns:p="http://schemas.openxmlformats.org/presentationml/2006/main">
-  <p:cSld>
-    <p:spTree>
-      <p:nvGrpSpPr>
-        <p:cNvPr id="1" name=""/>
-        <p:cNvGrpSpPr/>
-        <p:nvPr/>
-      </p:nvGrpSpPr>
-      <p:grpSpPr>
-        <a:xfrm>
-          <a:off x="0" y="0"/>
-          <a:ext cx="0" cy="0"/>
-          <a:chOff x="0" y="0"/>
-          <a:chExt cx="0" cy="0"/>
-        </a:xfrm>
-      </p:grpSpPr>
-      <p:sp>
-        <p:nvSpPr>
-          <p:cNvPr id="2" name="Title 1"/>
-          <p:cNvSpPr>
-            <a:spLocks noGrp="1"/>
-          </p:cNvSpPr>
-          <p:nvPr>
-            <p:ph type="ctrTitle"/>
-          </p:nvPr>
-        </p:nvSpPr>
-        <p:spPr>
-          <a:xfrm>
-            <a:off x="685800" y="160685"/>
-            <a:ext cx="7772400" cy="1470025"/>
-          </a:xfrm>
-        </p:spPr>
-        <p:txBody>
-          <a:bodyPr/>
-          <a:lstStyle/>
-          <a:p>
-            <a:r>
-              <a:rPr lang="en-US" dirty="0"/>
-              <a:t>Components (</a:t>
-            </a:r>
-            <a:r>
-              <a:rPr lang="en-US" dirty="0" err="1"/>
-              <a:t>nG</a:t>
-            </a:r>
-            <a:r>
-              <a:rPr lang="en-US" dirty="0"/>
-              <a:t> 1.5)</a:t>
-            </a:r>
-            <a:endParaRPr lang="en-US" dirty="0"/>
-          </a:p>
-        </p:txBody>
-      </p:sp>
-      <p:sp>
-        <p:nvSpPr>
-          <p:cNvPr id="3" name="Subtitle 2"/>
-          <p:cNvSpPr>
-            <a:spLocks noGrp="1"/>
-          </p:cNvSpPr>
-          <p:nvPr>
-            <p:ph type="subTitle" idx="1"/>
-          </p:nvPr>
-        </p:nvSpPr>
-        <p:spPr>
-          <a:xfrm>
-            <a:off x="454651" y="1630710"/>
-            <a:ext cx="8371875" cy="4609893"/>
-          </a:xfrm>
-        </p:spPr>
-        <p:txBody>
-          <a:bodyPr>
-            <a:normAutofit/>
-          </a:bodyPr>
-          <a:lstStyle/>
-          <a:p>
-            <a:pPr marL="342900" indent="-342900" algn="l">
-              <a:buFont typeface="Arial"/>
-              <a:buChar char="•"/>
-            </a:pPr>
-            <a:r>
-              <a:rPr lang="en-US" sz="2000" dirty="0" smtClean="0"/>
-              <a:t>Transitional </a:t>
-            </a:r>
-            <a:r>
-              <a:rPr lang="en-US" sz="2000" dirty="0"/>
-              <a:t>step towards </a:t>
-            </a:r>
-            <a:r>
-              <a:rPr lang="en-US" sz="2000" dirty="0" err="1"/>
-              <a:t>nG</a:t>
-            </a:r>
-            <a:r>
-              <a:rPr lang="en-US" sz="2000" dirty="0"/>
-              <a:t> 2</a:t>
-            </a:r>
-          </a:p>
-          <a:p>
-            <a:pPr marL="342900" indent="-342900" algn="l">
-              <a:buFont typeface="Arial"/>
-              <a:buChar char="•"/>
-            </a:pPr>
-            <a:r>
-              <a:rPr lang="en-US" sz="2000" dirty="0" smtClean="0"/>
-              <a:t>Components </a:t>
-            </a:r>
-            <a:r>
-              <a:rPr lang="en-US" sz="2000" dirty="0"/>
-              <a:t>are a subtype of directive representing a complete UI element</a:t>
-            </a:r>
-          </a:p>
-          <a:p>
-            <a:pPr marL="800100" lvl="1" indent="-342900" algn="l">
-              <a:buFont typeface="Arial"/>
-              <a:buChar char="•"/>
-            </a:pPr>
-            <a:r>
-              <a:rPr lang="en-US" sz="1600" dirty="0" smtClean="0"/>
-              <a:t>Bundles </a:t>
-            </a:r>
-            <a:r>
-              <a:rPr lang="en-US" sz="1600" dirty="0"/>
-              <a:t>together a view, a controller, and bindings in simpler recipe</a:t>
-            </a:r>
-          </a:p>
-          <a:p>
-            <a:pPr marL="800100" lvl="1" indent="-342900" algn="l">
-              <a:buFont typeface="Arial"/>
-              <a:buChar char="•"/>
-            </a:pPr>
-            <a:r>
-              <a:rPr lang="en-US" sz="1600" dirty="0" smtClean="0"/>
-              <a:t>.</a:t>
-            </a:r>
-            <a:r>
-              <a:rPr lang="en-US" sz="1600" dirty="0"/>
-              <a:t>component('</a:t>
-            </a:r>
-            <a:r>
-              <a:rPr lang="en-US" sz="1600" dirty="0" err="1"/>
-              <a:t>cmpnName</a:t>
-            </a:r>
-            <a:r>
-              <a:rPr lang="en-US" sz="1600" dirty="0"/>
-              <a:t>', _</a:t>
-            </a:r>
-            <a:r>
-              <a:rPr lang="en-US" sz="1600" dirty="0" err="1"/>
-              <a:t>componentDefinitionObject</a:t>
-            </a:r>
-            <a:r>
-              <a:rPr lang="en-US" sz="1600" dirty="0"/>
-              <a:t>)</a:t>
-            </a:r>
-          </a:p>
-          <a:p>
-            <a:pPr marL="800100" lvl="1" indent="-342900" algn="l">
-              <a:buFont typeface="Arial"/>
-              <a:buChar char="•"/>
-            </a:pPr>
-            <a:r>
-              <a:rPr lang="en-US" sz="1600" dirty="0" smtClean="0"/>
-              <a:t>Many </a:t>
-            </a:r>
-            <a:r>
-              <a:rPr lang="en-US" sz="1600" dirty="0"/>
-              <a:t>Directive options are defaulted to Component values:</a:t>
-            </a:r>
-          </a:p>
-          <a:p>
-            <a:pPr marL="1257300" lvl="2" indent="-342900" algn="l">
-              <a:buFont typeface="Arial"/>
-              <a:buChar char="•"/>
-            </a:pPr>
-            <a:r>
-              <a:rPr lang="en-US" sz="1500" dirty="0" smtClean="0"/>
-              <a:t>restricted </a:t>
-            </a:r>
-            <a:r>
-              <a:rPr lang="en-US" sz="1500" dirty="0"/>
-              <a:t>to elements</a:t>
-            </a:r>
-          </a:p>
-          <a:p>
-            <a:pPr marL="1257300" lvl="2" indent="-342900" algn="l">
-              <a:buFont typeface="Arial"/>
-              <a:buChar char="•"/>
-            </a:pPr>
-            <a:r>
-              <a:rPr lang="en-US" sz="1500" dirty="0" err="1" smtClean="0"/>
-              <a:t>transclude</a:t>
-            </a:r>
-            <a:r>
-              <a:rPr lang="en-US" sz="1500" dirty="0" smtClean="0"/>
-              <a:t> </a:t>
-            </a:r>
-            <a:r>
-              <a:rPr lang="en-US" sz="1500" dirty="0"/>
-              <a:t>false</a:t>
-            </a:r>
-          </a:p>
-          <a:p>
-            <a:pPr marL="1257300" lvl="2" indent="-342900" algn="l">
-              <a:buFont typeface="Arial"/>
-              <a:buChar char="•"/>
-            </a:pPr>
-            <a:r>
-              <a:rPr lang="it-IT" sz="1500" dirty="0" smtClean="0"/>
-              <a:t>scope </a:t>
-            </a:r>
-            <a:r>
-              <a:rPr lang="it-IT" sz="1500" dirty="0"/>
-              <a:t>isolate</a:t>
-            </a:r>
-          </a:p>
-          <a:p>
-            <a:pPr marL="1257300" lvl="2" indent="-342900" algn="l">
-              <a:buFont typeface="Arial"/>
-              <a:buChar char="•"/>
-            </a:pPr>
-            <a:r>
-              <a:rPr lang="it-IT" sz="1500" dirty="0" err="1" smtClean="0"/>
-              <a:t>controllerAs</a:t>
-            </a:r>
-            <a:r>
-              <a:rPr lang="it-IT" sz="1500" dirty="0" smtClean="0"/>
-              <a:t> </a:t>
-            </a:r>
-            <a:r>
-              <a:rPr lang="it-IT" sz="1500" dirty="0"/>
-              <a:t>$</a:t>
-            </a:r>
-            <a:r>
-              <a:rPr lang="it-IT" sz="1500" dirty="0" err="1"/>
-              <a:t>ctrl</a:t>
-            </a:r>
-            <a:endParaRPr lang="it-IT" sz="1500" dirty="0"/>
-          </a:p>
-          <a:p>
-            <a:pPr marL="800100" lvl="1" indent="-342900" algn="l">
-              <a:buFont typeface="Arial"/>
-              <a:buChar char="•"/>
-            </a:pPr>
-            <a:r>
-              <a:rPr lang="it-IT" sz="1600" dirty="0" smtClean="0"/>
-              <a:t>Continue </a:t>
-            </a:r>
-            <a:r>
-              <a:rPr lang="it-IT" sz="1600" dirty="0"/>
-              <a:t>to use </a:t>
-            </a:r>
-            <a:r>
-              <a:rPr lang="it-IT" sz="1600" dirty="0" err="1"/>
-              <a:t>Directives</a:t>
-            </a:r>
-            <a:r>
-              <a:rPr lang="it-IT" sz="1600" dirty="0"/>
-              <a:t> to </a:t>
-            </a:r>
-            <a:r>
-              <a:rPr lang="it-IT" sz="1600" dirty="0" err="1"/>
-              <a:t>add</a:t>
-            </a:r>
-            <a:r>
-              <a:rPr lang="it-IT" sz="1600" dirty="0"/>
-              <a:t> custom </a:t>
-            </a:r>
-            <a:r>
-              <a:rPr lang="it-IT" sz="1600" dirty="0" err="1" smtClean="0"/>
-              <a:t>behavior</a:t>
-            </a:r>
-            <a:r>
-              <a:rPr lang="it-IT" sz="1600" dirty="0" smtClean="0"/>
-              <a:t> </a:t>
-            </a:r>
-            <a:r>
-              <a:rPr lang="it-IT" sz="1600" dirty="0"/>
-              <a:t>to </a:t>
-            </a:r>
-            <a:r>
-              <a:rPr lang="it-IT" sz="1600" dirty="0" err="1"/>
-              <a:t>existing</a:t>
-            </a:r>
-            <a:r>
-              <a:rPr lang="it-IT" sz="1600" dirty="0"/>
-              <a:t> </a:t>
-            </a:r>
-            <a:r>
-              <a:rPr lang="it-IT" sz="1600" dirty="0" err="1"/>
-              <a:t>elements</a:t>
-            </a:r>
-            <a:endParaRPr lang="it-IT" sz="1600" dirty="0"/>
-          </a:p>
-          <a:p>
-            <a:pPr marL="342900" indent="-342900" algn="l">
-              <a:buFont typeface="Arial"/>
-              <a:buChar char="•"/>
-            </a:pPr>
-            <a:r>
-              <a:rPr lang="it-IT" sz="2000" dirty="0" err="1" smtClean="0"/>
-              <a:t>Two</a:t>
-            </a:r>
-            <a:r>
-              <a:rPr lang="it-IT" sz="2000" dirty="0" smtClean="0"/>
-              <a:t> </a:t>
-            </a:r>
-            <a:r>
-              <a:rPr lang="it-IT" sz="2000" dirty="0"/>
-              <a:t>way </a:t>
-            </a:r>
-            <a:r>
-              <a:rPr lang="it-IT" sz="2000" dirty="0" err="1"/>
-              <a:t>bindings</a:t>
-            </a:r>
-            <a:r>
-              <a:rPr lang="it-IT" sz="2000" dirty="0"/>
-              <a:t> are </a:t>
-            </a:r>
-            <a:r>
-              <a:rPr lang="it-IT" sz="2000" dirty="0" err="1"/>
-              <a:t>deprecated</a:t>
-            </a:r>
-            <a:r>
-              <a:rPr lang="it-IT" sz="2000" dirty="0"/>
-              <a:t> in 1.5 Components</a:t>
-            </a:r>
-          </a:p>
-          <a:p>
-            <a:pPr marL="800100" lvl="1" indent="-342900" algn="l">
-              <a:buFont typeface="Arial"/>
-              <a:buChar char="•"/>
-            </a:pPr>
-            <a:r>
-              <a:rPr lang="it-IT" sz="1600" dirty="0" err="1" smtClean="0"/>
-              <a:t>nG</a:t>
-            </a:r>
-            <a:r>
-              <a:rPr lang="it-IT" sz="1600" dirty="0" smtClean="0"/>
-              <a:t> </a:t>
-            </a:r>
-            <a:r>
-              <a:rPr lang="it-IT" sz="1600" dirty="0"/>
-              <a:t>2 </a:t>
-            </a:r>
-            <a:r>
-              <a:rPr lang="it-IT" sz="1600" dirty="0" err="1"/>
-              <a:t>moves</a:t>
-            </a:r>
-            <a:r>
-              <a:rPr lang="it-IT" sz="1600" dirty="0"/>
-              <a:t> </a:t>
-            </a:r>
-            <a:r>
-              <a:rPr lang="it-IT" sz="1600" dirty="0" err="1"/>
-              <a:t>away</a:t>
-            </a:r>
-            <a:r>
-              <a:rPr lang="it-IT" sz="1600" dirty="0"/>
-              <a:t> from </a:t>
-            </a:r>
-            <a:r>
-              <a:rPr lang="it-IT" sz="1600" dirty="0" err="1"/>
-              <a:t>two</a:t>
-            </a:r>
-            <a:r>
-              <a:rPr lang="it-IT" sz="1600" dirty="0"/>
-              <a:t> way </a:t>
-            </a:r>
-            <a:r>
-              <a:rPr lang="it-IT" sz="1600" dirty="0" err="1"/>
-              <a:t>binding</a:t>
-            </a:r>
-            <a:endParaRPr lang="it-IT" sz="1600" dirty="0"/>
-          </a:p>
-          <a:p>
-            <a:pPr marL="800100" lvl="1" indent="-342900" algn="l">
-              <a:buFont typeface="Arial"/>
-              <a:buChar char="•"/>
-            </a:pPr>
-            <a:r>
-              <a:rPr lang="it-IT" sz="1600" dirty="0" err="1" smtClean="0"/>
-              <a:t>They</a:t>
-            </a:r>
-            <a:r>
-              <a:rPr lang="it-IT" sz="1600" dirty="0" smtClean="0"/>
-              <a:t> </a:t>
-            </a:r>
-            <a:r>
-              <a:rPr lang="it-IT" sz="1600" dirty="0"/>
-              <a:t>cause </a:t>
-            </a:r>
-            <a:r>
-              <a:rPr lang="it-IT" sz="1600" dirty="0" err="1"/>
-              <a:t>too</a:t>
-            </a:r>
-            <a:r>
-              <a:rPr lang="it-IT" sz="1600" dirty="0"/>
-              <a:t> </a:t>
-            </a:r>
-            <a:r>
-              <a:rPr lang="it-IT" sz="1600" dirty="0" err="1"/>
-              <a:t>many</a:t>
-            </a:r>
-            <a:r>
-              <a:rPr lang="it-IT" sz="1600" dirty="0"/>
-              <a:t> </a:t>
-            </a:r>
-            <a:r>
-              <a:rPr lang="it-IT" sz="1600" dirty="0" err="1"/>
-              <a:t>issues</a:t>
-            </a:r>
-            <a:r>
-              <a:rPr lang="it-IT" sz="1600" dirty="0"/>
-              <a:t> with </a:t>
-            </a:r>
-            <a:r>
-              <a:rPr lang="it-IT" sz="1600" dirty="0" err="1"/>
-              <a:t>parent</a:t>
-            </a:r>
-            <a:r>
-              <a:rPr lang="it-IT" sz="1600" dirty="0"/>
-              <a:t> scope and </a:t>
-            </a:r>
-            <a:r>
-              <a:rPr lang="it-IT" sz="1600" dirty="0" err="1"/>
-              <a:t>prevent</a:t>
-            </a:r>
-            <a:r>
-              <a:rPr lang="it-IT" sz="1600" dirty="0"/>
-              <a:t> full </a:t>
-            </a:r>
-            <a:r>
-              <a:rPr lang="it-IT" sz="1600" dirty="0" err="1"/>
-              <a:t>separation</a:t>
-            </a:r>
-            <a:r>
-              <a:rPr lang="it-IT" sz="1600" dirty="0"/>
-              <a:t> from DOM</a:t>
-            </a:r>
-          </a:p>
-          <a:p>
-            <a:pPr marL="800100" lvl="1" indent="-342900" algn="l">
-              <a:buFont typeface="Arial"/>
-              <a:buChar char="•"/>
-            </a:pPr>
-            <a:r>
-              <a:rPr lang="it-IT" sz="1600" dirty="0" err="1" smtClean="0"/>
-              <a:t>Instead</a:t>
-            </a:r>
-            <a:r>
-              <a:rPr lang="it-IT" sz="1600" dirty="0"/>
-              <a:t>, </a:t>
-            </a:r>
-            <a:r>
-              <a:rPr lang="it-IT" sz="1600" dirty="0" err="1"/>
-              <a:t>specify</a:t>
-            </a:r>
-            <a:r>
-              <a:rPr lang="it-IT" sz="1600" dirty="0"/>
-              <a:t> </a:t>
-            </a:r>
-            <a:r>
-              <a:rPr lang="it-IT" sz="1600" dirty="0" err="1"/>
-              <a:t>one</a:t>
-            </a:r>
-            <a:r>
-              <a:rPr lang="it-IT" sz="1600" dirty="0"/>
-              <a:t>-way </a:t>
-            </a:r>
-            <a:r>
-              <a:rPr lang="it-IT" sz="1600" dirty="0" err="1"/>
-              <a:t>bind</a:t>
-            </a:r>
-            <a:r>
-              <a:rPr lang="it-IT" sz="1600" dirty="0"/>
-              <a:t> for display info</a:t>
-            </a:r>
-          </a:p>
-          <a:p>
-            <a:pPr marL="800100" lvl="1" indent="-342900" algn="l">
-              <a:buFont typeface="Arial"/>
-              <a:buChar char="•"/>
-            </a:pPr>
-            <a:r>
-              <a:rPr lang="it-IT" sz="1600" dirty="0" err="1" smtClean="0"/>
-              <a:t>Then</a:t>
-            </a:r>
-            <a:r>
-              <a:rPr lang="it-IT" sz="1600" dirty="0" smtClean="0"/>
-              <a:t> </a:t>
-            </a:r>
-            <a:r>
-              <a:rPr lang="it-IT" sz="1600" dirty="0" err="1"/>
-              <a:t>register</a:t>
-            </a:r>
-            <a:r>
-              <a:rPr lang="it-IT" sz="1600" dirty="0"/>
-              <a:t> an </a:t>
-            </a:r>
-            <a:r>
-              <a:rPr lang="it-IT" sz="1600" dirty="0" err="1"/>
-              <a:t>event</a:t>
-            </a:r>
-            <a:r>
-              <a:rPr lang="it-IT" sz="1600" dirty="0"/>
-              <a:t> </a:t>
-            </a:r>
-            <a:r>
-              <a:rPr lang="it-IT" sz="1600" dirty="0" err="1"/>
-              <a:t>handler</a:t>
-            </a:r>
-            <a:r>
-              <a:rPr lang="it-IT" sz="1600" dirty="0"/>
-              <a:t> (</a:t>
-            </a:r>
-            <a:r>
-              <a:rPr lang="it-IT" sz="1600" dirty="0" err="1"/>
-              <a:t>onChange</a:t>
-            </a:r>
-            <a:r>
-              <a:rPr lang="it-IT" sz="1600" dirty="0"/>
-              <a:t>, </a:t>
-            </a:r>
-            <a:r>
-              <a:rPr lang="it-IT" sz="1600" dirty="0" err="1"/>
-              <a:t>onDelete</a:t>
-            </a:r>
-            <a:r>
-              <a:rPr lang="it-IT" sz="1600" dirty="0"/>
-              <a:t>)</a:t>
-            </a:r>
-            <a:endParaRPr lang="en-US" sz="500" dirty="0"/>
-          </a:p>
-        </p:txBody>
-      </p:sp>
-    </p:spTree>
-    <p:extLst>
-      <p:ext uri="{BB962C8B-B14F-4D97-AF65-F5344CB8AC3E}">
-        <p14:creationId xmlns:p14="http://schemas.microsoft.com/office/powerpoint/2010/main" val="2162852035"/>
-      </p:ext>
-    </p:extLst>
-  </p:cSld>
-  <p:clrMapOvr>
-    <a:masterClrMapping/>
-  </p:clrMapOvr>
-</p:sld>
-</file>
-
-<file path=ppt/slides/slide28.xml><?xml version="1.0" encoding="utf-8"?>
-<p:sld xmlns:a="http://schemas.openxmlformats.org/drawingml/2006/main" xmlns:r="http://schemas.openxmlformats.org/officeDocument/2006/relationships" xmlns:p="http://schemas.openxmlformats.org/presentationml/2006/main">
-  <p:cSld>
-    <p:spTree>
-      <p:nvGrpSpPr>
-        <p:cNvPr id="1" name=""/>
-        <p:cNvGrpSpPr/>
-        <p:nvPr/>
-      </p:nvGrpSpPr>
-      <p:grpSpPr>
-        <a:xfrm>
-          <a:off x="0" y="0"/>
-          <a:ext cx="0" cy="0"/>
-          <a:chOff x="0" y="0"/>
-          <a:chExt cx="0" cy="0"/>
-        </a:xfrm>
-      </p:grpSpPr>
-      <p:sp>
-        <p:nvSpPr>
-          <p:cNvPr id="2" name="Title 1"/>
-          <p:cNvSpPr>
-            <a:spLocks noGrp="1"/>
-          </p:cNvSpPr>
-          <p:nvPr>
-            <p:ph type="ctrTitle"/>
-          </p:nvPr>
-        </p:nvSpPr>
-        <p:spPr>
-          <a:xfrm>
-            <a:off x="685800" y="160685"/>
-            <a:ext cx="7772400" cy="1470025"/>
-          </a:xfrm>
-        </p:spPr>
-        <p:txBody>
-          <a:bodyPr/>
-          <a:lstStyle/>
-          <a:p>
-            <a:r>
-              <a:rPr lang="en-US" dirty="0"/>
-              <a:t>Components (</a:t>
-            </a:r>
-            <a:r>
-              <a:rPr lang="en-US" dirty="0" err="1"/>
-              <a:t>nG</a:t>
-            </a:r>
-            <a:r>
-              <a:rPr lang="en-US" dirty="0"/>
-              <a:t> 1.5)</a:t>
-            </a:r>
-            <a:endParaRPr lang="en-US" dirty="0"/>
-          </a:p>
-        </p:txBody>
-      </p:sp>
-      <p:sp>
-        <p:nvSpPr>
-          <p:cNvPr id="3" name="Subtitle 2"/>
-          <p:cNvSpPr>
-            <a:spLocks noGrp="1"/>
-          </p:cNvSpPr>
-          <p:nvPr>
-            <p:ph type="subTitle" idx="1"/>
-          </p:nvPr>
-        </p:nvSpPr>
-        <p:spPr>
-          <a:xfrm>
-            <a:off x="454651" y="1630710"/>
-            <a:ext cx="8371875" cy="4609893"/>
-          </a:xfrm>
-        </p:spPr>
-        <p:txBody>
-          <a:bodyPr>
-            <a:normAutofit/>
-          </a:bodyPr>
-          <a:lstStyle/>
-          <a:p>
-            <a:pPr marL="342900" indent="-342900" algn="l">
-              <a:buFont typeface="Arial"/>
-              <a:buChar char="•"/>
-            </a:pPr>
-            <a:r>
-              <a:rPr lang="en-US" sz="2000" dirty="0" smtClean="0"/>
-              <a:t>Transitional </a:t>
-            </a:r>
-            <a:r>
-              <a:rPr lang="en-US" sz="2000" dirty="0"/>
-              <a:t>step towards </a:t>
-            </a:r>
-            <a:r>
-              <a:rPr lang="en-US" sz="2000" dirty="0" err="1"/>
-              <a:t>nG</a:t>
-            </a:r>
-            <a:r>
-              <a:rPr lang="en-US" sz="2000" dirty="0"/>
-              <a:t> 2</a:t>
-            </a:r>
-          </a:p>
-          <a:p>
-            <a:pPr marL="342900" indent="-342900" algn="l">
-              <a:buFont typeface="Arial"/>
-              <a:buChar char="•"/>
-            </a:pPr>
-            <a:r>
-              <a:rPr lang="en-US" sz="2000" dirty="0" smtClean="0"/>
-              <a:t>Components </a:t>
-            </a:r>
-            <a:r>
-              <a:rPr lang="en-US" sz="2000" dirty="0"/>
-              <a:t>are a subtype of directive representing a complete UI element</a:t>
-            </a:r>
-          </a:p>
-          <a:p>
-            <a:pPr marL="800100" lvl="1" indent="-342900" algn="l">
-              <a:buFont typeface="Arial"/>
-              <a:buChar char="•"/>
-            </a:pPr>
-            <a:r>
-              <a:rPr lang="en-US" sz="1600" dirty="0" smtClean="0"/>
-              <a:t>Bundles </a:t>
-            </a:r>
-            <a:r>
-              <a:rPr lang="en-US" sz="1600" dirty="0"/>
-              <a:t>together a view, a controller, and bindings in simpler recipe</a:t>
-            </a:r>
-          </a:p>
-          <a:p>
-            <a:pPr marL="800100" lvl="1" indent="-342900" algn="l">
-              <a:buFont typeface="Arial"/>
-              <a:buChar char="•"/>
-            </a:pPr>
-            <a:r>
-              <a:rPr lang="en-US" sz="1600" dirty="0" smtClean="0"/>
-              <a:t>.</a:t>
-            </a:r>
-            <a:r>
-              <a:rPr lang="en-US" sz="1600" dirty="0"/>
-              <a:t>component('</a:t>
-            </a:r>
-            <a:r>
-              <a:rPr lang="en-US" sz="1600" dirty="0" err="1"/>
-              <a:t>cmpnName</a:t>
-            </a:r>
-            <a:r>
-              <a:rPr lang="en-US" sz="1600" dirty="0"/>
-              <a:t>', _</a:t>
-            </a:r>
-            <a:r>
-              <a:rPr lang="en-US" sz="1600" dirty="0" err="1"/>
-              <a:t>componentDefinitionObject</a:t>
-            </a:r>
-            <a:r>
-              <a:rPr lang="en-US" sz="1600" dirty="0"/>
-              <a:t>)</a:t>
-            </a:r>
-          </a:p>
-          <a:p>
-            <a:pPr marL="800100" lvl="1" indent="-342900" algn="l">
-              <a:buFont typeface="Arial"/>
-              <a:buChar char="•"/>
-            </a:pPr>
-            <a:r>
-              <a:rPr lang="en-US" sz="1600" dirty="0" smtClean="0"/>
-              <a:t>Many </a:t>
-            </a:r>
-            <a:r>
-              <a:rPr lang="en-US" sz="1600" dirty="0"/>
-              <a:t>Directive options are defaulted to Component values:</a:t>
-            </a:r>
-          </a:p>
-          <a:p>
-            <a:pPr marL="1257300" lvl="2" indent="-342900" algn="l">
-              <a:buFont typeface="Arial"/>
-              <a:buChar char="•"/>
-            </a:pPr>
-            <a:r>
-              <a:rPr lang="en-US" sz="1500" dirty="0" smtClean="0"/>
-              <a:t>restricted </a:t>
-            </a:r>
-            <a:r>
-              <a:rPr lang="en-US" sz="1500" dirty="0"/>
-              <a:t>to elements</a:t>
-            </a:r>
-          </a:p>
-          <a:p>
-            <a:pPr marL="1257300" lvl="2" indent="-342900" algn="l">
-              <a:buFont typeface="Arial"/>
-              <a:buChar char="•"/>
-            </a:pPr>
-            <a:r>
-              <a:rPr lang="en-US" sz="1500" dirty="0" err="1" smtClean="0"/>
-              <a:t>transclude</a:t>
-            </a:r>
-            <a:r>
-              <a:rPr lang="en-US" sz="1500" dirty="0" smtClean="0"/>
-              <a:t> </a:t>
-            </a:r>
-            <a:r>
-              <a:rPr lang="en-US" sz="1500" dirty="0"/>
-              <a:t>false</a:t>
-            </a:r>
-          </a:p>
-          <a:p>
-            <a:pPr marL="1257300" lvl="2" indent="-342900" algn="l">
-              <a:buFont typeface="Arial"/>
-              <a:buChar char="•"/>
-            </a:pPr>
-            <a:r>
-              <a:rPr lang="it-IT" sz="1500" dirty="0" smtClean="0"/>
-              <a:t>scope </a:t>
-            </a:r>
-            <a:r>
-              <a:rPr lang="it-IT" sz="1500" dirty="0"/>
-              <a:t>isolate</a:t>
-            </a:r>
-          </a:p>
-          <a:p>
-            <a:pPr marL="1257300" lvl="2" indent="-342900" algn="l">
-              <a:buFont typeface="Arial"/>
-              <a:buChar char="•"/>
-            </a:pPr>
-            <a:r>
-              <a:rPr lang="it-IT" sz="1500" dirty="0" err="1" smtClean="0"/>
-              <a:t>controllerAs</a:t>
-            </a:r>
-            <a:r>
-              <a:rPr lang="it-IT" sz="1500" dirty="0" smtClean="0"/>
-              <a:t> </a:t>
-            </a:r>
-            <a:r>
-              <a:rPr lang="it-IT" sz="1500" dirty="0"/>
-              <a:t>$</a:t>
-            </a:r>
-            <a:r>
-              <a:rPr lang="it-IT" sz="1500" dirty="0" err="1"/>
-              <a:t>ctrl</a:t>
-            </a:r>
-            <a:endParaRPr lang="it-IT" sz="1500" dirty="0"/>
-          </a:p>
-          <a:p>
-            <a:pPr marL="800100" lvl="1" indent="-342900" algn="l">
-              <a:buFont typeface="Arial"/>
-              <a:buChar char="•"/>
-            </a:pPr>
-            <a:r>
-              <a:rPr lang="it-IT" sz="1600" dirty="0" smtClean="0"/>
-              <a:t>Continue </a:t>
-            </a:r>
-            <a:r>
-              <a:rPr lang="it-IT" sz="1600" dirty="0"/>
-              <a:t>to use </a:t>
-            </a:r>
-            <a:r>
-              <a:rPr lang="it-IT" sz="1600" dirty="0" err="1"/>
-              <a:t>Directives</a:t>
-            </a:r>
-            <a:r>
-              <a:rPr lang="it-IT" sz="1600" dirty="0"/>
-              <a:t> to </a:t>
-            </a:r>
-            <a:r>
-              <a:rPr lang="it-IT" sz="1600" dirty="0" err="1"/>
-              <a:t>add</a:t>
-            </a:r>
-            <a:r>
-              <a:rPr lang="it-IT" sz="1600" dirty="0"/>
-              <a:t> custom </a:t>
-            </a:r>
-            <a:r>
-              <a:rPr lang="it-IT" sz="1600" dirty="0" err="1" smtClean="0"/>
-              <a:t>behavior</a:t>
-            </a:r>
-            <a:r>
-              <a:rPr lang="it-IT" sz="1600" dirty="0" smtClean="0"/>
-              <a:t> </a:t>
-            </a:r>
-            <a:r>
-              <a:rPr lang="it-IT" sz="1600" dirty="0"/>
-              <a:t>to </a:t>
-            </a:r>
-            <a:r>
-              <a:rPr lang="it-IT" sz="1600" dirty="0" err="1"/>
-              <a:t>existing</a:t>
-            </a:r>
-            <a:r>
-              <a:rPr lang="it-IT" sz="1600" dirty="0"/>
-              <a:t> </a:t>
-            </a:r>
-            <a:r>
-              <a:rPr lang="it-IT" sz="1600" dirty="0" err="1"/>
-              <a:t>elements</a:t>
-            </a:r>
-            <a:endParaRPr lang="it-IT" sz="1600" dirty="0"/>
-          </a:p>
-          <a:p>
-            <a:pPr marL="342900" indent="-342900" algn="l">
-              <a:buFont typeface="Arial"/>
-              <a:buChar char="•"/>
-            </a:pPr>
-            <a:r>
-              <a:rPr lang="it-IT" sz="2000" dirty="0" err="1" smtClean="0"/>
-              <a:t>Two</a:t>
-            </a:r>
-            <a:r>
-              <a:rPr lang="it-IT" sz="2000" dirty="0" smtClean="0"/>
-              <a:t> </a:t>
-            </a:r>
-            <a:r>
-              <a:rPr lang="it-IT" sz="2000" dirty="0"/>
-              <a:t>way </a:t>
-            </a:r>
-            <a:r>
-              <a:rPr lang="it-IT" sz="2000" dirty="0" err="1"/>
-              <a:t>bindings</a:t>
-            </a:r>
-            <a:r>
-              <a:rPr lang="it-IT" sz="2000" dirty="0"/>
-              <a:t> are </a:t>
-            </a:r>
-            <a:r>
-              <a:rPr lang="it-IT" sz="2000" dirty="0" err="1"/>
-              <a:t>deprecated</a:t>
-            </a:r>
-            <a:r>
-              <a:rPr lang="it-IT" sz="2000" dirty="0"/>
-              <a:t> in 1.5 Components</a:t>
-            </a:r>
-          </a:p>
-          <a:p>
-            <a:pPr marL="800100" lvl="1" indent="-342900" algn="l">
-              <a:buFont typeface="Arial"/>
-              <a:buChar char="•"/>
-            </a:pPr>
-            <a:r>
-              <a:rPr lang="it-IT" sz="1600" dirty="0" err="1" smtClean="0"/>
-              <a:t>nG</a:t>
-            </a:r>
-            <a:r>
-              <a:rPr lang="it-IT" sz="1600" dirty="0" smtClean="0"/>
-              <a:t> </a:t>
-            </a:r>
-            <a:r>
-              <a:rPr lang="it-IT" sz="1600" dirty="0"/>
-              <a:t>2 </a:t>
-            </a:r>
-            <a:r>
-              <a:rPr lang="it-IT" sz="1600" dirty="0" err="1"/>
-              <a:t>moves</a:t>
-            </a:r>
-            <a:r>
-              <a:rPr lang="it-IT" sz="1600" dirty="0"/>
-              <a:t> </a:t>
-            </a:r>
-            <a:r>
-              <a:rPr lang="it-IT" sz="1600" dirty="0" err="1"/>
-              <a:t>away</a:t>
-            </a:r>
-            <a:r>
-              <a:rPr lang="it-IT" sz="1600" dirty="0"/>
-              <a:t> from </a:t>
-            </a:r>
-            <a:r>
-              <a:rPr lang="it-IT" sz="1600" dirty="0" err="1"/>
-              <a:t>two</a:t>
-            </a:r>
-            <a:r>
-              <a:rPr lang="it-IT" sz="1600" dirty="0"/>
-              <a:t> way </a:t>
-            </a:r>
-            <a:r>
-              <a:rPr lang="it-IT" sz="1600" dirty="0" err="1"/>
-              <a:t>binding</a:t>
-            </a:r>
-            <a:endParaRPr lang="it-IT" sz="1600" dirty="0"/>
-          </a:p>
-          <a:p>
-            <a:pPr marL="800100" lvl="1" indent="-342900" algn="l">
-              <a:buFont typeface="Arial"/>
-              <a:buChar char="•"/>
-            </a:pPr>
-            <a:r>
-              <a:rPr lang="it-IT" sz="1600" dirty="0" err="1" smtClean="0"/>
-              <a:t>They</a:t>
-            </a:r>
-            <a:r>
-              <a:rPr lang="it-IT" sz="1600" dirty="0" smtClean="0"/>
-              <a:t> </a:t>
-            </a:r>
-            <a:r>
-              <a:rPr lang="it-IT" sz="1600" dirty="0"/>
-              <a:t>cause </a:t>
-            </a:r>
-            <a:r>
-              <a:rPr lang="it-IT" sz="1600" dirty="0" err="1"/>
-              <a:t>too</a:t>
-            </a:r>
-            <a:r>
-              <a:rPr lang="it-IT" sz="1600" dirty="0"/>
-              <a:t> </a:t>
-            </a:r>
-            <a:r>
-              <a:rPr lang="it-IT" sz="1600" dirty="0" err="1"/>
-              <a:t>many</a:t>
-            </a:r>
-            <a:r>
-              <a:rPr lang="it-IT" sz="1600" dirty="0"/>
-              <a:t> </a:t>
-            </a:r>
-            <a:r>
-              <a:rPr lang="it-IT" sz="1600" dirty="0" err="1"/>
-              <a:t>issues</a:t>
-            </a:r>
-            <a:r>
-              <a:rPr lang="it-IT" sz="1600" dirty="0"/>
-              <a:t> with </a:t>
-            </a:r>
-            <a:r>
-              <a:rPr lang="it-IT" sz="1600" dirty="0" err="1"/>
-              <a:t>parent</a:t>
-            </a:r>
-            <a:r>
-              <a:rPr lang="it-IT" sz="1600" dirty="0"/>
-              <a:t> scope and </a:t>
-            </a:r>
-            <a:r>
-              <a:rPr lang="it-IT" sz="1600" dirty="0" err="1"/>
-              <a:t>prevent</a:t>
-            </a:r>
-            <a:r>
-              <a:rPr lang="it-IT" sz="1600" dirty="0"/>
-              <a:t> full </a:t>
-            </a:r>
-            <a:r>
-              <a:rPr lang="it-IT" sz="1600" dirty="0" err="1"/>
-              <a:t>separation</a:t>
-            </a:r>
-            <a:r>
-              <a:rPr lang="it-IT" sz="1600" dirty="0"/>
-              <a:t> from DOM</a:t>
-            </a:r>
-          </a:p>
-          <a:p>
-            <a:pPr marL="800100" lvl="1" indent="-342900" algn="l">
-              <a:buFont typeface="Arial"/>
-              <a:buChar char="•"/>
-            </a:pPr>
-            <a:r>
-              <a:rPr lang="it-IT" sz="1600" dirty="0" err="1" smtClean="0"/>
-              <a:t>Instead</a:t>
-            </a:r>
-            <a:r>
-              <a:rPr lang="it-IT" sz="1600" dirty="0"/>
-              <a:t>, </a:t>
-            </a:r>
-            <a:r>
-              <a:rPr lang="it-IT" sz="1600" dirty="0" err="1"/>
-              <a:t>specify</a:t>
-            </a:r>
-            <a:r>
-              <a:rPr lang="it-IT" sz="1600" dirty="0"/>
-              <a:t> </a:t>
-            </a:r>
-            <a:r>
-              <a:rPr lang="it-IT" sz="1600" dirty="0" err="1"/>
-              <a:t>one</a:t>
-            </a:r>
-            <a:r>
-              <a:rPr lang="it-IT" sz="1600" dirty="0"/>
-              <a:t>-way </a:t>
-            </a:r>
-            <a:r>
-              <a:rPr lang="it-IT" sz="1600" dirty="0" err="1"/>
-              <a:t>bind</a:t>
-            </a:r>
-            <a:r>
-              <a:rPr lang="it-IT" sz="1600" dirty="0"/>
-              <a:t> for display info</a:t>
-            </a:r>
-          </a:p>
-          <a:p>
-            <a:pPr marL="800100" lvl="1" indent="-342900" algn="l">
-              <a:buFont typeface="Arial"/>
-              <a:buChar char="•"/>
-            </a:pPr>
-            <a:r>
-              <a:rPr lang="it-IT" sz="1600" dirty="0" err="1" smtClean="0"/>
-              <a:t>Then</a:t>
-            </a:r>
-            <a:r>
-              <a:rPr lang="it-IT" sz="1600" dirty="0" smtClean="0"/>
-              <a:t> </a:t>
-            </a:r>
-            <a:r>
-              <a:rPr lang="it-IT" sz="1600" dirty="0" err="1"/>
-              <a:t>register</a:t>
-            </a:r>
-            <a:r>
-              <a:rPr lang="it-IT" sz="1600" dirty="0"/>
-              <a:t> an </a:t>
-            </a:r>
-            <a:r>
-              <a:rPr lang="it-IT" sz="1600" dirty="0" err="1"/>
-              <a:t>event</a:t>
-            </a:r>
-            <a:r>
-              <a:rPr lang="it-IT" sz="1600" dirty="0"/>
-              <a:t> </a:t>
-            </a:r>
-            <a:r>
-              <a:rPr lang="it-IT" sz="1600" dirty="0" err="1"/>
-              <a:t>handler</a:t>
-            </a:r>
-            <a:r>
-              <a:rPr lang="it-IT" sz="1600" dirty="0"/>
-              <a:t> (</a:t>
-            </a:r>
-            <a:r>
-              <a:rPr lang="it-IT" sz="1600" dirty="0" err="1"/>
-              <a:t>onChange</a:t>
-            </a:r>
-            <a:r>
-              <a:rPr lang="it-IT" sz="1600" dirty="0"/>
-              <a:t>, </a:t>
-            </a:r>
-            <a:r>
-              <a:rPr lang="it-IT" sz="1600" dirty="0" err="1"/>
-              <a:t>onDelete</a:t>
-            </a:r>
-            <a:r>
-              <a:rPr lang="it-IT" sz="1600" dirty="0"/>
-              <a:t>)</a:t>
-            </a:r>
-            <a:endParaRPr lang="en-US" sz="500" dirty="0"/>
-          </a:p>
-        </p:txBody>
-      </p:sp>
-    </p:spTree>
-    <p:extLst>
-      <p:ext uri="{BB962C8B-B14F-4D97-AF65-F5344CB8AC3E}">
-        <p14:creationId xmlns:p14="http://schemas.microsoft.com/office/powerpoint/2010/main" val="918213716"/>
-      </p:ext>
-    </p:extLst>
-  </p:cSld>
-  <p:clrMapOvr>
-    <a:masterClrMapping/>
-  </p:clrMapOvr>
-</p:sld>
-</file>
-
-<file path=ppt/slides/slide29.xml><?xml version="1.0" encoding="utf-8"?>
-<p:sld xmlns:a="http://schemas.openxmlformats.org/drawingml/2006/main" xmlns:r="http://schemas.openxmlformats.org/officeDocument/2006/relationships" xmlns:p="http://schemas.openxmlformats.org/presentationml/2006/main">
-  <p:cSld>
-    <p:spTree>
-      <p:nvGrpSpPr>
-        <p:cNvPr id="1" name=""/>
-        <p:cNvGrpSpPr/>
-        <p:nvPr/>
-      </p:nvGrpSpPr>
-      <p:grpSpPr>
-        <a:xfrm>
-          <a:off x="0" y="0"/>
-          <a:ext cx="0" cy="0"/>
-          <a:chOff x="0" y="0"/>
-          <a:chExt cx="0" cy="0"/>
-        </a:xfrm>
-      </p:grpSpPr>
-      <p:sp>
-        <p:nvSpPr>
-          <p:cNvPr id="2" name="Title 1"/>
-          <p:cNvSpPr>
-            <a:spLocks noGrp="1"/>
-          </p:cNvSpPr>
-          <p:nvPr>
-            <p:ph type="ctrTitle"/>
-          </p:nvPr>
-        </p:nvSpPr>
-        <p:spPr>
-          <a:xfrm>
-            <a:off x="685800" y="160685"/>
-            <a:ext cx="7772400" cy="1470025"/>
-          </a:xfrm>
-        </p:spPr>
-        <p:txBody>
-          <a:bodyPr/>
-          <a:lstStyle/>
-          <a:p>
-            <a:r>
-              <a:rPr lang="en-US" dirty="0"/>
-              <a:t>Components (</a:t>
-            </a:r>
-            <a:r>
-              <a:rPr lang="en-US" dirty="0" err="1"/>
-              <a:t>nG</a:t>
-            </a:r>
-            <a:r>
-              <a:rPr lang="en-US" dirty="0"/>
-              <a:t> 1.5)</a:t>
-            </a:r>
-            <a:endParaRPr lang="en-US" dirty="0"/>
-          </a:p>
-        </p:txBody>
-      </p:sp>
-      <p:sp>
-        <p:nvSpPr>
-          <p:cNvPr id="3" name="Subtitle 2"/>
-          <p:cNvSpPr>
-            <a:spLocks noGrp="1"/>
-          </p:cNvSpPr>
-          <p:nvPr>
-            <p:ph type="subTitle" idx="1"/>
-          </p:nvPr>
-        </p:nvSpPr>
-        <p:spPr>
-          <a:xfrm>
-            <a:off x="454651" y="1630710"/>
-            <a:ext cx="8371875" cy="4609893"/>
-          </a:xfrm>
-        </p:spPr>
-        <p:txBody>
-          <a:bodyPr>
-            <a:normAutofit/>
-          </a:bodyPr>
-          <a:lstStyle/>
-          <a:p>
-            <a:pPr marL="342900" indent="-342900" algn="l">
-              <a:buFont typeface="Arial"/>
-              <a:buChar char="•"/>
-            </a:pPr>
-            <a:r>
-              <a:rPr lang="en-US" sz="2000" dirty="0" smtClean="0"/>
-              <a:t>Transitional </a:t>
-            </a:r>
-            <a:r>
-              <a:rPr lang="en-US" sz="2000" dirty="0"/>
-              <a:t>step towards </a:t>
-            </a:r>
-            <a:r>
-              <a:rPr lang="en-US" sz="2000" dirty="0" err="1"/>
-              <a:t>nG</a:t>
-            </a:r>
-            <a:r>
-              <a:rPr lang="en-US" sz="2000" dirty="0"/>
-              <a:t> 2</a:t>
-            </a:r>
-          </a:p>
-          <a:p>
-            <a:pPr marL="342900" indent="-342900" algn="l">
-              <a:buFont typeface="Arial"/>
-              <a:buChar char="•"/>
-            </a:pPr>
-            <a:r>
-              <a:rPr lang="en-US" sz="2000" dirty="0" smtClean="0"/>
-              <a:t>Components </a:t>
-            </a:r>
-            <a:r>
-              <a:rPr lang="en-US" sz="2000" dirty="0"/>
-              <a:t>are a subtype of directive representing a complete UI element</a:t>
-            </a:r>
-          </a:p>
-          <a:p>
-            <a:pPr marL="800100" lvl="1" indent="-342900" algn="l">
-              <a:buFont typeface="Arial"/>
-              <a:buChar char="•"/>
-            </a:pPr>
-            <a:r>
-              <a:rPr lang="en-US" sz="1600" dirty="0" smtClean="0"/>
-              <a:t>Bundles </a:t>
-            </a:r>
-            <a:r>
-              <a:rPr lang="en-US" sz="1600" dirty="0"/>
-              <a:t>together a view, a controller, and bindings in simpler recipe</a:t>
-            </a:r>
-          </a:p>
-          <a:p>
-            <a:pPr marL="800100" lvl="1" indent="-342900" algn="l">
-              <a:buFont typeface="Arial"/>
-              <a:buChar char="•"/>
-            </a:pPr>
-            <a:r>
-              <a:rPr lang="en-US" sz="1600" dirty="0" smtClean="0"/>
-              <a:t>.</a:t>
-            </a:r>
-            <a:r>
-              <a:rPr lang="en-US" sz="1600" dirty="0"/>
-              <a:t>component('</a:t>
-            </a:r>
-            <a:r>
-              <a:rPr lang="en-US" sz="1600" dirty="0" err="1"/>
-              <a:t>cmpnName</a:t>
-            </a:r>
-            <a:r>
-              <a:rPr lang="en-US" sz="1600" dirty="0"/>
-              <a:t>', _</a:t>
-            </a:r>
-            <a:r>
-              <a:rPr lang="en-US" sz="1600" dirty="0" err="1"/>
-              <a:t>componentDefinitionObject</a:t>
-            </a:r>
-            <a:r>
-              <a:rPr lang="en-US" sz="1600" dirty="0"/>
-              <a:t>)</a:t>
-            </a:r>
-          </a:p>
-          <a:p>
-            <a:pPr marL="800100" lvl="1" indent="-342900" algn="l">
-              <a:buFont typeface="Arial"/>
-              <a:buChar char="•"/>
-            </a:pPr>
-            <a:r>
-              <a:rPr lang="en-US" sz="1600" dirty="0" smtClean="0"/>
-              <a:t>Many </a:t>
-            </a:r>
-            <a:r>
-              <a:rPr lang="en-US" sz="1600" dirty="0"/>
-              <a:t>Directive options are defaulted to Component values:</a:t>
-            </a:r>
-          </a:p>
-          <a:p>
-            <a:pPr marL="1257300" lvl="2" indent="-342900" algn="l">
-              <a:buFont typeface="Arial"/>
-              <a:buChar char="•"/>
-            </a:pPr>
-            <a:r>
-              <a:rPr lang="en-US" sz="1500" dirty="0" smtClean="0"/>
-              <a:t>restricted </a:t>
-            </a:r>
-            <a:r>
-              <a:rPr lang="en-US" sz="1500" dirty="0"/>
-              <a:t>to elements</a:t>
-            </a:r>
-          </a:p>
-          <a:p>
-            <a:pPr marL="1257300" lvl="2" indent="-342900" algn="l">
-              <a:buFont typeface="Arial"/>
-              <a:buChar char="•"/>
-            </a:pPr>
-            <a:r>
-              <a:rPr lang="en-US" sz="1500" dirty="0" err="1" smtClean="0"/>
-              <a:t>transclude</a:t>
-            </a:r>
-            <a:r>
-              <a:rPr lang="en-US" sz="1500" dirty="0" smtClean="0"/>
-              <a:t> </a:t>
-            </a:r>
-            <a:r>
-              <a:rPr lang="en-US" sz="1500" dirty="0"/>
-              <a:t>false</a:t>
-            </a:r>
-          </a:p>
-          <a:p>
-            <a:pPr marL="1257300" lvl="2" indent="-342900" algn="l">
-              <a:buFont typeface="Arial"/>
-              <a:buChar char="•"/>
-            </a:pPr>
-            <a:r>
-              <a:rPr lang="it-IT" sz="1500" dirty="0" smtClean="0"/>
-              <a:t>scope </a:t>
-            </a:r>
-            <a:r>
-              <a:rPr lang="it-IT" sz="1500" dirty="0"/>
-              <a:t>isolate</a:t>
-            </a:r>
-          </a:p>
-          <a:p>
-            <a:pPr marL="1257300" lvl="2" indent="-342900" algn="l">
-              <a:buFont typeface="Arial"/>
-              <a:buChar char="•"/>
-            </a:pPr>
-            <a:r>
-              <a:rPr lang="it-IT" sz="1500" dirty="0" err="1" smtClean="0"/>
-              <a:t>controllerAs</a:t>
-            </a:r>
-            <a:r>
-              <a:rPr lang="it-IT" sz="1500" dirty="0" smtClean="0"/>
-              <a:t> </a:t>
-            </a:r>
-            <a:r>
-              <a:rPr lang="it-IT" sz="1500" dirty="0"/>
-              <a:t>$</a:t>
-            </a:r>
-            <a:r>
-              <a:rPr lang="it-IT" sz="1500" dirty="0" err="1"/>
-              <a:t>ctrl</a:t>
-            </a:r>
-            <a:endParaRPr lang="it-IT" sz="1500" dirty="0"/>
-          </a:p>
-          <a:p>
-            <a:pPr marL="800100" lvl="1" indent="-342900" algn="l">
-              <a:buFont typeface="Arial"/>
-              <a:buChar char="•"/>
-            </a:pPr>
-            <a:r>
-              <a:rPr lang="it-IT" sz="1600" dirty="0" smtClean="0"/>
-              <a:t>Continue </a:t>
-            </a:r>
-            <a:r>
-              <a:rPr lang="it-IT" sz="1600" dirty="0"/>
-              <a:t>to use </a:t>
-            </a:r>
-            <a:r>
-              <a:rPr lang="it-IT" sz="1600" dirty="0" err="1"/>
-              <a:t>Directives</a:t>
-            </a:r>
-            <a:r>
-              <a:rPr lang="it-IT" sz="1600" dirty="0"/>
-              <a:t> to </a:t>
-            </a:r>
-            <a:r>
-              <a:rPr lang="it-IT" sz="1600" dirty="0" err="1"/>
-              <a:t>add</a:t>
-            </a:r>
-            <a:r>
-              <a:rPr lang="it-IT" sz="1600" dirty="0"/>
-              <a:t> custom </a:t>
-            </a:r>
-            <a:r>
-              <a:rPr lang="it-IT" sz="1600" dirty="0" err="1" smtClean="0"/>
-              <a:t>behavior</a:t>
-            </a:r>
-            <a:r>
-              <a:rPr lang="it-IT" sz="1600" dirty="0" smtClean="0"/>
-              <a:t> </a:t>
-            </a:r>
-            <a:r>
-              <a:rPr lang="it-IT" sz="1600" dirty="0"/>
-              <a:t>to </a:t>
-            </a:r>
-            <a:r>
-              <a:rPr lang="it-IT" sz="1600" dirty="0" err="1"/>
-              <a:t>existing</a:t>
-            </a:r>
-            <a:r>
-              <a:rPr lang="it-IT" sz="1600" dirty="0"/>
-              <a:t> </a:t>
-            </a:r>
-            <a:r>
-              <a:rPr lang="it-IT" sz="1600" dirty="0" err="1"/>
-              <a:t>elements</a:t>
-            </a:r>
-            <a:endParaRPr lang="it-IT" sz="1600" dirty="0"/>
-          </a:p>
-          <a:p>
-            <a:pPr marL="342900" indent="-342900" algn="l">
-              <a:buFont typeface="Arial"/>
-              <a:buChar char="•"/>
-            </a:pPr>
-            <a:r>
-              <a:rPr lang="it-IT" sz="2000" dirty="0" err="1" smtClean="0"/>
-              <a:t>Two</a:t>
-            </a:r>
-            <a:r>
-              <a:rPr lang="it-IT" sz="2000" dirty="0" smtClean="0"/>
-              <a:t> </a:t>
-            </a:r>
-            <a:r>
-              <a:rPr lang="it-IT" sz="2000" dirty="0"/>
-              <a:t>way </a:t>
-            </a:r>
-            <a:r>
-              <a:rPr lang="it-IT" sz="2000" dirty="0" err="1"/>
-              <a:t>bindings</a:t>
-            </a:r>
-            <a:r>
-              <a:rPr lang="it-IT" sz="2000" dirty="0"/>
-              <a:t> are </a:t>
-            </a:r>
-            <a:r>
-              <a:rPr lang="it-IT" sz="2000" dirty="0" err="1"/>
-              <a:t>deprecated</a:t>
-            </a:r>
-            <a:r>
-              <a:rPr lang="it-IT" sz="2000" dirty="0"/>
-              <a:t> in 1.5 Components</a:t>
-            </a:r>
-          </a:p>
-          <a:p>
-            <a:pPr marL="800100" lvl="1" indent="-342900" algn="l">
-              <a:buFont typeface="Arial"/>
-              <a:buChar char="•"/>
-            </a:pPr>
-            <a:r>
-              <a:rPr lang="it-IT" sz="1600" dirty="0" err="1" smtClean="0"/>
-              <a:t>nG</a:t>
-            </a:r>
-            <a:r>
-              <a:rPr lang="it-IT" sz="1600" dirty="0" smtClean="0"/>
-              <a:t> </a:t>
-            </a:r>
-            <a:r>
-              <a:rPr lang="it-IT" sz="1600" dirty="0"/>
-              <a:t>2 </a:t>
-            </a:r>
-            <a:r>
-              <a:rPr lang="it-IT" sz="1600" dirty="0" err="1"/>
-              <a:t>moves</a:t>
-            </a:r>
-            <a:r>
-              <a:rPr lang="it-IT" sz="1600" dirty="0"/>
-              <a:t> </a:t>
-            </a:r>
-            <a:r>
-              <a:rPr lang="it-IT" sz="1600" dirty="0" err="1"/>
-              <a:t>away</a:t>
-            </a:r>
-            <a:r>
-              <a:rPr lang="it-IT" sz="1600" dirty="0"/>
-              <a:t> from </a:t>
-            </a:r>
-            <a:r>
-              <a:rPr lang="it-IT" sz="1600" dirty="0" err="1"/>
-              <a:t>two</a:t>
-            </a:r>
-            <a:r>
-              <a:rPr lang="it-IT" sz="1600" dirty="0"/>
-              <a:t> way </a:t>
-            </a:r>
-            <a:r>
-              <a:rPr lang="it-IT" sz="1600" dirty="0" err="1"/>
-              <a:t>binding</a:t>
-            </a:r>
-            <a:endParaRPr lang="it-IT" sz="1600" dirty="0"/>
-          </a:p>
-          <a:p>
-            <a:pPr marL="800100" lvl="1" indent="-342900" algn="l">
-              <a:buFont typeface="Arial"/>
-              <a:buChar char="•"/>
-            </a:pPr>
-            <a:r>
-              <a:rPr lang="it-IT" sz="1600" dirty="0" err="1" smtClean="0"/>
-              <a:t>They</a:t>
-            </a:r>
-            <a:r>
-              <a:rPr lang="it-IT" sz="1600" dirty="0" smtClean="0"/>
-              <a:t> </a:t>
-            </a:r>
-            <a:r>
-              <a:rPr lang="it-IT" sz="1600" dirty="0"/>
-              <a:t>cause </a:t>
-            </a:r>
-            <a:r>
-              <a:rPr lang="it-IT" sz="1600" dirty="0" err="1"/>
-              <a:t>too</a:t>
-            </a:r>
-            <a:r>
-              <a:rPr lang="it-IT" sz="1600" dirty="0"/>
-              <a:t> </a:t>
-            </a:r>
-            <a:r>
-              <a:rPr lang="it-IT" sz="1600" dirty="0" err="1"/>
-              <a:t>many</a:t>
-            </a:r>
-            <a:r>
-              <a:rPr lang="it-IT" sz="1600" dirty="0"/>
-              <a:t> </a:t>
-            </a:r>
-            <a:r>
-              <a:rPr lang="it-IT" sz="1600" dirty="0" err="1"/>
-              <a:t>issues</a:t>
-            </a:r>
-            <a:r>
-              <a:rPr lang="it-IT" sz="1600" dirty="0"/>
-              <a:t> with </a:t>
-            </a:r>
-            <a:r>
-              <a:rPr lang="it-IT" sz="1600" dirty="0" err="1"/>
-              <a:t>parent</a:t>
-            </a:r>
-            <a:r>
-              <a:rPr lang="it-IT" sz="1600" dirty="0"/>
-              <a:t> scope and </a:t>
-            </a:r>
-            <a:r>
-              <a:rPr lang="it-IT" sz="1600" dirty="0" err="1"/>
-              <a:t>prevent</a:t>
-            </a:r>
-            <a:r>
-              <a:rPr lang="it-IT" sz="1600" dirty="0"/>
-              <a:t> full </a:t>
-            </a:r>
-            <a:r>
-              <a:rPr lang="it-IT" sz="1600" dirty="0" err="1"/>
-              <a:t>separation</a:t>
-            </a:r>
-            <a:r>
-              <a:rPr lang="it-IT" sz="1600" dirty="0"/>
-              <a:t> from DOM</a:t>
-            </a:r>
-          </a:p>
-          <a:p>
-            <a:pPr marL="800100" lvl="1" indent="-342900" algn="l">
-              <a:buFont typeface="Arial"/>
-              <a:buChar char="•"/>
-            </a:pPr>
-            <a:r>
-              <a:rPr lang="it-IT" sz="1600" dirty="0" err="1" smtClean="0"/>
-              <a:t>Instead</a:t>
-            </a:r>
-            <a:r>
-              <a:rPr lang="it-IT" sz="1600" dirty="0"/>
-              <a:t>, </a:t>
-            </a:r>
-            <a:r>
-              <a:rPr lang="it-IT" sz="1600" dirty="0" err="1"/>
-              <a:t>specify</a:t>
-            </a:r>
-            <a:r>
-              <a:rPr lang="it-IT" sz="1600" dirty="0"/>
-              <a:t> </a:t>
-            </a:r>
-            <a:r>
-              <a:rPr lang="it-IT" sz="1600" dirty="0" err="1"/>
-              <a:t>one</a:t>
-            </a:r>
-            <a:r>
-              <a:rPr lang="it-IT" sz="1600" dirty="0"/>
-              <a:t>-way </a:t>
-            </a:r>
-            <a:r>
-              <a:rPr lang="it-IT" sz="1600" dirty="0" err="1"/>
-              <a:t>bind</a:t>
-            </a:r>
-            <a:r>
-              <a:rPr lang="it-IT" sz="1600" dirty="0"/>
-              <a:t> for display info</a:t>
-            </a:r>
-          </a:p>
-          <a:p>
-            <a:pPr marL="800100" lvl="1" indent="-342900" algn="l">
-              <a:buFont typeface="Arial"/>
-              <a:buChar char="•"/>
-            </a:pPr>
-            <a:r>
-              <a:rPr lang="it-IT" sz="1600" dirty="0" err="1" smtClean="0"/>
-              <a:t>Then</a:t>
-            </a:r>
-            <a:r>
-              <a:rPr lang="it-IT" sz="1600" dirty="0" smtClean="0"/>
-              <a:t> </a:t>
-            </a:r>
-            <a:r>
-              <a:rPr lang="it-IT" sz="1600" dirty="0" err="1"/>
-              <a:t>register</a:t>
-            </a:r>
-            <a:r>
-              <a:rPr lang="it-IT" sz="1600" dirty="0"/>
-              <a:t> an </a:t>
-            </a:r>
-            <a:r>
-              <a:rPr lang="it-IT" sz="1600" dirty="0" err="1"/>
-              <a:t>event</a:t>
-            </a:r>
-            <a:r>
-              <a:rPr lang="it-IT" sz="1600" dirty="0"/>
-              <a:t> </a:t>
-            </a:r>
-            <a:r>
-              <a:rPr lang="it-IT" sz="1600" dirty="0" err="1"/>
-              <a:t>handler</a:t>
-            </a:r>
-            <a:r>
-              <a:rPr lang="it-IT" sz="1600" dirty="0"/>
-              <a:t> (</a:t>
-            </a:r>
-            <a:r>
-              <a:rPr lang="it-IT" sz="1600" dirty="0" err="1"/>
-              <a:t>onChange</a:t>
-            </a:r>
-            <a:r>
-              <a:rPr lang="it-IT" sz="1600" dirty="0"/>
-              <a:t>, </a:t>
-            </a:r>
-            <a:r>
-              <a:rPr lang="it-IT" sz="1600" dirty="0" err="1"/>
-              <a:t>onDelete</a:t>
-            </a:r>
-            <a:r>
-              <a:rPr lang="it-IT" sz="1600" dirty="0"/>
-              <a:t>)</a:t>
-            </a:r>
-            <a:endParaRPr lang="en-US" sz="500" dirty="0"/>
-          </a:p>
-        </p:txBody>
-      </p:sp>
-    </p:spTree>
-    <p:extLst>
-      <p:ext uri="{BB962C8B-B14F-4D97-AF65-F5344CB8AC3E}">
-        <p14:creationId xmlns:p14="http://schemas.microsoft.com/office/powerpoint/2010/main" val="1492618978"/>
+        <p14:creationId xmlns:p14="http://schemas.microsoft.com/office/powerpoint/2010/main" val="2175067335"/>
       </p:ext>
     </p:extLst>
   </p:cSld>
@@ -8910,11 +5773,11 @@
           <a:bodyPr/>
           <a:lstStyle/>
           <a:p>
-            <a:r>
-              <a:rPr lang="en-US" dirty="0" smtClean="0"/>
-              <a:t>Why Angular?</a:t>
-            </a:r>
-            <a:endParaRPr lang="en-US" dirty="0"/>
+            <a:pPr marL="457200" indent="-457200"/>
+            <a:r>
+              <a:rPr lang="en-US" dirty="0"/>
+              <a:t>Introductions / Icebreakers</a:t>
+            </a:r>
           </a:p>
         </p:txBody>
       </p:sp>
@@ -8930,8 +5793,8 @@
         </p:nvSpPr>
         <p:spPr>
           <a:xfrm>
-            <a:off x="454651" y="1630710"/>
-            <a:ext cx="8371875" cy="4609893"/>
+            <a:off x="1371600" y="1630710"/>
+            <a:ext cx="6400800" cy="4609893"/>
           </a:xfrm>
         </p:spPr>
         <p:txBody>
@@ -8940,159 +5803,36 @@
           </a:bodyPr>
           <a:lstStyle/>
           <a:p>
-            <a:pPr marL="342900" indent="-342900" algn="l">
-              <a:buFont typeface="Arial"/>
-              <a:buChar char="•"/>
-            </a:pPr>
-            <a:r>
-              <a:rPr lang="en-US" sz="2400" dirty="0" smtClean="0"/>
-              <a:t>Keeping </a:t>
-            </a:r>
-            <a:r>
-              <a:rPr lang="en-US" sz="2400" dirty="0"/>
-              <a:t>track of state is hard</a:t>
-            </a:r>
-          </a:p>
-          <a:p>
-            <a:pPr marL="342900" indent="-342900" algn="l">
-              <a:buFont typeface="Arial"/>
-              <a:buChar char="•"/>
-            </a:pPr>
-            <a:r>
-              <a:rPr lang="en-US" sz="2400" dirty="0" smtClean="0"/>
-              <a:t>Single </a:t>
-            </a:r>
-            <a:r>
-              <a:rPr lang="en-US" sz="2400" dirty="0"/>
-              <a:t>Page Applications have three types of state:</a:t>
-            </a:r>
-          </a:p>
-          <a:p>
-            <a:pPr marL="800100" lvl="1" indent="-342900" algn="l">
-              <a:buFont typeface="Arial"/>
-              <a:buChar char="•"/>
-            </a:pPr>
-            <a:r>
-              <a:rPr lang="en-US" sz="2000" dirty="0" smtClean="0"/>
-              <a:t>UI </a:t>
-            </a:r>
-            <a:r>
-              <a:rPr lang="en-US" sz="2000" dirty="0"/>
-              <a:t>state: is this input checkbox true?</a:t>
-            </a:r>
-          </a:p>
-          <a:p>
-            <a:pPr marL="800100" lvl="1" indent="-342900" algn="l">
-              <a:buFont typeface="Arial"/>
-              <a:buChar char="•"/>
-            </a:pPr>
-            <a:r>
-              <a:rPr lang="en-US" sz="2000" dirty="0" smtClean="0"/>
-              <a:t>Application </a:t>
-            </a:r>
-            <a:r>
-              <a:rPr lang="en-US" sz="2000" dirty="0"/>
-              <a:t>state: you switched two widgets into edit mode</a:t>
-            </a:r>
-          </a:p>
-          <a:p>
-            <a:pPr marL="800100" lvl="1" indent="-342900" algn="l">
-              <a:buFont typeface="Arial"/>
-              <a:buChar char="•"/>
-            </a:pPr>
-            <a:r>
-              <a:rPr lang="en-US" sz="2000" dirty="0" smtClean="0"/>
-              <a:t>Global </a:t>
-            </a:r>
-            <a:r>
-              <a:rPr lang="en-US" sz="2000" dirty="0"/>
-              <a:t>state: authentication, settings</a:t>
-            </a:r>
-          </a:p>
-          <a:p>
-            <a:pPr marL="342900" indent="-342900" algn="l">
-              <a:buFont typeface="Arial"/>
-              <a:buChar char="•"/>
-            </a:pPr>
-            <a:r>
-              <a:rPr lang="en-US" sz="2400" dirty="0" smtClean="0"/>
-              <a:t>Efficient </a:t>
-            </a:r>
-            <a:r>
-              <a:rPr lang="en-US" sz="2400" dirty="0"/>
-              <a:t>DOM manipulation is hard</a:t>
-            </a:r>
-          </a:p>
-          <a:p>
-            <a:pPr marL="342900" indent="-342900" algn="l">
-              <a:buFont typeface="Arial"/>
-              <a:buChar char="•"/>
-            </a:pPr>
-            <a:r>
-              <a:rPr lang="en-US" sz="2400" dirty="0" err="1" smtClean="0"/>
-              <a:t>jQuery</a:t>
-            </a:r>
-            <a:r>
-              <a:rPr lang="en-US" sz="2400" dirty="0" smtClean="0"/>
-              <a:t> </a:t>
-            </a:r>
-            <a:r>
-              <a:rPr lang="en-US" sz="2400" dirty="0"/>
-              <a:t>does DOM well, but provides little large-scale structure</a:t>
-            </a:r>
-          </a:p>
-          <a:p>
-            <a:pPr marL="342900" indent="-342900" algn="l">
-              <a:buFont typeface="Arial"/>
-              <a:buChar char="•"/>
-            </a:pPr>
-            <a:r>
-              <a:rPr lang="en-US" sz="2400" dirty="0" smtClean="0"/>
-              <a:t>SPAs </a:t>
-            </a:r>
-            <a:r>
-              <a:rPr lang="en-US" sz="2400" dirty="0"/>
-              <a:t>need a framework to promote </a:t>
-            </a:r>
-            <a:endParaRPr lang="en-US" sz="2400" dirty="0" smtClean="0"/>
-          </a:p>
-          <a:p>
-            <a:pPr marL="800100" lvl="1" indent="-342900" algn="l">
-              <a:buFont typeface="Arial"/>
-              <a:buChar char="•"/>
-            </a:pPr>
-            <a:r>
-              <a:rPr lang="en-US" sz="2000" dirty="0" smtClean="0"/>
-              <a:t>Organization</a:t>
-            </a:r>
-          </a:p>
-          <a:p>
-            <a:pPr marL="800100" lvl="1" indent="-342900" algn="l">
-              <a:buFont typeface="Arial"/>
-              <a:buChar char="•"/>
-            </a:pPr>
-            <a:r>
-              <a:rPr lang="en-US" sz="2000" dirty="0" smtClean="0"/>
-              <a:t>Reusability</a:t>
-            </a:r>
-          </a:p>
-          <a:p>
-            <a:pPr marL="800100" lvl="1" indent="-342900" algn="l">
-              <a:buFont typeface="Arial"/>
-              <a:buChar char="•"/>
-            </a:pPr>
-            <a:r>
-              <a:rPr lang="en-US" sz="2000" dirty="0" smtClean="0"/>
-              <a:t>Flexibility</a:t>
-            </a:r>
-            <a:endParaRPr lang="en-US" sz="2000" dirty="0"/>
+            <a:pPr marL="457200" indent="-457200" algn="l">
+              <a:buFont typeface="Arial"/>
+              <a:buChar char="•"/>
+            </a:pPr>
+            <a:r>
+              <a:rPr lang="en-US" dirty="0" smtClean="0"/>
+              <a:t>About me</a:t>
+            </a:r>
+          </a:p>
+          <a:p>
+            <a:pPr marL="457200" indent="-457200" algn="l">
+              <a:buFont typeface="Arial"/>
+              <a:buChar char="•"/>
+            </a:pPr>
+            <a:r>
+              <a:rPr lang="en-US" dirty="0" smtClean="0"/>
+              <a:t>About </a:t>
+            </a:r>
+            <a:r>
+              <a:rPr lang="en-US" dirty="0" smtClean="0"/>
+              <a:t>you</a:t>
+            </a:r>
+            <a:endParaRPr lang="en-US" dirty="0" smtClean="0"/>
           </a:p>
         </p:txBody>
       </p:sp>
     </p:spTree>
     <p:extLst>
       <p:ext uri="{BB962C8B-B14F-4D97-AF65-F5344CB8AC3E}">
-        <p14:creationId xmlns:p14="http://schemas.microsoft.com/office/powerpoint/2010/main" val="1184490946"/>
+        <p14:creationId xmlns:p14="http://schemas.microsoft.com/office/powerpoint/2010/main" val="743485218"/>
       </p:ext>
     </p:extLst>
   </p:cSld>
@@ -9139,9 +5879,10 @@
           <a:bodyPr/>
           <a:lstStyle/>
           <a:p>
+            <a:pPr marL="457200" indent="-457200"/>
             <a:r>
               <a:rPr lang="en-US" dirty="0" smtClean="0"/>
-              <a:t>Angular Paradigm</a:t>
+              <a:t>Course Overview</a:t>
             </a:r>
             <a:endParaRPr lang="en-US" dirty="0"/>
           </a:p>
@@ -9159,243 +5900,156 @@
         </p:nvSpPr>
         <p:spPr>
           <a:xfrm>
-            <a:off x="454651" y="1630710"/>
-            <a:ext cx="8371875" cy="4609893"/>
+            <a:off x="1371600" y="1630710"/>
+            <a:ext cx="6400800" cy="4609893"/>
           </a:xfrm>
         </p:spPr>
         <p:txBody>
           <a:bodyPr>
-            <a:normAutofit fontScale="92500" lnSpcReduction="20000"/>
+            <a:normAutofit fontScale="85000" lnSpcReduction="20000"/>
           </a:bodyPr>
           <a:lstStyle/>
           <a:p>
-            <a:pPr marL="342900" indent="-342900" algn="l">
-              <a:buFont typeface="Arial"/>
-              <a:buChar char="•"/>
-            </a:pPr>
-            <a:r>
-              <a:rPr lang="en-US" sz="2400" dirty="0" smtClean="0"/>
-              <a:t>Angular </a:t>
-            </a:r>
-            <a:r>
-              <a:rPr lang="en-US" sz="2400" dirty="0"/>
-              <a:t>is primarily a system for:</a:t>
-            </a:r>
-          </a:p>
-          <a:p>
-            <a:pPr marL="800100" lvl="1" indent="-342900" algn="l">
-              <a:buFont typeface="Arial"/>
-              <a:buChar char="•"/>
-            </a:pPr>
-            <a:r>
-              <a:rPr lang="en-US" sz="2000" dirty="0" smtClean="0"/>
-              <a:t>declaring </a:t>
-            </a:r>
-            <a:r>
-              <a:rPr lang="en-US" sz="2000" dirty="0"/>
-              <a:t>extensions to HTML - elements and attributes</a:t>
-            </a:r>
-          </a:p>
-          <a:p>
-            <a:pPr marL="800100" lvl="1" indent="-342900" algn="l">
-              <a:buFont typeface="Arial"/>
-              <a:buChar char="•"/>
-            </a:pPr>
-            <a:r>
-              <a:rPr lang="en-US" sz="2000" dirty="0" smtClean="0"/>
-              <a:t>performing </a:t>
-            </a:r>
-            <a:r>
-              <a:rPr lang="en-US" sz="2000" dirty="0"/>
-              <a:t>dynamic DOM modifications described within those extensions</a:t>
-            </a:r>
-          </a:p>
-          <a:p>
-            <a:pPr marL="800100" lvl="1" indent="-342900" algn="l">
-              <a:buFont typeface="Arial"/>
-              <a:buChar char="•"/>
-            </a:pPr>
-            <a:r>
-              <a:rPr lang="en-US" sz="2000" dirty="0" smtClean="0"/>
-              <a:t>API </a:t>
-            </a:r>
-            <a:r>
-              <a:rPr lang="en-US" sz="2000" dirty="0"/>
-              <a:t>to programmatically integrate other code (plugins &amp; 3rd party</a:t>
-            </a:r>
-            <a:r>
-              <a:rPr lang="en-US" sz="2000" dirty="0" smtClean="0"/>
-              <a:t>)</a:t>
-            </a:r>
-          </a:p>
-          <a:p>
-            <a:pPr marL="342900" indent="-342900" algn="l">
-              <a:buFont typeface="Arial"/>
-              <a:buChar char="•"/>
-            </a:pPr>
-            <a:r>
-              <a:rPr lang="en-US" sz="2400" dirty="0" smtClean="0"/>
-              <a:t>Uses </a:t>
-            </a:r>
-            <a:r>
-              <a:rPr lang="en-US" sz="2400" dirty="0"/>
-              <a:t>MV* Pattern</a:t>
-            </a:r>
-          </a:p>
-          <a:p>
-            <a:pPr marL="800100" lvl="1" indent="-342900" algn="l">
-              <a:buFont typeface="Arial"/>
-              <a:buChar char="•"/>
-            </a:pPr>
-            <a:r>
-              <a:rPr lang="en-US" sz="2000" dirty="0" smtClean="0"/>
-              <a:t>Model </a:t>
-            </a:r>
-            <a:r>
-              <a:rPr lang="en-US" sz="2000" dirty="0"/>
-              <a:t>in </a:t>
-            </a:r>
-            <a:r>
-              <a:rPr lang="en-US" sz="2000" dirty="0" err="1"/>
-              <a:t>Javascript</a:t>
-            </a:r>
-            <a:endParaRPr lang="en-US" sz="2000" dirty="0"/>
-          </a:p>
-          <a:p>
-            <a:pPr marL="800100" lvl="1" indent="-342900" algn="l">
-              <a:buFont typeface="Arial"/>
-              <a:buChar char="•"/>
-            </a:pPr>
-            <a:r>
-              <a:rPr lang="en-US" sz="2000" dirty="0" smtClean="0"/>
-              <a:t>View </a:t>
-            </a:r>
-            <a:r>
-              <a:rPr lang="en-US" sz="2000" dirty="0"/>
-              <a:t>is extended HTML</a:t>
-            </a:r>
-          </a:p>
-          <a:p>
-            <a:pPr marL="800100" lvl="1" indent="-342900" algn="l">
-              <a:buFont typeface="Arial"/>
-              <a:buChar char="•"/>
-            </a:pPr>
-            <a:r>
-              <a:rPr lang="en-US" sz="2000" dirty="0" smtClean="0"/>
-              <a:t>Angular </a:t>
-            </a:r>
-            <a:r>
-              <a:rPr lang="en-US" sz="2000" dirty="0"/>
-              <a:t>1 uses Controllers, although </a:t>
-            </a:r>
-            <a:r>
-              <a:rPr lang="en-US" sz="2000" dirty="0" smtClean="0"/>
-              <a:t>they’re </a:t>
-            </a:r>
-            <a:r>
-              <a:rPr lang="en-US" sz="2000" dirty="0"/>
-              <a:t>not traditional</a:t>
-            </a:r>
-          </a:p>
-          <a:p>
-            <a:pPr marL="800100" lvl="1" indent="-342900" algn="l">
-              <a:buFont typeface="Arial"/>
-              <a:buChar char="•"/>
-            </a:pPr>
-            <a:r>
-              <a:rPr lang="en-US" sz="2000" dirty="0" smtClean="0"/>
-              <a:t>Angular </a:t>
-            </a:r>
-            <a:r>
-              <a:rPr lang="en-US" sz="2000" dirty="0"/>
-              <a:t>1.5 &amp; 2 use Components</a:t>
-            </a:r>
-          </a:p>
-          <a:p>
-            <a:pPr marL="800100" lvl="1" indent="-342900" algn="l">
-              <a:buFont typeface="Arial"/>
-              <a:buChar char="•"/>
-            </a:pPr>
-            <a:r>
-              <a:rPr lang="en-US" sz="2000" dirty="0" smtClean="0"/>
-              <a:t>John </a:t>
-            </a:r>
-            <a:r>
-              <a:rPr lang="en-US" sz="2000" dirty="0"/>
-              <a:t>Papa and others recommend practicing MVVM (Model/View/</a:t>
-            </a:r>
-            <a:r>
-              <a:rPr lang="en-US" sz="2000" dirty="0" err="1"/>
-              <a:t>ViewModel</a:t>
-            </a:r>
-            <a:r>
-              <a:rPr lang="en-US" sz="2000" dirty="0" smtClean="0"/>
-              <a:t>)</a:t>
-            </a:r>
-          </a:p>
-          <a:p>
-            <a:pPr marL="342900" indent="-342900" algn="l">
-              <a:buFont typeface="Arial"/>
-              <a:buChar char="•"/>
-            </a:pPr>
-            <a:r>
-              <a:rPr lang="en-US" sz="2400" dirty="0" smtClean="0"/>
-              <a:t>Angular </a:t>
-            </a:r>
-            <a:r>
-              <a:rPr lang="en-US" sz="2400" dirty="0"/>
-              <a:t>pattern: 'register' functionality under a module</a:t>
-            </a:r>
-          </a:p>
-          <a:p>
-            <a:pPr marL="800100" lvl="1" indent="-342900" algn="l">
-              <a:buFont typeface="Arial"/>
-              <a:buChar char="•"/>
-            </a:pPr>
-            <a:r>
-              <a:rPr lang="en-US" sz="2000" dirty="0" smtClean="0"/>
-              <a:t>Modules </a:t>
-            </a:r>
-            <a:r>
-              <a:rPr lang="en-US" sz="2000" dirty="0"/>
-              <a:t>are high level, standalone units of code</a:t>
-            </a:r>
-          </a:p>
-          <a:p>
-            <a:pPr marL="800100" lvl="1" indent="-342900" algn="l">
-              <a:buFont typeface="Arial"/>
-              <a:buChar char="•"/>
-            </a:pPr>
-            <a:r>
-              <a:rPr lang="en-US" sz="2000" dirty="0" smtClean="0"/>
-              <a:t>Once </a:t>
-            </a:r>
-            <a:r>
-              <a:rPr lang="en-US" sz="2000" dirty="0"/>
-              <a:t>registered, functionality can be referenced elsewhere by name</a:t>
-            </a:r>
-          </a:p>
-          <a:p>
-            <a:pPr marL="800100" lvl="1" indent="-342900" algn="l">
-              <a:buFont typeface="Arial"/>
-              <a:buChar char="•"/>
-            </a:pPr>
-            <a:r>
-              <a:rPr lang="en-US" sz="2000" dirty="0" smtClean="0"/>
-              <a:t>Angular </a:t>
-            </a:r>
-            <a:r>
-              <a:rPr lang="en-US" sz="2000" dirty="0"/>
-              <a:t>searches for registered names and passes in registered code</a:t>
-            </a:r>
-            <a:endParaRPr lang="en-US" sz="1600" dirty="0"/>
+            <a:pPr algn="l"/>
+            <a:r>
+              <a:rPr lang="en-US" dirty="0" smtClean="0"/>
+              <a:t>Day 1</a:t>
+            </a:r>
+          </a:p>
+          <a:p>
+            <a:pPr marL="457200" indent="-457200" algn="l">
+              <a:buFont typeface="Arial"/>
+              <a:buChar char="•"/>
+            </a:pPr>
+            <a:r>
+              <a:rPr lang="en-US" dirty="0" smtClean="0"/>
+              <a:t>Functions</a:t>
+            </a:r>
+            <a:r>
+              <a:rPr lang="en-US" dirty="0"/>
+              <a:t>, Hoisting, Closures</a:t>
+            </a:r>
+          </a:p>
+          <a:p>
+            <a:pPr marL="457200" indent="-457200" algn="l">
+              <a:buFont typeface="Arial"/>
+              <a:buChar char="•"/>
+            </a:pPr>
+            <a:r>
+              <a:rPr lang="en-US" dirty="0" smtClean="0"/>
+              <a:t>OO </a:t>
+            </a:r>
+            <a:r>
+              <a:rPr lang="en-US" dirty="0"/>
+              <a:t>JavaScript</a:t>
+            </a:r>
+          </a:p>
+          <a:p>
+            <a:pPr marL="457200" indent="-457200" algn="l">
+              <a:buFont typeface="Arial"/>
+              <a:buChar char="•"/>
+            </a:pPr>
+            <a:r>
+              <a:rPr lang="en-US" dirty="0" smtClean="0"/>
+              <a:t>Inheritance</a:t>
+            </a:r>
+            <a:endParaRPr lang="en-US" dirty="0"/>
+          </a:p>
+          <a:p>
+            <a:pPr marL="457200" indent="-457200" algn="l">
+              <a:buFont typeface="Arial"/>
+              <a:buChar char="•"/>
+            </a:pPr>
+            <a:r>
+              <a:rPr lang="en-US" dirty="0" smtClean="0"/>
+              <a:t>Introduction </a:t>
+            </a:r>
+            <a:r>
+              <a:rPr lang="en-US" dirty="0"/>
+              <a:t>to Angular</a:t>
+            </a:r>
+          </a:p>
+          <a:p>
+            <a:pPr marL="457200" indent="-457200" algn="l">
+              <a:buFont typeface="Arial"/>
+              <a:buChar char="•"/>
+            </a:pPr>
+            <a:r>
+              <a:rPr lang="en-US" dirty="0"/>
+              <a:t>Templates and </a:t>
+            </a:r>
+            <a:r>
+              <a:rPr lang="en-US" dirty="0" smtClean="0"/>
+              <a:t>Directives</a:t>
+            </a:r>
+            <a:endParaRPr lang="en-US" dirty="0"/>
+          </a:p>
+          <a:p>
+            <a:pPr algn="l"/>
+            <a:r>
+              <a:rPr lang="en-US" dirty="0" smtClean="0"/>
+              <a:t>Day 2</a:t>
+            </a:r>
+          </a:p>
+          <a:p>
+            <a:pPr marL="457200" indent="-457200" algn="l">
+              <a:buFont typeface="Arial"/>
+              <a:buChar char="•"/>
+            </a:pPr>
+            <a:r>
+              <a:rPr lang="en-US" dirty="0" smtClean="0"/>
+              <a:t>Controllers and Scope</a:t>
+            </a:r>
+            <a:endParaRPr lang="en-US" dirty="0"/>
+          </a:p>
+          <a:p>
+            <a:pPr marL="457200" indent="-457200" algn="l">
+              <a:buFont typeface="Arial"/>
+              <a:buChar char="•"/>
+            </a:pPr>
+            <a:r>
+              <a:rPr lang="en-US" dirty="0" smtClean="0"/>
+              <a:t>Looping</a:t>
+            </a:r>
+            <a:endParaRPr lang="en-US" dirty="0"/>
+          </a:p>
+          <a:p>
+            <a:pPr marL="457200" indent="-457200" algn="l">
+              <a:buFont typeface="Arial"/>
+              <a:buChar char="•"/>
+            </a:pPr>
+            <a:r>
+              <a:rPr lang="en-US" dirty="0" smtClean="0"/>
+              <a:t>Forms</a:t>
+            </a:r>
+          </a:p>
+          <a:p>
+            <a:pPr marL="457200" indent="-457200" algn="l">
+              <a:buFont typeface="Arial"/>
+              <a:buChar char="•"/>
+            </a:pPr>
+            <a:r>
+              <a:rPr lang="en-US" dirty="0" smtClean="0"/>
+              <a:t>Providers</a:t>
+            </a:r>
+            <a:r>
+              <a:rPr lang="en-US" dirty="0"/>
+              <a:t>, Services, Factories &amp; more</a:t>
+            </a:r>
+          </a:p>
+          <a:p>
+            <a:pPr marL="457200" indent="-457200" algn="l">
+              <a:buFont typeface="Arial"/>
+              <a:buChar char="•"/>
+            </a:pPr>
+            <a:endParaRPr lang="en-US" dirty="0"/>
           </a:p>
         </p:txBody>
       </p:sp>
     </p:spTree>
     <p:extLst>
       <p:ext uri="{BB962C8B-B14F-4D97-AF65-F5344CB8AC3E}">
-        <p14:creationId xmlns:p14="http://schemas.microsoft.com/office/powerpoint/2010/main" val="3292954081"/>
+        <p14:creationId xmlns:p14="http://schemas.microsoft.com/office/powerpoint/2010/main" val="3070008667"/>
       </p:ext>
     </p:extLst>
   </p:cSld>
@@ -9442,9 +6096,10 @@
           <a:bodyPr/>
           <a:lstStyle/>
           <a:p>
+            <a:pPr marL="457200" indent="-457200"/>
             <a:r>
               <a:rPr lang="en-US" dirty="0" smtClean="0"/>
-              <a:t>Angular Style Guide</a:t>
+              <a:t>Course Overview</a:t>
             </a:r>
             <a:endParaRPr lang="en-US" dirty="0"/>
           </a:p>
@@ -9462,276 +6117,156 @@
         </p:nvSpPr>
         <p:spPr>
           <a:xfrm>
-            <a:off x="454651" y="1630710"/>
-            <a:ext cx="8371875" cy="4609893"/>
+            <a:off x="1371600" y="1630710"/>
+            <a:ext cx="6400800" cy="4609893"/>
           </a:xfrm>
         </p:spPr>
         <p:txBody>
           <a:bodyPr>
-            <a:normAutofit fontScale="77500" lnSpcReduction="20000"/>
+            <a:normAutofit fontScale="85000" lnSpcReduction="20000"/>
           </a:bodyPr>
           <a:lstStyle/>
           <a:p>
-            <a:pPr marL="342900" indent="-342900" algn="l">
-              <a:buFont typeface="Arial"/>
-              <a:buChar char="•"/>
-            </a:pPr>
-            <a:r>
-              <a:rPr lang="en-US" sz="2400" dirty="0" smtClean="0"/>
-              <a:t>John </a:t>
-            </a:r>
-            <a:r>
-              <a:rPr lang="en-US" sz="2400" dirty="0"/>
-              <a:t>Papa has one of the most influential</a:t>
-            </a:r>
-          </a:p>
-          <a:p>
-            <a:pPr marL="342900" indent="-342900" algn="l">
-              <a:buFont typeface="Arial"/>
-              <a:buChar char="•"/>
-            </a:pPr>
-            <a:r>
-              <a:rPr lang="en-US" sz="2400" dirty="0" smtClean="0">
-                <a:hlinkClick r:id="rId2"/>
-              </a:rPr>
-              <a:t>https</a:t>
-            </a:r>
-            <a:r>
-              <a:rPr lang="en-US" sz="2400" dirty="0">
-                <a:hlinkClick r:id="rId2"/>
-              </a:rPr>
-              <a:t>://github.com/johnpapa/angular-styleguide/blob/master/a1/</a:t>
-            </a:r>
-            <a:r>
-              <a:rPr lang="en-US" sz="2400" dirty="0" err="1">
-                <a:hlinkClick r:id="rId2"/>
-              </a:rPr>
-              <a:t>README.md</a:t>
-            </a:r>
-            <a:endParaRPr lang="en-US" sz="2400" dirty="0"/>
-          </a:p>
-          <a:p>
-            <a:pPr marL="342900" indent="-342900" algn="l">
-              <a:buFont typeface="Arial"/>
-              <a:buChar char="•"/>
-            </a:pPr>
-            <a:r>
-              <a:rPr lang="en-US" sz="2400" dirty="0" smtClean="0"/>
-              <a:t>General </a:t>
-            </a:r>
-            <a:r>
-              <a:rPr lang="en-US" sz="2400" dirty="0"/>
-              <a:t>recommendations</a:t>
-            </a:r>
-          </a:p>
-          <a:p>
-            <a:pPr marL="800100" lvl="1" indent="-342900" algn="l">
-              <a:buFont typeface="Arial"/>
-              <a:buChar char="•"/>
-            </a:pPr>
-            <a:r>
-              <a:rPr lang="en-US" sz="2000" dirty="0" smtClean="0"/>
-              <a:t>Prefer </a:t>
-            </a:r>
-            <a:r>
-              <a:rPr lang="en-US" sz="2000" dirty="0" err="1"/>
-              <a:t>controllerAs</a:t>
-            </a:r>
-            <a:r>
-              <a:rPr lang="en-US" sz="2000" dirty="0"/>
-              <a:t> syntax whenever possible</a:t>
-            </a:r>
-          </a:p>
-          <a:p>
-            <a:pPr marL="800100" lvl="1" indent="-342900" algn="l">
-              <a:buFont typeface="Arial"/>
-              <a:buChar char="•"/>
-            </a:pPr>
-            <a:r>
-              <a:rPr lang="en-US" sz="2000" dirty="0" smtClean="0"/>
-              <a:t>Prefer </a:t>
-            </a:r>
-            <a:r>
-              <a:rPr lang="en-US" sz="2000" dirty="0"/>
-              <a:t>named functions to anonymous ones wherever possible</a:t>
-            </a:r>
-          </a:p>
-          <a:p>
-            <a:pPr marL="342900" indent="-342900" algn="l">
-              <a:buFont typeface="Arial"/>
-              <a:buChar char="•"/>
-            </a:pPr>
-            <a:r>
-              <a:rPr lang="en-US" sz="2400" dirty="0" smtClean="0"/>
-              <a:t>File </a:t>
-            </a:r>
-            <a:r>
-              <a:rPr lang="en-US" sz="2400" dirty="0"/>
-              <a:t>structure</a:t>
-            </a:r>
-          </a:p>
-          <a:p>
-            <a:pPr marL="800100" lvl="1" indent="-342900" algn="l">
-              <a:buFont typeface="Arial"/>
-              <a:buChar char="•"/>
-            </a:pPr>
-            <a:r>
-              <a:rPr lang="en-US" sz="2000" dirty="0" smtClean="0"/>
-              <a:t>Small </a:t>
-            </a:r>
-            <a:r>
-              <a:rPr lang="en-US" sz="2000" dirty="0"/>
-              <a:t>functions, &lt; 75 </a:t>
-            </a:r>
-            <a:r>
-              <a:rPr lang="en-US" sz="2000" dirty="0" err="1"/>
-              <a:t>LoC</a:t>
-            </a:r>
-            <a:endParaRPr lang="en-US" sz="2000" dirty="0"/>
-          </a:p>
-          <a:p>
-            <a:pPr marL="800100" lvl="1" indent="-342900" algn="l">
-              <a:buFont typeface="Arial"/>
-              <a:buChar char="•"/>
-            </a:pPr>
-            <a:r>
-              <a:rPr lang="en-US" sz="2000" dirty="0" smtClean="0"/>
-              <a:t>One </a:t>
-            </a:r>
-            <a:r>
-              <a:rPr lang="en-US" sz="2000" dirty="0"/>
-              <a:t>component per file, &lt; 400 </a:t>
-            </a:r>
-            <a:r>
-              <a:rPr lang="en-US" sz="2000" dirty="0" err="1"/>
-              <a:t>LoC</a:t>
-            </a:r>
-            <a:endParaRPr lang="en-US" sz="2000" dirty="0"/>
-          </a:p>
-          <a:p>
-            <a:pPr marL="800100" lvl="1" indent="-342900" algn="l">
-              <a:buFont typeface="Arial"/>
-              <a:buChar char="•"/>
-            </a:pPr>
-            <a:r>
-              <a:rPr lang="en-US" sz="2000" dirty="0" smtClean="0"/>
-              <a:t>Wrap </a:t>
-            </a:r>
-            <a:r>
-              <a:rPr lang="en-US" sz="2000" dirty="0"/>
-              <a:t>components in an IIFE (automatically through build system is fine)</a:t>
-            </a:r>
-          </a:p>
-          <a:p>
-            <a:pPr marL="800100" lvl="1" indent="-342900" algn="l">
-              <a:buFont typeface="Arial"/>
-              <a:buChar char="•"/>
-            </a:pPr>
-            <a:r>
-              <a:rPr lang="en-US" sz="2000" dirty="0" smtClean="0"/>
-              <a:t>Put </a:t>
-            </a:r>
-            <a:r>
-              <a:rPr lang="en-US" sz="2000" dirty="0" err="1"/>
-              <a:t>bindable</a:t>
-            </a:r>
-            <a:r>
-              <a:rPr lang="en-US" sz="2000" dirty="0"/>
-              <a:t> (public) properties at the top of the file</a:t>
-            </a:r>
-          </a:p>
-          <a:p>
-            <a:pPr marL="800100" lvl="1" indent="-342900" algn="l">
-              <a:buFont typeface="Arial"/>
-              <a:buChar char="•"/>
-            </a:pPr>
-            <a:r>
-              <a:rPr lang="en-US" sz="2000" dirty="0" smtClean="0"/>
-              <a:t>Organize </a:t>
-            </a:r>
-            <a:r>
-              <a:rPr lang="en-US" sz="2000" dirty="0"/>
-              <a:t>files by feature, not function</a:t>
-            </a:r>
-          </a:p>
-          <a:p>
-            <a:pPr marL="342900" indent="-342900" algn="l">
-              <a:buFont typeface="Arial"/>
-              <a:buChar char="•"/>
-            </a:pPr>
-            <a:r>
-              <a:rPr lang="en-US" sz="2400" dirty="0"/>
+            <a:pPr algn="l"/>
+            <a:r>
+              <a:rPr lang="en-US" dirty="0" smtClean="0"/>
+              <a:t>Day 3</a:t>
+            </a:r>
+          </a:p>
+          <a:p>
+            <a:pPr marL="457200" indent="-457200" algn="l">
+              <a:buFont typeface="Arial"/>
+              <a:buChar char="•"/>
+            </a:pPr>
+            <a:r>
+              <a:rPr lang="en-US" dirty="0"/>
+              <a:t>Built-in &amp; Custom Filters</a:t>
+            </a:r>
+          </a:p>
+          <a:p>
+            <a:pPr marL="457200" indent="-457200" algn="l">
+              <a:buFont typeface="Arial"/>
+              <a:buChar char="•"/>
+            </a:pPr>
+            <a:r>
+              <a:rPr lang="en-US" dirty="0" smtClean="0"/>
+              <a:t>UI</a:t>
+            </a:r>
+            <a:r>
+              <a:rPr lang="en-US" dirty="0"/>
+              <a:t>-Router</a:t>
+            </a:r>
+          </a:p>
+          <a:p>
+            <a:pPr marL="457200" indent="-457200" algn="l">
+              <a:buFont typeface="Arial"/>
+              <a:buChar char="•"/>
+            </a:pPr>
+            <a:r>
+              <a:rPr lang="en-US" dirty="0" smtClean="0"/>
+              <a:t>Ajax &amp; $http service</a:t>
+            </a:r>
+          </a:p>
+          <a:p>
+            <a:pPr marL="457200" indent="-457200" algn="l">
+              <a:buFont typeface="Arial"/>
+              <a:buChar char="•"/>
+            </a:pPr>
+            <a:r>
+              <a:rPr lang="en-US" dirty="0" smtClean="0"/>
+              <a:t>Unit testing with Jasmine</a:t>
+            </a:r>
+            <a:endParaRPr lang="en-US" dirty="0"/>
+          </a:p>
+          <a:p>
+            <a:pPr algn="l"/>
+            <a:r>
+              <a:rPr lang="en-US" dirty="0" smtClean="0"/>
+              <a:t>Day 4</a:t>
+            </a:r>
+          </a:p>
+          <a:p>
+            <a:pPr marL="457200" indent="-457200" algn="l">
+              <a:buFont typeface="Arial"/>
+              <a:buChar char="•"/>
+            </a:pPr>
+            <a:r>
+              <a:rPr lang="en-US" dirty="0" smtClean="0"/>
+              <a:t>What’s </a:t>
+            </a:r>
+            <a:r>
+              <a:rPr lang="en-US" dirty="0"/>
+              <a:t>new in 1.3 and 1.4</a:t>
+            </a:r>
+          </a:p>
+          <a:p>
+            <a:pPr marL="457200" indent="-457200" algn="l">
+              <a:buFont typeface="Arial"/>
+              <a:buChar char="•"/>
+            </a:pPr>
+            <a:r>
+              <a:rPr lang="en-US" dirty="0" smtClean="0"/>
+              <a:t>Components </a:t>
+            </a:r>
+            <a:r>
+              <a:rPr lang="en-US" dirty="0"/>
+              <a:t>in Angular 1.5</a:t>
+            </a:r>
+          </a:p>
+          <a:p>
+            <a:pPr marL="457200" indent="-457200" algn="l">
+              <a:buFont typeface="Arial"/>
+              <a:buChar char="•"/>
+            </a:pPr>
+            <a:r>
+              <a:rPr lang="en-US" dirty="0" smtClean="0"/>
+              <a:t>Angular </a:t>
+            </a:r>
+            <a:r>
+              <a:rPr lang="en-US" dirty="0"/>
+              <a:t>2 Introduction</a:t>
+            </a:r>
+          </a:p>
+          <a:p>
+            <a:pPr marL="457200" indent="-457200" algn="l">
+              <a:buFont typeface="Arial"/>
+              <a:buChar char="•"/>
+            </a:pPr>
+            <a:r>
+              <a:rPr lang="en-US" dirty="0" err="1" smtClean="0"/>
+              <a:t>TypeScript</a:t>
+            </a:r>
+            <a:r>
+              <a:rPr lang="en-US" dirty="0" smtClean="0"/>
               <a:t> </a:t>
             </a:r>
             <a:r>
-              <a:rPr lang="en-US" sz="2400" dirty="0" smtClean="0"/>
-              <a:t>LIFT</a:t>
-            </a:r>
-            <a:endParaRPr lang="en-US" sz="2400" dirty="0"/>
-          </a:p>
-          <a:p>
-            <a:pPr marL="800100" lvl="1" indent="-342900" algn="l">
-              <a:buFont typeface="Arial"/>
-              <a:buChar char="•"/>
-            </a:pPr>
-            <a:r>
-              <a:rPr lang="en-US" sz="2000" dirty="0" smtClean="0"/>
-              <a:t>Locating </a:t>
-            </a:r>
-            <a:r>
-              <a:rPr lang="en-US" sz="2000" dirty="0"/>
-              <a:t>our code is easy</a:t>
-            </a:r>
-          </a:p>
-          <a:p>
-            <a:pPr marL="800100" lvl="1" indent="-342900" algn="l">
-              <a:buFont typeface="Arial"/>
-              <a:buChar char="•"/>
-            </a:pPr>
-            <a:r>
-              <a:rPr lang="en-US" sz="2000" dirty="0" smtClean="0"/>
-              <a:t>Identify </a:t>
-            </a:r>
-            <a:r>
-              <a:rPr lang="en-US" sz="2000" dirty="0"/>
-              <a:t>code at a glance</a:t>
-            </a:r>
-          </a:p>
-          <a:p>
-            <a:pPr marL="800100" lvl="1" indent="-342900" algn="l">
-              <a:buFont typeface="Arial"/>
-              <a:buChar char="•"/>
-            </a:pPr>
-            <a:r>
-              <a:rPr lang="en-US" sz="2000" dirty="0" smtClean="0"/>
-              <a:t>Flat </a:t>
-            </a:r>
-            <a:r>
-              <a:rPr lang="en-US" sz="2000" dirty="0"/>
-              <a:t>structure as long as we can</a:t>
-            </a:r>
-          </a:p>
-          <a:p>
-            <a:pPr marL="800100" lvl="1" indent="-342900" algn="l">
-              <a:buFont typeface="Arial"/>
-              <a:buChar char="•"/>
-            </a:pPr>
-            <a:r>
-              <a:rPr lang="en-US" sz="2000" dirty="0" smtClean="0"/>
-              <a:t>Try </a:t>
-            </a:r>
-            <a:r>
-              <a:rPr lang="en-US" sz="2000" dirty="0"/>
-              <a:t>to stay DRY</a:t>
-            </a:r>
-            <a:endParaRPr lang="en-US" sz="1200" dirty="0"/>
+              <a:rPr lang="en-US" dirty="0"/>
+              <a:t>and ES6 </a:t>
+            </a:r>
+            <a:endParaRPr lang="en-US" dirty="0" smtClean="0"/>
+          </a:p>
+          <a:p>
+            <a:pPr marL="457200" indent="-457200" algn="l">
+              <a:buFont typeface="Arial"/>
+              <a:buChar char="•"/>
+            </a:pPr>
+            <a:r>
+              <a:rPr lang="en-US" dirty="0" smtClean="0"/>
+              <a:t>Components </a:t>
+            </a:r>
+            <a:r>
+              <a:rPr lang="en-US" dirty="0"/>
+              <a:t>in Angular 2</a:t>
+            </a:r>
+            <a:endParaRPr lang="en-US" dirty="0" smtClean="0"/>
           </a:p>
         </p:txBody>
       </p:sp>
     </p:spTree>
     <p:extLst>
       <p:ext uri="{BB962C8B-B14F-4D97-AF65-F5344CB8AC3E}">
-        <p14:creationId xmlns:p14="http://schemas.microsoft.com/office/powerpoint/2010/main" val="1055244008"/>
+        <p14:creationId xmlns:p14="http://schemas.microsoft.com/office/powerpoint/2010/main" val="3309695354"/>
       </p:ext>
     </p:extLst>
   </p:cSld>
@@ -9778,9 +6313,10 @@
           <a:bodyPr/>
           <a:lstStyle/>
           <a:p>
+            <a:pPr marL="457200" indent="-457200"/>
             <a:r>
               <a:rPr lang="en-US" dirty="0" smtClean="0"/>
-              <a:t>Getting Started</a:t>
+              <a:t>Housekeeping</a:t>
             </a:r>
             <a:endParaRPr lang="en-US" dirty="0"/>
           </a:p>
@@ -9798,8 +6334,8 @@
         </p:nvSpPr>
         <p:spPr>
           <a:xfrm>
-            <a:off x="454651" y="1630710"/>
-            <a:ext cx="8371875" cy="4609893"/>
+            <a:off x="1371600" y="1630710"/>
+            <a:ext cx="6400800" cy="4609893"/>
           </a:xfrm>
         </p:spPr>
         <p:txBody>
@@ -9808,90 +6344,92 @@
           </a:bodyPr>
           <a:lstStyle/>
           <a:p>
-            <a:pPr marL="171450" indent="-171450" algn="l">
-              <a:buFont typeface="Arial"/>
-              <a:buChar char="•"/>
-            </a:pPr>
-            <a:r>
-              <a:rPr lang="en-US" sz="2400" dirty="0"/>
+            <a:pPr marL="457200" indent="-457200" algn="l">
+              <a:buFont typeface="Arial"/>
+              <a:buChar char="•"/>
+            </a:pPr>
+            <a:r>
+              <a:rPr lang="en-US" dirty="0" smtClean="0"/>
+              <a:t>Class guidelines</a:t>
+            </a:r>
+          </a:p>
+          <a:p>
+            <a:pPr marL="457200" indent="-457200" algn="l">
+              <a:buFont typeface="Arial"/>
+              <a:buChar char="•"/>
+            </a:pPr>
+            <a:r>
+              <a:rPr lang="en-US" dirty="0" smtClean="0"/>
+              <a:t>Evaluations</a:t>
+            </a:r>
+          </a:p>
+          <a:p>
+            <a:pPr marL="457200" indent="-457200" algn="l">
+              <a:buFont typeface="Arial"/>
+              <a:buChar char="•"/>
+            </a:pPr>
+            <a:r>
+              <a:rPr lang="en-US" dirty="0" smtClean="0"/>
+              <a:t>Resources</a:t>
+            </a:r>
+            <a:endParaRPr lang="en-US" dirty="0"/>
+          </a:p>
+          <a:p>
+            <a:pPr marL="914400" lvl="1" indent="-457200" algn="l">
+              <a:buFont typeface="Arial"/>
+              <a:buChar char="•"/>
+            </a:pPr>
+            <a:r>
+              <a:rPr lang="en-US" dirty="0"/>
+              <a:t>Slides and code on </a:t>
+            </a:r>
+            <a:r>
+              <a:rPr lang="en-US" dirty="0" err="1"/>
+              <a:t>github</a:t>
+            </a:r>
+            <a:r>
+              <a:rPr lang="en-US" dirty="0"/>
               <a:t> </a:t>
             </a:r>
-            <a:r>
-              <a:rPr lang="en-US" sz="2400" dirty="0" smtClean="0"/>
-              <a:t>Valid </a:t>
-            </a:r>
-            <a:r>
-              <a:rPr lang="en-US" sz="2400" dirty="0"/>
-              <a:t>HTML page</a:t>
-            </a:r>
-          </a:p>
-          <a:p>
-            <a:pPr marL="171450" indent="-171450" algn="l">
-              <a:buFont typeface="Arial"/>
-              <a:buChar char="•"/>
-            </a:pPr>
-            <a:r>
-              <a:rPr lang="en-US" sz="2400" dirty="0" smtClean="0"/>
-              <a:t> </a:t>
-            </a:r>
-            <a:r>
-              <a:rPr lang="en-US" sz="2400" dirty="0"/>
-              <a:t>Script tag pointing to </a:t>
-            </a:r>
-            <a:r>
-              <a:rPr lang="en-US" sz="2400" dirty="0" err="1"/>
-              <a:t>angular.js</a:t>
-            </a:r>
-            <a:endParaRPr lang="en-US" sz="2400" dirty="0"/>
-          </a:p>
-          <a:p>
-            <a:pPr marL="171450" indent="-171450" algn="l">
-              <a:buFont typeface="Arial"/>
-              <a:buChar char="•"/>
-            </a:pPr>
-            <a:r>
-              <a:rPr lang="en-US" sz="2400" dirty="0" smtClean="0"/>
-              <a:t> </a:t>
-            </a:r>
-            <a:r>
-              <a:rPr lang="en-US" sz="2400" dirty="0"/>
-              <a:t>Angular requires </a:t>
-            </a:r>
-            <a:r>
-              <a:rPr lang="en-US" sz="2400" dirty="0" err="1"/>
-              <a:t>ng</a:t>
-            </a:r>
-            <a:r>
-              <a:rPr lang="en-US" sz="2400" dirty="0"/>
-              <a:t>-app directive to </a:t>
-            </a:r>
-            <a:r>
-              <a:rPr lang="en-US" sz="2400" dirty="0" err="1"/>
-              <a:t>init</a:t>
-            </a:r>
-            <a:endParaRPr lang="en-US" sz="2400" dirty="0"/>
-          </a:p>
-          <a:p>
-            <a:pPr marL="171450" indent="-171450" algn="l">
-              <a:buFont typeface="Arial"/>
-              <a:buChar char="•"/>
-            </a:pPr>
-            <a:r>
-              <a:rPr lang="en-US" sz="2400" dirty="0" smtClean="0"/>
-              <a:t> </a:t>
-            </a:r>
-            <a:r>
-              <a:rPr lang="en-US" sz="2400" dirty="0"/>
-              <a:t>examples/01-get-started</a:t>
-            </a:r>
-            <a:endParaRPr lang="en-US" sz="2400" dirty="0"/>
+          </a:p>
+          <a:p>
+            <a:pPr marL="914400" lvl="1" indent="-457200" algn="l">
+              <a:buFont typeface="Arial"/>
+              <a:buChar char="•"/>
+            </a:pPr>
+            <a:r>
+              <a:rPr lang="en-US" dirty="0">
+                <a:hlinkClick r:id="rId2"/>
+              </a:rPr>
+              <a:t>https://github.com/eliasjames/</a:t>
+            </a:r>
+            <a:endParaRPr lang="en-US" dirty="0"/>
+          </a:p>
+          <a:p>
+            <a:pPr marL="914400" lvl="1" indent="-457200" algn="l">
+              <a:buFont typeface="Arial"/>
+              <a:buChar char="•"/>
+            </a:pPr>
+            <a:r>
+              <a:rPr lang="en-US" dirty="0" err="1" smtClean="0"/>
+              <a:t>elias</a:t>
+            </a:r>
+            <a:r>
+              <a:rPr lang="en-US" dirty="0" err="1"/>
+              <a:t>@</a:t>
+            </a:r>
+            <a:r>
+              <a:rPr lang="en-US" dirty="0" err="1" smtClean="0"/>
+              <a:t>eliascarlston.com</a:t>
+            </a:r>
+            <a:endParaRPr lang="en-US" dirty="0"/>
           </a:p>
         </p:txBody>
       </p:sp>
     </p:spTree>
     <p:extLst>
       <p:ext uri="{BB962C8B-B14F-4D97-AF65-F5344CB8AC3E}">
-        <p14:creationId xmlns:p14="http://schemas.microsoft.com/office/powerpoint/2010/main" val="2175067335"/>
+        <p14:creationId xmlns:p14="http://schemas.microsoft.com/office/powerpoint/2010/main" val="2042047335"/>
       </p:ext>
     </p:extLst>
   </p:cSld>
@@ -9940,23 +6478,7 @@
           <a:p>
             <a:r>
               <a:rPr lang="en-US" dirty="0" smtClean="0"/>
-              <a:t>Getting Started</a:t>
-            </a:r>
-            <a:r>
-              <a:rPr lang="en-US" dirty="0"/>
-              <a:t>: </a:t>
-            </a:r>
-            <a:r>
-              <a:rPr lang="en-US" dirty="0" err="1"/>
-              <a:t>ng</a:t>
-            </a:r>
-            <a:r>
-              <a:rPr lang="en-US" dirty="0"/>
-              <a:t>-app </a:t>
-            </a:r>
-            <a:r>
-              <a:rPr lang="en-US" dirty="0" smtClean="0"/>
-              <a:t>directive</a:t>
+              <a:t>SPA Challenges</a:t>
             </a:r>
             <a:endParaRPr lang="en-US" dirty="0"/>
           </a:p>
@@ -9984,17 +6506,43 @@
           </a:bodyPr>
           <a:lstStyle/>
           <a:p>
+            <a:pPr algn="l"/>
+            <a:r>
+              <a:rPr lang="en-US" sz="2800" dirty="0" smtClean="0"/>
+              <a:t>State</a:t>
+            </a:r>
+          </a:p>
+          <a:p>
+            <a:pPr algn="l"/>
+            <a:r>
+              <a:rPr lang="en-US" sz="2400" dirty="0" smtClean="0"/>
+              <a:t>Single </a:t>
+            </a:r>
+            <a:r>
+              <a:rPr lang="en-US" sz="2400" dirty="0"/>
+              <a:t>Page Applications have </a:t>
+            </a:r>
+            <a:r>
+              <a:rPr lang="en-US" sz="2400" dirty="0" smtClean="0"/>
+              <a:t>several types </a:t>
+            </a:r>
+            <a:r>
+              <a:rPr lang="en-US" sz="2400" dirty="0"/>
+              <a:t>of state:</a:t>
+            </a:r>
+          </a:p>
+          <a:p>
             <a:pPr marL="342900" indent="-342900" algn="l">
               <a:buFont typeface="Arial"/>
               <a:buChar char="•"/>
             </a:pPr>
             <a:r>
               <a:rPr lang="en-US" sz="2400" dirty="0" smtClean="0"/>
-              <a:t>Directives </a:t>
+              <a:t>UI </a:t>
             </a:r>
             <a:r>
               <a:rPr lang="en-US" sz="2400" dirty="0"/>
-              <a:t>are Angular identifiers added to ordinary HTML</a:t>
+              <a:t>state: is this input checkbox true?</a:t>
             </a:r>
           </a:p>
           <a:p>
@@ -10004,11 +6552,11 @@
             </a:pPr>
             <a:r>
               <a:rPr lang="en-US" sz="2400" dirty="0" smtClean="0"/>
-              <a:t>Angular </a:t>
+              <a:t>Application </a:t>
             </a:r>
             <a:r>
               <a:rPr lang="en-US" sz="2400" dirty="0"/>
-              <a:t>attaches event listeners and/or modifies the DOM</a:t>
+              <a:t>state: you switched two widgets into edit mode</a:t>
             </a:r>
           </a:p>
           <a:p>
@@ -10018,100 +6566,15 @@
             </a:pPr>
             <a:r>
               <a:rPr lang="en-US" sz="2400" dirty="0" smtClean="0"/>
-              <a:t>Most </a:t>
+              <a:t>Global </a:t>
             </a:r>
             <a:r>
               <a:rPr lang="en-US" sz="2400" dirty="0"/>
-              <a:t>commonly HTML attributes. </a:t>
-            </a:r>
-            <a:endParaRPr lang="en-US" sz="2400" dirty="0" smtClean="0"/>
-          </a:p>
-          <a:p>
-            <a:pPr marL="342900" indent="-342900" algn="l">
-              <a:buFont typeface="Arial"/>
-              <a:buChar char="•"/>
-            </a:pPr>
-            <a:r>
-              <a:rPr lang="en-US" sz="2400" dirty="0" smtClean="0"/>
-              <a:t>Also </a:t>
-            </a:r>
-            <a:r>
-              <a:rPr lang="en-US" sz="2400" dirty="0"/>
-              <a:t>HTML elements, comments, CSS classes</a:t>
-            </a:r>
-          </a:p>
-          <a:p>
-            <a:pPr marL="342900" indent="-342900" algn="l">
-              <a:buFont typeface="Arial"/>
-              <a:buChar char="•"/>
-            </a:pPr>
-            <a:r>
-              <a:rPr lang="en-US" sz="2400" dirty="0" smtClean="0"/>
-              <a:t>Begin </a:t>
-            </a:r>
-            <a:r>
-              <a:rPr lang="en-US" sz="2400" dirty="0"/>
-              <a:t>with "</a:t>
-            </a:r>
-            <a:r>
-              <a:rPr lang="en-US" sz="2400" dirty="0" err="1"/>
-              <a:t>ng</a:t>
-            </a:r>
-            <a:r>
-              <a:rPr lang="en-US" sz="2400" dirty="0"/>
-              <a:t>-": &lt;body </a:t>
-            </a:r>
-            <a:r>
-              <a:rPr lang="en-US" sz="2400" dirty="0" err="1"/>
-              <a:t>ng</a:t>
-            </a:r>
-            <a:r>
-              <a:rPr lang="en-US" sz="2400" dirty="0"/>
-              <a:t>-app&gt;</a:t>
-            </a:r>
-          </a:p>
-          <a:p>
-            <a:pPr marL="342900" indent="-342900" algn="l">
-              <a:buFont typeface="Arial"/>
-              <a:buChar char="•"/>
-            </a:pPr>
-            <a:r>
-              <a:rPr lang="en-US" sz="2400" dirty="0" smtClean="0"/>
-              <a:t>Optionally</a:t>
-            </a:r>
-            <a:r>
-              <a:rPr lang="en-US" sz="2400" dirty="0"/>
-              <a:t>, pass a value to a directive just like a regular attribute</a:t>
-            </a:r>
-          </a:p>
-          <a:p>
-            <a:pPr marL="342900" indent="-342900" algn="l">
-              <a:buFont typeface="Arial"/>
-              <a:buChar char="•"/>
-            </a:pPr>
-            <a:r>
-              <a:rPr lang="en-US" sz="2400" dirty="0" smtClean="0"/>
-              <a:t>&lt;</a:t>
-            </a:r>
-            <a:r>
-              <a:rPr lang="en-US" sz="2400" dirty="0"/>
-              <a:t>body </a:t>
-            </a:r>
-            <a:r>
-              <a:rPr lang="en-US" sz="2400" dirty="0" err="1"/>
-              <a:t>ng</a:t>
-            </a:r>
-            <a:r>
-              <a:rPr lang="en-US" sz="2400" dirty="0"/>
-              <a:t>-app="</a:t>
-            </a:r>
-            <a:r>
-              <a:rPr lang="en-US" sz="2400" dirty="0" err="1"/>
-              <a:t>optionalAppName</a:t>
-            </a:r>
-            <a:r>
-              <a:rPr lang="en-US" sz="2400" dirty="0"/>
-              <a:t>"&gt;</a:t>
+              <a:t>state: authentication, </a:t>
+            </a:r>
+            <a:r>
+              <a:rPr lang="en-US" sz="2400" dirty="0" smtClean="0"/>
+              <a:t>settings</a:t>
             </a:r>
             <a:endParaRPr lang="en-US" sz="2400" dirty="0"/>
           </a:p>
@@ -10120,7 +6583,7 @@
     </p:spTree>
     <p:extLst>
       <p:ext uri="{BB962C8B-B14F-4D97-AF65-F5344CB8AC3E}">
-        <p14:creationId xmlns:p14="http://schemas.microsoft.com/office/powerpoint/2010/main" val="3443792774"/>
+        <p14:creationId xmlns:p14="http://schemas.microsoft.com/office/powerpoint/2010/main" val="1184490946"/>
       </p:ext>
     </p:extLst>
   </p:cSld>
@@ -10169,7 +6632,7 @@
           <a:p>
             <a:r>
               <a:rPr lang="en-US" dirty="0"/>
-              <a:t>Some built in directives</a:t>
+              <a:t>SPA Challenges</a:t>
             </a:r>
             <a:endParaRPr lang="en-US" dirty="0"/>
           </a:p>
@@ -10197,35 +6660,27 @@
           </a:bodyPr>
           <a:lstStyle/>
           <a:p>
+            <a:pPr algn="l"/>
+            <a:r>
+              <a:rPr lang="en-US" sz="2800" dirty="0" smtClean="0"/>
+              <a:t>Timing</a:t>
+            </a:r>
+          </a:p>
+          <a:p>
+            <a:pPr algn="l"/>
+            <a:r>
+              <a:rPr lang="en-US" sz="2400" dirty="0" smtClean="0"/>
+              <a:t>Many layers of timing concerns</a:t>
+            </a:r>
+          </a:p>
+          <a:p>
             <a:pPr marL="342900" indent="-342900" algn="l">
               <a:buFont typeface="Arial"/>
               <a:buChar char="•"/>
             </a:pPr>
             <a:r>
-              <a:rPr lang="en-US" sz="2400" dirty="0" err="1" smtClean="0"/>
-              <a:t>ng</a:t>
-            </a:r>
-            <a:r>
-              <a:rPr lang="en-US" sz="2400" dirty="0"/>
-              <a:t>-</a:t>
-            </a:r>
-            <a:r>
-              <a:rPr lang="en-US" sz="2400" dirty="0" smtClean="0"/>
-              <a:t>class</a:t>
-            </a:r>
-          </a:p>
-          <a:p>
-            <a:pPr marL="800100" lvl="1" indent="-342900" algn="l">
-              <a:buFont typeface="Arial"/>
-              <a:buChar char="•"/>
-            </a:pPr>
-            <a:r>
-              <a:rPr lang="en-US" sz="2000" dirty="0" smtClean="0"/>
-              <a:t>add </a:t>
-            </a:r>
-            <a:r>
-              <a:rPr lang="en-US" sz="2000" dirty="0"/>
-              <a:t>the result of template expression to the element as a CSS class</a:t>
+              <a:rPr lang="en-US" sz="2400" dirty="0" smtClean="0"/>
+              <a:t>Page load</a:t>
             </a:r>
           </a:p>
           <a:p>
@@ -10234,44 +6689,8 @@
               <a:buChar char="•"/>
             </a:pPr>
             <a:r>
-              <a:rPr lang="en-US" sz="2400" dirty="0" err="1" smtClean="0"/>
-              <a:t>ng</a:t>
-            </a:r>
-            <a:r>
-              <a:rPr lang="en-US" sz="2400" dirty="0"/>
-              <a:t>-</a:t>
-            </a:r>
-            <a:r>
-              <a:rPr lang="en-US" sz="2400" dirty="0" smtClean="0"/>
-              <a:t>blur</a:t>
-            </a:r>
-          </a:p>
-          <a:p>
-            <a:pPr marL="800100" lvl="1" indent="-342900" algn="l">
-              <a:buFont typeface="Arial"/>
-              <a:buChar char="•"/>
-            </a:pPr>
-            <a:r>
-              <a:rPr lang="en-US" sz="2000" dirty="0" smtClean="0"/>
-              <a:t>evaluate </a:t>
-            </a:r>
-            <a:r>
-              <a:rPr lang="en-US" sz="2000" dirty="0"/>
-              <a:t>an expression when element loses focus</a:t>
-            </a:r>
-          </a:p>
-          <a:p>
-            <a:pPr marL="342900" indent="-342900" algn="l">
-              <a:buFont typeface="Arial"/>
-              <a:buChar char="•"/>
-            </a:pPr>
-            <a:r>
-              <a:rPr lang="en-US" sz="2400" dirty="0" err="1" smtClean="0"/>
-              <a:t>ng</a:t>
-            </a:r>
-            <a:r>
-              <a:rPr lang="en-US" sz="2400" dirty="0" err="1"/>
-              <a:t>-</a:t>
+              <a:rPr lang="en-US" sz="2400" dirty="0" smtClean="0"/>
+              <a:t>Framework </a:t>
             </a:r>
             <a:r>
               <a:rPr lang="en-US" sz="2400" dirty="0" err="1" smtClean="0"/>
@@ -10280,90 +6699,36 @@
             <a:endParaRPr lang="en-US" sz="2400" dirty="0" smtClean="0"/>
           </a:p>
           <a:p>
-            <a:pPr marL="800100" lvl="1" indent="-342900" algn="l">
-              <a:buFont typeface="Arial"/>
-              <a:buChar char="•"/>
-            </a:pPr>
-            <a:r>
-              <a:rPr lang="en-US" sz="2000" dirty="0" smtClean="0"/>
-              <a:t>assign </a:t>
-            </a:r>
-            <a:r>
-              <a:rPr lang="en-US" sz="2000" dirty="0"/>
-              <a:t>a property in the current Angular execution context</a:t>
-            </a:r>
-          </a:p>
-          <a:p>
             <a:pPr marL="342900" indent="-342900" algn="l">
               <a:buFont typeface="Arial"/>
               <a:buChar char="•"/>
             </a:pPr>
             <a:r>
+              <a:rPr lang="en-US" sz="2400" dirty="0" smtClean="0"/>
+              <a:t>Rendering</a:t>
+            </a:r>
+          </a:p>
+          <a:p>
+            <a:pPr marL="342900" indent="-342900" algn="l">
+              <a:buFont typeface="Arial"/>
+              <a:buChar char="•"/>
+            </a:pPr>
+            <a:r>
               <a:rPr lang="en-US" sz="2400" dirty="0" err="1" smtClean="0"/>
-              <a:t>ng</a:t>
-            </a:r>
-            <a:r>
-              <a:rPr lang="en-US" sz="2400" dirty="0"/>
-              <a:t>-</a:t>
-            </a:r>
-            <a:r>
-              <a:rPr lang="en-US" sz="2400" dirty="0" smtClean="0"/>
-              <a:t>include</a:t>
-            </a:r>
-          </a:p>
-          <a:p>
-            <a:pPr marL="800100" lvl="1" indent="-342900" algn="l">
-              <a:buFont typeface="Arial"/>
-              <a:buChar char="•"/>
-            </a:pPr>
-            <a:r>
-              <a:rPr lang="en-US" sz="2000" dirty="0" smtClean="0"/>
-              <a:t>fetch</a:t>
-            </a:r>
-            <a:r>
-              <a:rPr lang="en-US" sz="2000" dirty="0"/>
-              <a:t>, compile and include an external HTML fragment</a:t>
-            </a:r>
-          </a:p>
-          <a:p>
-            <a:pPr marL="342900" indent="-342900" algn="l">
-              <a:buFont typeface="Arial"/>
-              <a:buChar char="•"/>
-            </a:pPr>
-            <a:r>
-              <a:rPr lang="en-US" sz="2400" dirty="0" err="1" smtClean="0"/>
-              <a:t>ng</a:t>
-            </a:r>
-            <a:r>
-              <a:rPr lang="en-US" sz="2400" dirty="0"/>
-              <a:t>-</a:t>
-            </a:r>
-            <a:r>
-              <a:rPr lang="en-US" sz="2400" dirty="0" smtClean="0"/>
-              <a:t>switch</a:t>
-            </a:r>
-          </a:p>
-          <a:p>
-            <a:pPr marL="800100" lvl="1" indent="-342900" algn="l">
-              <a:buFont typeface="Arial"/>
-              <a:buChar char="•"/>
-            </a:pPr>
-            <a:r>
-              <a:rPr lang="en-US" sz="2000" dirty="0" smtClean="0"/>
-              <a:t>conditionally </a:t>
-            </a:r>
-            <a:r>
-              <a:rPr lang="en-US" sz="2000" dirty="0"/>
-              <a:t>insert HTML</a:t>
-            </a:r>
-            <a:endParaRPr lang="en-US" sz="2000" dirty="0"/>
+              <a:t>Async</a:t>
+            </a:r>
+            <a:r>
+              <a:rPr lang="en-US" sz="2400" dirty="0" smtClean="0"/>
+              <a:t> operations</a:t>
+            </a:r>
+            <a:endParaRPr lang="en-US" sz="2400" dirty="0"/>
           </a:p>
         </p:txBody>
       </p:sp>
     </p:spTree>
     <p:extLst>
       <p:ext uri="{BB962C8B-B14F-4D97-AF65-F5344CB8AC3E}">
-        <p14:creationId xmlns:p14="http://schemas.microsoft.com/office/powerpoint/2010/main" val="3519792158"/>
+        <p14:creationId xmlns:p14="http://schemas.microsoft.com/office/powerpoint/2010/main" val="3730423800"/>
       </p:ext>
     </p:extLst>
   </p:cSld>
@@ -10412,7 +6777,7 @@
           <a:p>
             <a:r>
               <a:rPr lang="en-US" dirty="0"/>
-              <a:t>Template expressions</a:t>
+              <a:t>SPA Challenges</a:t>
             </a:r>
             <a:endParaRPr lang="en-US" dirty="0"/>
           </a:p>
@@ -10440,17 +6805,35 @@
           </a:bodyPr>
           <a:lstStyle/>
           <a:p>
+            <a:pPr algn="l"/>
+            <a:r>
+              <a:rPr lang="en-US" sz="2800" dirty="0" smtClean="0"/>
+              <a:t>DOM</a:t>
+            </a:r>
+          </a:p>
+          <a:p>
+            <a:pPr algn="l"/>
+            <a:r>
+              <a:rPr lang="en-US" sz="2400" dirty="0" smtClean="0"/>
+              <a:t>Efficient </a:t>
+            </a:r>
+            <a:r>
+              <a:rPr lang="en-US" sz="2400" dirty="0"/>
+              <a:t>DOM manipulation is </a:t>
+            </a:r>
+            <a:r>
+              <a:rPr lang="en-US" sz="2400" dirty="0" smtClean="0"/>
+              <a:t>hard</a:t>
+            </a:r>
+          </a:p>
+          <a:p>
             <a:pPr marL="342900" indent="-342900" algn="l">
               <a:buFont typeface="Arial"/>
               <a:buChar char="•"/>
             </a:pPr>
             <a:r>
               <a:rPr lang="en-US" sz="2400" dirty="0" smtClean="0"/>
-              <a:t>Declare </a:t>
-            </a:r>
-            <a:r>
-              <a:rPr lang="en-US" sz="2400" dirty="0"/>
-              <a:t>template expression using double brackets:</a:t>
+              <a:t>Inserts &amp; removes</a:t>
             </a:r>
           </a:p>
           <a:p>
@@ -10460,11 +6843,7 @@
             </a:pPr>
             <a:r>
               <a:rPr lang="en-US" sz="2400" dirty="0" smtClean="0"/>
-              <a:t>&lt;</a:t>
-            </a:r>
-            <a:r>
-              <a:rPr lang="en-US" sz="2400" dirty="0"/>
-              <a:t>p&gt;{{ 'this will ' + ' get concatenated' }}&lt;/p&gt;</a:t>
+              <a:t>Syncs</a:t>
             </a:r>
           </a:p>
           <a:p>
@@ -10474,34 +6853,16 @@
             </a:pPr>
             <a:r>
               <a:rPr lang="en-US" sz="2400" dirty="0" smtClean="0"/>
-              <a:t>Angular </a:t>
-            </a:r>
-            <a:r>
-              <a:rPr lang="en-US" sz="2400" dirty="0"/>
-              <a:t>evaluates and assigns result to a property of a binding target</a:t>
-            </a:r>
-          </a:p>
-          <a:p>
-            <a:pPr marL="342900" indent="-342900" algn="l">
-              <a:buFont typeface="Arial"/>
-              <a:buChar char="•"/>
-            </a:pPr>
-            <a:r>
-              <a:rPr lang="en-US" sz="2400" dirty="0" smtClean="0"/>
-              <a:t>Target </a:t>
-            </a:r>
-            <a:r>
-              <a:rPr lang="en-US" sz="2400" dirty="0"/>
-              <a:t>may be ordinary HTML, directive, component</a:t>
-            </a:r>
-            <a:endParaRPr lang="en-US" sz="2000" dirty="0"/>
+              <a:t>State</a:t>
+            </a:r>
+            <a:endParaRPr lang="en-US" sz="2400" dirty="0"/>
           </a:p>
         </p:txBody>
       </p:sp>
     </p:spTree>
     <p:extLst>
       <p:ext uri="{BB962C8B-B14F-4D97-AF65-F5344CB8AC3E}">
-        <p14:creationId xmlns:p14="http://schemas.microsoft.com/office/powerpoint/2010/main" val="3244153540"/>
+        <p14:creationId xmlns:p14="http://schemas.microsoft.com/office/powerpoint/2010/main" val="2449083522"/>
       </p:ext>
     </p:extLst>
   </p:cSld>

--- a/slides/Angular Slides Day 1.pptx
+++ b/slides/Angular Slides Day 1.pptx
@@ -18,14 +18,16 @@
     <p:sldId id="259" r:id="rId12"/>
     <p:sldId id="291" r:id="rId13"/>
     <p:sldId id="292" r:id="rId14"/>
-    <p:sldId id="260" r:id="rId15"/>
-    <p:sldId id="262" r:id="rId16"/>
-    <p:sldId id="263" r:id="rId17"/>
-    <p:sldId id="280" r:id="rId18"/>
-    <p:sldId id="293" r:id="rId19"/>
-    <p:sldId id="266" r:id="rId20"/>
-    <p:sldId id="267" r:id="rId21"/>
-    <p:sldId id="261" r:id="rId22"/>
+    <p:sldId id="295" r:id="rId15"/>
+    <p:sldId id="296" r:id="rId16"/>
+    <p:sldId id="260" r:id="rId17"/>
+    <p:sldId id="262" r:id="rId18"/>
+    <p:sldId id="263" r:id="rId19"/>
+    <p:sldId id="280" r:id="rId20"/>
+    <p:sldId id="293" r:id="rId21"/>
+    <p:sldId id="266" r:id="rId22"/>
+    <p:sldId id="267" r:id="rId23"/>
+    <p:sldId id="261" r:id="rId24"/>
   </p:sldIdLst>
   <p:sldSz cx="9144000" cy="6858000" type="screen4x3"/>
   <p:notesSz cx="6858000" cy="9144000"/>
@@ -3140,14 +3142,22 @@
             </a:r>
             <a:r>
               <a:rPr lang="en-US" dirty="0" smtClean="0"/>
-              <a:t> training</a:t>
+              <a:t> </a:t>
+            </a:r>
+            <a:r>
+              <a:rPr lang="en-US" dirty="0" smtClean="0"/>
+              <a:t>training</a:t>
+            </a:r>
+            <a:r>
+              <a:rPr lang="en-US" dirty="0"/>
+              <a:t/>
             </a:r>
             <a:br>
+              <a:rPr lang="en-US" dirty="0"/>
+            </a:br>
+            <a:r>
               <a:rPr lang="en-US" dirty="0" smtClean="0"/>
-            </a:br>
-            <a:r>
-              <a:rPr lang="en-US" dirty="0" err="1" smtClean="0"/>
-              <a:t>QuickOrder</a:t>
+              <a:t>Day 1</a:t>
             </a:r>
             <a:endParaRPr lang="en-US" dirty="0"/>
           </a:p>
@@ -3177,7 +3187,11 @@
           <a:p>
             <a:r>
               <a:rPr lang="en-US" dirty="0" smtClean="0"/>
-              <a:t>Elias Carlston</a:t>
+              <a:t>Elias </a:t>
+            </a:r>
+            <a:r>
+              <a:rPr lang="en-US" dirty="0" smtClean="0"/>
+              <a:t>Carlston</a:t>
             </a:r>
           </a:p>
           <a:p>
@@ -3190,7 +3204,11 @@
           <a:p>
             <a:r>
               <a:rPr lang="en-US" dirty="0" err="1" smtClean="0"/>
-              <a:t>elias@eliascarlston.com</a:t>
+              <a:t>elias</a:t>
+            </a:r>
+            <a:r>
+              <a:rPr lang="en-US" dirty="0" err="1" smtClean="0"/>
+              <a:t>@eliascarlston.com</a:t>
             </a:r>
             <a:endParaRPr lang="en-US" dirty="0"/>
           </a:p>
@@ -3918,11 +3936,7 @@
           <a:p>
             <a:r>
               <a:rPr lang="en-US" dirty="0" smtClean="0"/>
-              <a:t>Exercise: Angular </a:t>
-            </a:r>
-            <a:r>
-              <a:rPr lang="en-US" dirty="0" smtClean="0"/>
-              <a:t>Style Guide</a:t>
+              <a:t>Angular Paradigm</a:t>
             </a:r>
             <a:endParaRPr lang="en-US" dirty="0"/>
           </a:p>
@@ -3950,13 +3964,20 @@
           </a:bodyPr>
           <a:lstStyle/>
           <a:p>
+            <a:pPr algn="l"/>
+            <a:r>
+              <a:rPr lang="en-US" sz="2400" dirty="0" smtClean="0"/>
+              <a:t>Angular is 'opinionated'</a:t>
+            </a:r>
+          </a:p>
+          <a:p>
             <a:pPr marL="342900" indent="-342900" algn="l">
               <a:buFont typeface="Arial"/>
               <a:buChar char="•"/>
             </a:pPr>
             <a:r>
               <a:rPr lang="en-US" sz="2400" dirty="0" smtClean="0"/>
-              <a:t>Team should choose a style guide and stick to it</a:t>
+              <a:t>Encourages you to do things their way</a:t>
             </a:r>
           </a:p>
           <a:p>
@@ -3966,11 +3987,7 @@
             </a:pPr>
             <a:r>
               <a:rPr lang="en-US" sz="2400" dirty="0" smtClean="0"/>
-              <a:t>John </a:t>
-            </a:r>
-            <a:r>
-              <a:rPr lang="en-US" sz="2400" dirty="0"/>
-              <a:t>Papa has one of the most influential</a:t>
+              <a:t>Discourages you from doing things other ways</a:t>
             </a:r>
           </a:p>
           <a:p>
@@ -3979,31 +3996,17 @@
               <a:buChar char="•"/>
             </a:pPr>
             <a:r>
-              <a:rPr lang="en-US" sz="2400" dirty="0" smtClean="0">
-                <a:hlinkClick r:id="rId2"/>
-              </a:rPr>
-              <a:t>https</a:t>
-            </a:r>
-            <a:r>
-              <a:rPr lang="en-US" sz="2400" dirty="0">
-                <a:hlinkClick r:id="rId2"/>
-              </a:rPr>
-              <a:t>://github.com/johnpapa/angular-styleguide</a:t>
-            </a:r>
-            <a:r>
-              <a:rPr lang="en-US" sz="2400" dirty="0" smtClean="0">
-                <a:hlinkClick r:id="rId2"/>
-              </a:rPr>
-              <a:t>/</a:t>
-            </a:r>
-            <a:endParaRPr lang="en-US" sz="2400" dirty="0"/>
+              <a:rPr lang="en-US" sz="2400" dirty="0" smtClean="0"/>
+              <a:t>If struggling, maybe research alternate approaches</a:t>
+            </a:r>
+            <a:endParaRPr lang="en-US" sz="2400" dirty="0" smtClean="0"/>
           </a:p>
         </p:txBody>
       </p:sp>
     </p:spTree>
     <p:extLst>
       <p:ext uri="{BB962C8B-B14F-4D97-AF65-F5344CB8AC3E}">
-        <p14:creationId xmlns:p14="http://schemas.microsoft.com/office/powerpoint/2010/main" val="1055244008"/>
+        <p14:creationId xmlns:p14="http://schemas.microsoft.com/office/powerpoint/2010/main" val="2619237687"/>
       </p:ext>
     </p:extLst>
   </p:cSld>
@@ -4052,7 +4055,11 @@
           <a:p>
             <a:r>
               <a:rPr lang="en-US" dirty="0" smtClean="0"/>
-              <a:t>Directives</a:t>
+              <a:t>Angular </a:t>
+            </a:r>
+            <a:r>
+              <a:rPr lang="en-US" dirty="0" smtClean="0"/>
+              <a:t>Conventions</a:t>
             </a:r>
             <a:endParaRPr lang="en-US" dirty="0"/>
           </a:p>
@@ -4086,11 +4093,23 @@
             </a:pPr>
             <a:r>
               <a:rPr lang="en-US" sz="2400" dirty="0" smtClean="0"/>
-              <a:t>Directives </a:t>
-            </a:r>
-            <a:r>
-              <a:rPr lang="en-US" sz="2400" dirty="0"/>
-              <a:t>are Angular identifiers added to ordinary HTML</a:t>
+              <a:t>Frequently abbreviated </a:t>
+            </a:r>
+            <a:r>
+              <a:rPr lang="en-US" sz="2400" dirty="0" err="1" smtClean="0"/>
+              <a:t>nG</a:t>
+            </a:r>
+            <a:r>
+              <a:rPr lang="en-US" sz="2400" dirty="0" smtClean="0"/>
+              <a:t> (</a:t>
+            </a:r>
+            <a:r>
+              <a:rPr lang="en-US" sz="2400" dirty="0" err="1" smtClean="0"/>
+              <a:t>camelCased</a:t>
+            </a:r>
+            <a:r>
+              <a:rPr lang="en-US" sz="2400" dirty="0" smtClean="0"/>
+              <a:t>) </a:t>
             </a:r>
           </a:p>
           <a:p>
@@ -4100,15 +4119,45 @@
             </a:pPr>
             <a:r>
               <a:rPr lang="en-US" sz="2400" dirty="0" smtClean="0"/>
-              <a:t>Angular </a:t>
-            </a:r>
-            <a:r>
-              <a:rPr lang="en-US" sz="2400" dirty="0"/>
-              <a:t>attaches event listeners and/or modifies the </a:t>
-            </a:r>
-            <a:r>
-              <a:rPr lang="en-US" sz="2400" dirty="0" smtClean="0"/>
-              <a:t>DOM</a:t>
+              <a:t>$ prefix indicates </a:t>
+            </a:r>
+            <a:r>
+              <a:rPr lang="en-US" sz="2400" dirty="0" err="1" smtClean="0"/>
+              <a:t>nG</a:t>
+            </a:r>
+            <a:r>
+              <a:rPr lang="en-US" sz="2400" dirty="0" smtClean="0"/>
+              <a:t> built-in service</a:t>
+            </a:r>
+          </a:p>
+          <a:p>
+            <a:pPr marL="800100" lvl="1" indent="-342900" algn="l">
+              <a:buFont typeface="Arial"/>
+              <a:buChar char="•"/>
+            </a:pPr>
+            <a:r>
+              <a:rPr lang="en-US" sz="2000" dirty="0" smtClean="0"/>
+              <a:t>$window</a:t>
+            </a:r>
+          </a:p>
+          <a:p>
+            <a:pPr marL="800100" lvl="1" indent="-342900" algn="l">
+              <a:buFont typeface="Arial"/>
+              <a:buChar char="•"/>
+            </a:pPr>
+            <a:r>
+              <a:rPr lang="en-US" sz="2000" dirty="0" smtClean="0"/>
+              <a:t>$timeout</a:t>
+            </a:r>
+          </a:p>
+          <a:p>
+            <a:pPr marL="800100" lvl="1" indent="-342900" algn="l">
+              <a:buFont typeface="Arial"/>
+              <a:buChar char="•"/>
+            </a:pPr>
+            <a:r>
+              <a:rPr lang="en-US" sz="2000" dirty="0" smtClean="0"/>
+              <a:t>$http</a:t>
             </a:r>
           </a:p>
           <a:p>
@@ -4117,76 +4166,12 @@
               <a:buChar char="•"/>
             </a:pPr>
             <a:r>
-              <a:rPr lang="en-US" sz="2400" dirty="0"/>
-              <a:t>Directives are the only proper place for DOM </a:t>
-            </a:r>
-            <a:r>
-              <a:rPr lang="en-US" sz="2400" dirty="0" smtClean="0"/>
-              <a:t>manipulation</a:t>
-            </a:r>
-            <a:endParaRPr lang="en-US" sz="2400" dirty="0"/>
-          </a:p>
-          <a:p>
-            <a:pPr marL="342900" indent="-342900" algn="l">
-              <a:buFont typeface="Arial"/>
-              <a:buChar char="•"/>
-            </a:pPr>
-            <a:r>
-              <a:rPr lang="en-US" sz="2400" dirty="0" smtClean="0"/>
-              <a:t>Most </a:t>
-            </a:r>
-            <a:r>
-              <a:rPr lang="en-US" sz="2400" dirty="0"/>
-              <a:t>commonly </a:t>
-            </a:r>
-            <a:r>
-              <a:rPr lang="en-US" sz="2400" dirty="0" smtClean="0"/>
-              <a:t>defined as HTML </a:t>
-            </a:r>
-            <a:r>
-              <a:rPr lang="en-US" sz="2400" dirty="0"/>
-              <a:t>attributes or </a:t>
-            </a:r>
-            <a:r>
-              <a:rPr lang="en-US" sz="2400" dirty="0" smtClean="0"/>
-              <a:t>elements</a:t>
-            </a:r>
-          </a:p>
-          <a:p>
-            <a:pPr marL="342900" indent="-342900" algn="l">
-              <a:buFont typeface="Arial"/>
-              <a:buChar char="•"/>
-            </a:pPr>
-            <a:r>
-              <a:rPr lang="en-US" sz="2400" dirty="0" smtClean="0"/>
-              <a:t>Can also be comments</a:t>
-            </a:r>
-            <a:r>
-              <a:rPr lang="en-US" sz="2400" dirty="0"/>
-              <a:t>, CSS classes </a:t>
-            </a:r>
-            <a:r>
-              <a:rPr lang="en-US" sz="2400" dirty="0" smtClean="0"/>
-              <a:t>- less optimal</a:t>
-            </a:r>
-            <a:endParaRPr lang="en-US" sz="2400" dirty="0"/>
-          </a:p>
-          <a:p>
-            <a:pPr marL="342900" indent="-342900" algn="l">
-              <a:buFont typeface="Arial"/>
-              <a:buChar char="•"/>
-            </a:pPr>
-            <a:r>
-              <a:rPr lang="en-US" sz="2400" dirty="0" smtClean="0"/>
-              <a:t>A little magic: HTML directive </a:t>
-            </a:r>
-            <a:r>
-              <a:rPr lang="en-US" sz="2400" dirty="0"/>
-              <a:t>name to JS name </a:t>
-            </a:r>
-            <a:r>
-              <a:rPr lang="en-US" sz="2400" dirty="0" smtClean="0"/>
-              <a:t>matching</a:t>
+              <a:rPr lang="en-US" sz="2400" dirty="0" err="1" smtClean="0"/>
+              <a:t>nG</a:t>
+            </a:r>
+            <a:r>
+              <a:rPr lang="en-US" sz="2400" dirty="0" smtClean="0"/>
+              <a:t> does a lousy job of naming things</a:t>
             </a:r>
           </a:p>
           <a:p>
@@ -4195,8 +4180,12 @@
               <a:buChar char="•"/>
             </a:pPr>
             <a:r>
+              <a:rPr lang="en-US" sz="2000" dirty="0" err="1" smtClean="0"/>
+              <a:t>nG</a:t>
+            </a:r>
+            <a:r>
               <a:rPr lang="en-US" sz="2000" dirty="0" smtClean="0"/>
-              <a:t>data- and x- prefixes stripped from HTML name</a:t>
+              <a:t> scope similar to but not the same as JS scope</a:t>
             </a:r>
           </a:p>
           <a:p>
@@ -4205,67 +4194,49 @@
               <a:buChar char="•"/>
             </a:pPr>
             <a:r>
+              <a:rPr lang="en-US" sz="2000" dirty="0" err="1" smtClean="0"/>
+              <a:t>nG</a:t>
+            </a:r>
+            <a:r>
               <a:rPr lang="en-US" sz="2000" dirty="0" smtClean="0"/>
-              <a:t>Dash, underscore, or colon delimiters turn into </a:t>
+              <a:t> 's </a:t>
             </a:r>
             <a:r>
               <a:rPr lang="en-US" sz="2000" dirty="0" err="1" smtClean="0"/>
-              <a:t>camelCase</a:t>
+              <a:t>implemention</a:t>
+            </a:r>
+            <a:r>
+              <a:rPr lang="en-US" sz="2000" dirty="0" smtClean="0"/>
+              <a:t> of services named "providers"</a:t>
+            </a:r>
+          </a:p>
+          <a:p>
+            <a:pPr marL="800100" lvl="1" indent="-342900" algn="l">
+              <a:buFont typeface="Arial"/>
+              <a:buChar char="•"/>
+            </a:pPr>
+            <a:r>
+              <a:rPr lang="en-US" sz="2000" dirty="0" smtClean="0"/>
+              <a:t>…which have a subtype named "services"</a:t>
+            </a:r>
+          </a:p>
+          <a:p>
+            <a:pPr marL="800100" lvl="1" indent="-342900" algn="l">
+              <a:buFont typeface="Arial"/>
+              <a:buChar char="•"/>
+            </a:pPr>
+            <a:r>
+              <a:rPr lang="en-US" sz="2000" dirty="0" smtClean="0"/>
+              <a:t>In nG2, filters get renamed pipes, but no real changes</a:t>
             </a:r>
             <a:endParaRPr lang="en-US" sz="2000" dirty="0" smtClean="0"/>
-          </a:p>
-          <a:p>
-            <a:pPr marL="800100" lvl="1" indent="-342900" algn="l">
-              <a:buFont typeface="Arial"/>
-              <a:buChar char="•"/>
-            </a:pPr>
-            <a:r>
-              <a:rPr lang="en-US" sz="2000" dirty="0" smtClean="0"/>
-              <a:t>So HTML name </a:t>
-            </a:r>
-            <a:r>
-              <a:rPr lang="en-US" sz="2000" dirty="0" err="1" smtClean="0"/>
-              <a:t>data-ec:name:space</a:t>
-            </a:r>
-            <a:r>
-              <a:rPr lang="en-US" sz="2000" dirty="0" smtClean="0"/>
-              <a:t> matches </a:t>
-            </a:r>
-            <a:r>
-              <a:rPr lang="en-US" sz="2000" dirty="0" err="1" smtClean="0"/>
-              <a:t>ecNameSpace</a:t>
-            </a:r>
-            <a:endParaRPr lang="en-US" sz="2000" dirty="0" smtClean="0"/>
-          </a:p>
-          <a:p>
-            <a:pPr marL="800100" lvl="1" indent="-342900" algn="l">
-              <a:buFont typeface="Arial"/>
-              <a:buChar char="•"/>
-            </a:pPr>
-            <a:r>
-              <a:rPr lang="en-US" sz="2000" dirty="0" smtClean="0"/>
-              <a:t>Best practice: use a short prefix ('</a:t>
-            </a:r>
-            <a:r>
-              <a:rPr lang="en-US" sz="2000" dirty="0" err="1"/>
-              <a:t>ec</a:t>
-            </a:r>
-            <a:r>
-              <a:rPr lang="en-US" sz="2000" dirty="0"/>
-              <a:t>' above</a:t>
-            </a:r>
-            <a:r>
-              <a:rPr lang="en-US" sz="2000" dirty="0" smtClean="0"/>
-              <a:t>) to avoid future collisions</a:t>
-            </a:r>
-            <a:endParaRPr lang="en-US" sz="2000" dirty="0"/>
           </a:p>
         </p:txBody>
       </p:sp>
     </p:spTree>
     <p:extLst>
       <p:ext uri="{BB962C8B-B14F-4D97-AF65-F5344CB8AC3E}">
-        <p14:creationId xmlns:p14="http://schemas.microsoft.com/office/powerpoint/2010/main" val="3443792774"/>
+        <p14:creationId xmlns:p14="http://schemas.microsoft.com/office/powerpoint/2010/main" val="45617429"/>
       </p:ext>
     </p:extLst>
   </p:cSld>
@@ -4313,9 +4284,14 @@
           <a:lstStyle/>
           <a:p>
             <a:r>
-              <a:rPr lang="en-US" dirty="0"/>
-              <a:t>Some built in directives</a:t>
-            </a:r>
+              <a:rPr lang="en-US" dirty="0" smtClean="0"/>
+              <a:t>Exercise: Angular </a:t>
+            </a:r>
+            <a:r>
+              <a:rPr lang="en-US" dirty="0" smtClean="0"/>
+              <a:t>Style Guide</a:t>
+            </a:r>
+            <a:endParaRPr lang="en-US" dirty="0"/>
           </a:p>
         </p:txBody>
       </p:sp>
@@ -4337,7 +4313,7 @@
         </p:spPr>
         <p:txBody>
           <a:bodyPr>
-            <a:normAutofit lnSpcReduction="10000"/>
+            <a:normAutofit/>
           </a:bodyPr>
           <a:lstStyle/>
           <a:p>
@@ -4346,38 +4322,22 @@
               <a:buChar char="•"/>
             </a:pPr>
             <a:r>
-              <a:rPr lang="en-US" sz="2400" dirty="0" err="1" smtClean="0"/>
-              <a:t>ng</a:t>
+              <a:rPr lang="en-US" sz="2400" dirty="0" smtClean="0"/>
+              <a:t>Team should choose a style guide and stick to it</a:t>
+            </a:r>
+          </a:p>
+          <a:p>
+            <a:pPr marL="342900" indent="-342900" algn="l">
+              <a:buFont typeface="Arial"/>
+              <a:buChar char="•"/>
+            </a:pPr>
+            <a:r>
+              <a:rPr lang="en-US" sz="2400" dirty="0" smtClean="0"/>
+              <a:t>John </a:t>
             </a:r>
             <a:r>
               <a:rPr lang="en-US" sz="2400" dirty="0"/>
-              <a:t>-</a:t>
-            </a:r>
-            <a:r>
-              <a:rPr lang="en-US" sz="2400" dirty="0" smtClean="0"/>
-              <a:t>class</a:t>
-            </a:r>
-          </a:p>
-          <a:p>
-            <a:pPr marL="800100" lvl="1" indent="-342900" algn="l">
-              <a:buFont typeface="Arial"/>
-              <a:buChar char="•"/>
-            </a:pPr>
-            <a:r>
-              <a:rPr lang="en-US" sz="2000" dirty="0" smtClean="0"/>
-              <a:t>add </a:t>
-            </a:r>
-            <a:r>
-              <a:rPr lang="en-US" sz="2000" dirty="0"/>
-              <a:t>the result of </a:t>
-            </a:r>
-            <a:r>
-              <a:rPr lang="en-US" sz="2000" dirty="0" smtClean="0"/>
-              <a:t>expression </a:t>
-            </a:r>
-            <a:r>
-              <a:rPr lang="en-US" sz="2000" dirty="0"/>
-              <a:t>to the element as a CSS class</a:t>
+              <a:t>Papa has one of the most influential</a:t>
             </a:r>
           </a:p>
           <a:p>
@@ -4386,160 +4346,23 @@
               <a:buChar char="•"/>
             </a:pPr>
             <a:r>
-              <a:rPr lang="en-US" sz="2400" dirty="0" err="1" smtClean="0"/>
-              <a:t>ng</a:t>
-            </a:r>
-            <a:r>
-              <a:rPr lang="en-US" sz="2400" dirty="0"/>
-              <a:t>-</a:t>
-            </a:r>
-            <a:r>
-              <a:rPr lang="en-US" sz="2400" dirty="0" smtClean="0"/>
-              <a:t>blur</a:t>
-            </a:r>
-          </a:p>
-          <a:p>
-            <a:pPr marL="800100" lvl="1" indent="-342900" algn="l">
-              <a:buFont typeface="Arial"/>
-              <a:buChar char="•"/>
-            </a:pPr>
-            <a:r>
-              <a:rPr lang="en-US" sz="2000" dirty="0" smtClean="0"/>
-              <a:t>evaluate </a:t>
-            </a:r>
-            <a:r>
-              <a:rPr lang="en-US" sz="2000" dirty="0"/>
-              <a:t>an expression when element loses focus</a:t>
-            </a:r>
-          </a:p>
-          <a:p>
-            <a:pPr marL="342900" indent="-342900" algn="l">
-              <a:buFont typeface="Arial"/>
-              <a:buChar char="•"/>
-            </a:pPr>
-            <a:r>
-              <a:rPr lang="en-US" sz="2400" dirty="0" err="1" smtClean="0"/>
-              <a:t>ng</a:t>
-            </a:r>
-            <a:r>
-              <a:rPr lang="en-US" sz="2400" dirty="0" err="1"/>
-              <a:t>-</a:t>
-            </a:r>
-            <a:r>
-              <a:rPr lang="en-US" sz="2400" dirty="0" err="1" smtClean="0"/>
-              <a:t>init</a:t>
-            </a:r>
-            <a:endParaRPr lang="en-US" sz="2400" dirty="0" smtClean="0"/>
-          </a:p>
-          <a:p>
-            <a:pPr marL="800100" lvl="1" indent="-342900" algn="l">
-              <a:buFont typeface="Arial"/>
-              <a:buChar char="•"/>
-            </a:pPr>
-            <a:r>
-              <a:rPr lang="en-US" sz="2000" dirty="0" smtClean="0"/>
-              <a:t>assign </a:t>
-            </a:r>
-            <a:r>
-              <a:rPr lang="en-US" sz="2000" dirty="0"/>
-              <a:t>a property in the current Angular execution context</a:t>
-            </a:r>
-          </a:p>
-          <a:p>
-            <a:pPr marL="342900" indent="-342900" algn="l">
-              <a:buFont typeface="Arial"/>
-              <a:buChar char="•"/>
-            </a:pPr>
-            <a:r>
-              <a:rPr lang="en-US" sz="2400" dirty="0" err="1" smtClean="0"/>
-              <a:t>ng</a:t>
-            </a:r>
-            <a:r>
-              <a:rPr lang="en-US" sz="2400" dirty="0" smtClean="0"/>
-              <a:t>-bind</a:t>
-            </a:r>
-          </a:p>
-          <a:p>
-            <a:pPr marL="800100" lvl="1" indent="-342900" algn="l">
-              <a:buFont typeface="Arial"/>
-              <a:buChar char="•"/>
-            </a:pPr>
-            <a:r>
-              <a:rPr lang="en-US" sz="2000" dirty="0" smtClean="0"/>
-              <a:t>render data from context into </a:t>
-            </a:r>
-            <a:r>
-              <a:rPr lang="en-US" sz="2000" dirty="0" smtClean="0"/>
-              <a:t>target &amp; update on change</a:t>
-            </a:r>
-          </a:p>
-          <a:p>
-            <a:pPr marL="342900" indent="-342900" algn="l">
-              <a:buFont typeface="Arial"/>
-              <a:buChar char="•"/>
-            </a:pPr>
-            <a:r>
-              <a:rPr lang="en-US" sz="2400" dirty="0" err="1"/>
-              <a:t>ng</a:t>
-            </a:r>
-            <a:r>
-              <a:rPr lang="en-US" sz="2400" dirty="0" smtClean="0"/>
-              <a:t>-model</a:t>
-            </a:r>
-            <a:endParaRPr lang="en-US" sz="2400" dirty="0"/>
-          </a:p>
-          <a:p>
-            <a:pPr marL="800100" lvl="1" indent="-342900" algn="l">
-              <a:buFont typeface="Arial"/>
-              <a:buChar char="•"/>
-            </a:pPr>
-            <a:r>
-              <a:rPr lang="en-US" sz="2000" dirty="0" smtClean="0"/>
-              <a:t>two way binding: change data &amp; update element (usually input)</a:t>
-            </a:r>
-          </a:p>
-          <a:p>
-            <a:pPr marL="342900" indent="-342900" algn="l">
-              <a:buFont typeface="Arial"/>
-              <a:buChar char="•"/>
-            </a:pPr>
-            <a:r>
-              <a:rPr lang="en-US" sz="2400" dirty="0" err="1"/>
-              <a:t>ng</a:t>
-            </a:r>
-            <a:r>
-              <a:rPr lang="en-US" sz="2400" dirty="0" smtClean="0"/>
-              <a:t>-list</a:t>
-            </a:r>
-            <a:endParaRPr lang="en-US" sz="2400" dirty="0"/>
-          </a:p>
-          <a:p>
-            <a:pPr marL="800100" lvl="1" indent="-342900" algn="l">
-              <a:buFont typeface="Arial"/>
-              <a:buChar char="•"/>
-            </a:pPr>
-            <a:r>
-              <a:rPr lang="en-US" sz="2000" dirty="0" err="1" smtClean="0"/>
-              <a:t>ng</a:t>
-            </a:r>
-            <a:r>
-              <a:rPr lang="en-US" sz="2000" dirty="0" smtClean="0"/>
-              <a:t>-model that converts comma separated items to array</a:t>
-            </a:r>
-            <a:endParaRPr lang="en-US" sz="2000" dirty="0"/>
-          </a:p>
-          <a:p>
-            <a:pPr marL="342900" indent="-342900" algn="l">
-              <a:buFont typeface="Arial"/>
-              <a:buChar char="•"/>
-            </a:pPr>
-            <a:endParaRPr lang="en-US" sz="2400" dirty="0"/>
-          </a:p>
-          <a:p>
-            <a:pPr marL="342900" indent="-342900" algn="l">
-              <a:buFont typeface="Arial"/>
-              <a:buChar char="•"/>
-            </a:pPr>
+              <a:rPr lang="en-US" sz="2400" dirty="0" smtClean="0">
+                <a:hlinkClick r:id="rId2"/>
+              </a:rPr>
+              <a:t>https</a:t>
+            </a:r>
+            <a:r>
+              <a:rPr lang="en-US" sz="2400" dirty="0">
+                <a:hlinkClick r:id="rId2"/>
+              </a:rPr>
+              <a:t>://github.com/johnpapa/angular-styleguide</a:t>
+            </a:r>
+            <a:r>
+              <a:rPr lang="en-US" sz="2400" dirty="0" smtClean="0">
+                <a:hlinkClick r:id="rId2"/>
+              </a:rPr>
+              <a:t>/</a:t>
+            </a:r>
             <a:endParaRPr lang="en-US" sz="2400" dirty="0"/>
           </a:p>
         </p:txBody>
@@ -4547,7 +4370,7 @@
     </p:spTree>
     <p:extLst>
       <p:ext uri="{BB962C8B-B14F-4D97-AF65-F5344CB8AC3E}">
-        <p14:creationId xmlns:p14="http://schemas.microsoft.com/office/powerpoint/2010/main" val="3519792158"/>
+        <p14:creationId xmlns:p14="http://schemas.microsoft.com/office/powerpoint/2010/main" val="1055244008"/>
       </p:ext>
     </p:extLst>
   </p:cSld>
@@ -4596,7 +4419,7 @@
           <a:p>
             <a:r>
               <a:rPr lang="en-US" dirty="0" smtClean="0"/>
-              <a:t>Custom Directives</a:t>
+              <a:t>Directives</a:t>
             </a:r>
             <a:endParaRPr lang="en-US" dirty="0"/>
           </a:p>
@@ -4630,19 +4453,29 @@
             </a:pPr>
             <a:r>
               <a:rPr lang="en-US" sz="2400" dirty="0" smtClean="0"/>
-              <a:t>recipe</a:t>
+              <a:t>Directives </a:t>
             </a:r>
             <a:r>
               <a:rPr lang="en-US" sz="2400" dirty="0"/>
-              <a:t>: .directive('</a:t>
-            </a:r>
-            <a:r>
-              <a:rPr lang="en-US" sz="2400" dirty="0" err="1"/>
-              <a:t>someDirective</a:t>
+              <a:t>are Angular identifiers added to ordinary HTML</a:t>
+            </a:r>
+          </a:p>
+          <a:p>
+            <a:pPr marL="342900" indent="-342900" algn="l">
+              <a:buFont typeface="Arial"/>
+              <a:buChar char="•"/>
+            </a:pPr>
+            <a:r>
+              <a:rPr lang="en-US" sz="2400" dirty="0" smtClean="0"/>
+              <a:t>Angular </a:t>
             </a:r>
             <a:r>
               <a:rPr lang="en-US" sz="2400" dirty="0"/>
-              <a:t>', function () { return {...}})</a:t>
+              <a:t>attaches event listeners and/or modifies the </a:t>
+            </a:r>
+            <a:r>
+              <a:rPr lang="en-US" sz="2400" dirty="0" smtClean="0"/>
+              <a:t>DOM</a:t>
             </a:r>
           </a:p>
           <a:p>
@@ -4652,7 +4485,75 @@
             </a:pPr>
             <a:r>
               <a:rPr lang="en-US" sz="2400" dirty="0"/>
-              <a:t>Factory function can return</a:t>
+              <a:t>Directives are the only proper place for DOM </a:t>
+            </a:r>
+            <a:r>
+              <a:rPr lang="en-US" sz="2400" dirty="0" smtClean="0"/>
+              <a:t>manipulation</a:t>
+            </a:r>
+            <a:endParaRPr lang="en-US" sz="2400" dirty="0"/>
+          </a:p>
+          <a:p>
+            <a:pPr marL="342900" indent="-342900" algn="l">
+              <a:buFont typeface="Arial"/>
+              <a:buChar char="•"/>
+            </a:pPr>
+            <a:r>
+              <a:rPr lang="en-US" sz="2400" dirty="0" smtClean="0"/>
+              <a:t>Most </a:t>
+            </a:r>
+            <a:r>
+              <a:rPr lang="en-US" sz="2400" dirty="0"/>
+              <a:t>commonly </a:t>
+            </a:r>
+            <a:r>
+              <a:rPr lang="en-US" sz="2400" dirty="0" smtClean="0"/>
+              <a:t>defined as HTML </a:t>
+            </a:r>
+            <a:r>
+              <a:rPr lang="en-US" sz="2400" dirty="0"/>
+              <a:t>attributes or </a:t>
+            </a:r>
+            <a:r>
+              <a:rPr lang="en-US" sz="2400" dirty="0" smtClean="0"/>
+              <a:t>elements</a:t>
+            </a:r>
+          </a:p>
+          <a:p>
+            <a:pPr marL="342900" indent="-342900" algn="l">
+              <a:buFont typeface="Arial"/>
+              <a:buChar char="•"/>
+            </a:pPr>
+            <a:r>
+              <a:rPr lang="en-US" sz="2400" dirty="0" smtClean="0"/>
+              <a:t>Can also be comments</a:t>
+            </a:r>
+            <a:r>
+              <a:rPr lang="en-US" sz="2400" dirty="0"/>
+              <a:t>, CSS classes </a:t>
+            </a:r>
+            <a:r>
+              <a:rPr lang="en-US" sz="2400" dirty="0" smtClean="0"/>
+              <a:t>- less optimal</a:t>
+            </a:r>
+            <a:endParaRPr lang="en-US" sz="2400" dirty="0"/>
+          </a:p>
+          <a:p>
+            <a:pPr marL="342900" indent="-342900" algn="l">
+              <a:buFont typeface="Arial"/>
+              <a:buChar char="•"/>
+            </a:pPr>
+            <a:r>
+              <a:rPr lang="en-US" sz="2400" dirty="0" smtClean="0"/>
+              <a:t>A little magic: HTML directive </a:t>
+            </a:r>
+            <a:r>
+              <a:rPr lang="en-US" sz="2400" dirty="0"/>
+              <a:t>name to JS name </a:t>
+            </a:r>
+            <a:r>
+              <a:rPr lang="en-US" sz="2400" dirty="0" smtClean="0"/>
+              <a:t>matching</a:t>
             </a:r>
           </a:p>
           <a:p>
@@ -4661,22 +4562,68 @@
               <a:buChar char="•"/>
             </a:pPr>
             <a:r>
+              <a:rPr lang="en-US" sz="2000" dirty="0" smtClean="0"/>
+              <a:t>data- and x- prefixes stripped from HTML name</a:t>
+            </a:r>
+          </a:p>
+          <a:p>
+            <a:pPr marL="800100" lvl="1" indent="-342900" algn="l">
+              <a:buFont typeface="Arial"/>
+              <a:buChar char="•"/>
+            </a:pPr>
+            <a:r>
+              <a:rPr lang="en-US" sz="2000" dirty="0" smtClean="0"/>
+              <a:t>Dash, underscore, or colon delimiters turn into </a:t>
+            </a:r>
+            <a:r>
+              <a:rPr lang="en-US" sz="2000" dirty="0" err="1" smtClean="0"/>
+              <a:t>camelCase</a:t>
+            </a:r>
+            <a:endParaRPr lang="en-US" sz="2000" dirty="0" smtClean="0"/>
+          </a:p>
+          <a:p>
+            <a:pPr marL="800100" lvl="1" indent="-342900" algn="l">
+              <a:buFont typeface="Arial"/>
+              <a:buChar char="•"/>
+            </a:pPr>
+            <a:r>
+              <a:rPr lang="en-US" sz="2000" dirty="0" smtClean="0"/>
+              <a:t>So HTML name </a:t>
+            </a:r>
+            <a:r>
+              <a:rPr lang="en-US" sz="2000" dirty="0" err="1" smtClean="0"/>
+              <a:t>data-ec:name:space</a:t>
+            </a:r>
+            <a:r>
+              <a:rPr lang="en-US" sz="2000" dirty="0" smtClean="0"/>
+              <a:t> matches </a:t>
+            </a:r>
+            <a:r>
+              <a:rPr lang="en-US" sz="2000" dirty="0" err="1" smtClean="0"/>
+              <a:t>ecNameSpace</a:t>
+            </a:r>
+            <a:endParaRPr lang="en-US" sz="2000" dirty="0" smtClean="0"/>
+          </a:p>
+          <a:p>
+            <a:pPr marL="800100" lvl="1" indent="-342900" algn="l">
+              <a:buFont typeface="Arial"/>
+              <a:buChar char="•"/>
+            </a:pPr>
+            <a:r>
+              <a:rPr lang="en-US" sz="2000" dirty="0" smtClean="0"/>
+              <a:t>Best practice: use a short prefix ('</a:t>
+            </a:r>
+            <a:r>
+              <a:rPr lang="en-US" sz="2000" dirty="0" err="1"/>
+              <a:t>ec</a:t>
+            </a:r>
+            <a:r>
               <a:rPr lang="en-US" sz="2000" dirty="0"/>
-              <a:t>a directive definition object, which provides many options</a:t>
-            </a:r>
-          </a:p>
-          <a:p>
-            <a:pPr marL="800100" lvl="1" indent="-342900" algn="l">
-              <a:buFont typeface="Arial"/>
-              <a:buChar char="•"/>
-            </a:pPr>
-            <a:r>
-              <a:rPr lang="en-US" sz="2000" dirty="0"/>
-              <a:t>or just the DDOs 'link' function, which is the key spot for DOM </a:t>
+              <a:t>' above</a:t>
             </a:r>
             <a:r>
               <a:rPr lang="en-US" sz="2000" dirty="0" smtClean="0"/>
-              <a:t>actions</a:t>
+              <a:t>) to avoid future collisions</a:t>
             </a:r>
             <a:endParaRPr lang="en-US" sz="2000" dirty="0"/>
           </a:p>
@@ -4685,7 +4632,7 @@
     </p:spTree>
     <p:extLst>
       <p:ext uri="{BB962C8B-B14F-4D97-AF65-F5344CB8AC3E}">
-        <p14:creationId xmlns:p14="http://schemas.microsoft.com/office/powerpoint/2010/main" val="3980679051"/>
+        <p14:creationId xmlns:p14="http://schemas.microsoft.com/office/powerpoint/2010/main" val="3443792774"/>
       </p:ext>
     </p:extLst>
   </p:cSld>
@@ -4733,10 +4680,9 @@
           <a:lstStyle/>
           <a:p>
             <a:r>
-              <a:rPr lang="en-US" dirty="0" smtClean="0"/>
-              <a:t>Angular expressions</a:t>
-            </a:r>
-            <a:endParaRPr lang="en-US" dirty="0"/>
+              <a:rPr lang="en-US" dirty="0"/>
+              <a:t>Some built in directives</a:t>
+            </a:r>
           </a:p>
         </p:txBody>
       </p:sp>
@@ -4758,221 +4704,217 @@
         </p:spPr>
         <p:txBody>
           <a:bodyPr>
-            <a:normAutofit fontScale="85000" lnSpcReduction="20000"/>
+            <a:normAutofit lnSpcReduction="10000"/>
           </a:bodyPr>
           <a:lstStyle/>
           <a:p>
-            <a:pPr algn="l"/>
+            <a:pPr marL="342900" indent="-342900" algn="l">
+              <a:buFont typeface="Arial"/>
+              <a:buChar char="•"/>
+            </a:pPr>
+            <a:r>
+              <a:rPr lang="en-US" sz="2400" dirty="0" err="1" smtClean="0"/>
+              <a:t>ng</a:t>
+            </a:r>
             <a:r>
               <a:rPr lang="en-US" sz="2400" dirty="0"/>
-              <a:t>Angular expressions </a:t>
+              <a:t>-</a:t>
+            </a:r>
+            <a:r>
+              <a:rPr lang="en-US" sz="2400" dirty="0" smtClean="0"/>
+              <a:t>class</a:t>
+            </a:r>
+          </a:p>
+          <a:p>
+            <a:pPr marL="800100" lvl="1" indent="-342900" algn="l">
+              <a:buFont typeface="Arial"/>
+              <a:buChar char="•"/>
+            </a:pPr>
+            <a:r>
+              <a:rPr lang="en-US" sz="2000" dirty="0" smtClean="0"/>
+              <a:t>add </a:t>
+            </a:r>
+            <a:r>
+              <a:rPr lang="en-US" sz="2000" dirty="0"/>
+              <a:t>the result of </a:t>
+            </a:r>
+            <a:r>
+              <a:rPr lang="en-US" sz="2000" dirty="0" smtClean="0"/>
+              <a:t>expression </a:t>
+            </a:r>
+            <a:r>
+              <a:rPr lang="en-US" sz="2000" dirty="0"/>
+              <a:t>to the element as a CSS class</a:t>
+            </a:r>
+          </a:p>
+          <a:p>
+            <a:pPr marL="342900" indent="-342900" algn="l">
+              <a:buFont typeface="Arial"/>
+              <a:buChar char="•"/>
+            </a:pPr>
+            <a:r>
+              <a:rPr lang="en-US" sz="2400" dirty="0" err="1" smtClean="0"/>
+              <a:t>ng</a:t>
             </a:r>
             <a:r>
               <a:rPr lang="en-US" sz="2400" dirty="0"/>
-              <a:t>are limited </a:t>
-            </a:r>
-            <a:r>
-              <a:rPr lang="en-US" sz="2400" dirty="0" smtClean="0"/>
-              <a:t>JS used within directives. </a:t>
-            </a:r>
-          </a:p>
-          <a:p>
-            <a:pPr algn="l"/>
+              <a:t>-</a:t>
+            </a:r>
+            <a:r>
+              <a:rPr lang="en-US" sz="2400" dirty="0" smtClean="0"/>
+              <a:t>blur</a:t>
+            </a:r>
+          </a:p>
+          <a:p>
+            <a:pPr marL="800100" lvl="1" indent="-342900" algn="l">
+              <a:buFont typeface="Arial"/>
+              <a:buChar char="•"/>
+            </a:pPr>
+            <a:r>
+              <a:rPr lang="en-US" sz="2000" dirty="0" smtClean="0"/>
+              <a:t>evaluate </a:t>
+            </a:r>
+            <a:r>
+              <a:rPr lang="en-US" sz="2000" dirty="0"/>
+              <a:t>an expression when element loses focus</a:t>
+            </a:r>
+          </a:p>
+          <a:p>
+            <a:pPr marL="342900" indent="-342900" algn="l">
+              <a:buFont typeface="Arial"/>
+              <a:buChar char="•"/>
+            </a:pPr>
+            <a:r>
+              <a:rPr lang="en-US" sz="2400" dirty="0" err="1" smtClean="0"/>
+              <a:t>ng</a:t>
+            </a:r>
+            <a:r>
+              <a:rPr lang="en-US" sz="2400" dirty="0" err="1"/>
+              <a:t>-</a:t>
+            </a:r>
+            <a:r>
+              <a:rPr lang="en-US" sz="2400" dirty="0" err="1" smtClean="0"/>
+              <a:t>init</a:t>
+            </a:r>
             <a:endParaRPr lang="en-US" sz="2400" dirty="0" smtClean="0"/>
           </a:p>
           <a:p>
-            <a:pPr algn="l"/>
-            <a:r>
-              <a:rPr lang="en-US" sz="2400" dirty="0" smtClean="0"/>
-              <a:t>Directive attribute:</a:t>
-            </a:r>
-            <a:endParaRPr lang="en-US" sz="2400" dirty="0"/>
-          </a:p>
-          <a:p>
-            <a:pPr algn="l"/>
-            <a:r>
-              <a:rPr lang="en-US" sz="2400" dirty="0"/>
-              <a:t>&lt;button </a:t>
-            </a:r>
+            <a:pPr marL="800100" lvl="1" indent="-342900" algn="l">
+              <a:buFont typeface="Arial"/>
+              <a:buChar char="•"/>
+            </a:pPr>
+            <a:r>
+              <a:rPr lang="en-US" sz="2000" dirty="0" smtClean="0"/>
+              <a:t>assign </a:t>
+            </a:r>
+            <a:r>
+              <a:rPr lang="en-US" sz="2000" dirty="0"/>
+              <a:t>a property in the current Angular execution context</a:t>
+            </a:r>
+          </a:p>
+          <a:p>
+            <a:pPr marL="342900" indent="-342900" algn="l">
+              <a:buFont typeface="Arial"/>
+              <a:buChar char="•"/>
+            </a:pPr>
+            <a:r>
+              <a:rPr lang="en-US" sz="2400" dirty="0" err="1" smtClean="0"/>
+              <a:t>ng</a:t>
+            </a:r>
+            <a:r>
+              <a:rPr lang="en-US" sz="2400" dirty="0" smtClean="0"/>
+              <a:t>-bind</a:t>
+            </a:r>
+          </a:p>
+          <a:p>
+            <a:pPr marL="800100" lvl="1" indent="-342900" algn="l">
+              <a:buFont typeface="Arial"/>
+              <a:buChar char="•"/>
+            </a:pPr>
+            <a:r>
+              <a:rPr lang="en-US" sz="2000" dirty="0" smtClean="0"/>
+              <a:t>render data from context into </a:t>
+            </a:r>
+            <a:r>
+              <a:rPr lang="en-US" sz="2000" dirty="0" smtClean="0"/>
+              <a:t>target &amp; update on change</a:t>
+            </a:r>
+          </a:p>
+          <a:p>
+            <a:pPr marL="342900" indent="-342900" algn="l">
+              <a:buFont typeface="Arial"/>
+              <a:buChar char="•"/>
+            </a:pPr>
             <a:r>
               <a:rPr lang="en-US" sz="2400" dirty="0" err="1"/>
               <a:t>ng</a:t>
             </a:r>
             <a:r>
-              <a:rPr lang="en-US" sz="2400" dirty="0"/>
-              <a:t>-click="</a:t>
-            </a:r>
+              <a:rPr lang="en-US" sz="2400" dirty="0" smtClean="0"/>
+              <a:t>-model</a:t>
+            </a:r>
+            <a:endParaRPr lang="en-US" sz="2400" dirty="0"/>
+          </a:p>
+          <a:p>
+            <a:pPr marL="800100" lvl="1" indent="-342900" algn="l">
+              <a:buFont typeface="Arial"/>
+              <a:buChar char="•"/>
+            </a:pPr>
+            <a:r>
+              <a:rPr lang="en-US" sz="2000" dirty="0" smtClean="0"/>
+              <a:t>two way binding: change data &amp; update element (usually input)</a:t>
+            </a:r>
+          </a:p>
+          <a:p>
+            <a:pPr marL="342900" indent="-342900" algn="l">
+              <a:buFont typeface="Arial"/>
+              <a:buChar char="•"/>
+            </a:pPr>
             <a:r>
               <a:rPr lang="en-US" sz="2400" dirty="0" err="1"/>
-              <a:t>clickMe</a:t>
-            </a:r>
-            <a:r>
-              <a:rPr lang="en-US" sz="2400" dirty="0" smtClean="0"/>
-              <a:t>( $event )"&gt; Click Me &lt;/button&gt;</a:t>
-            </a:r>
-          </a:p>
-          <a:p>
-            <a:pPr algn="l"/>
+              <a:t>ng</a:t>
+            </a:r>
+            <a:r>
+              <a:rPr lang="en-US" sz="2400" dirty="0" smtClean="0"/>
+              <a:t>-list</a:t>
+            </a:r>
             <a:endParaRPr lang="en-US" sz="2400" dirty="0"/>
           </a:p>
           <a:p>
-            <a:pPr algn="l"/>
-            <a:r>
-              <a:rPr lang="en-US" sz="2400" dirty="0" smtClean="0"/>
-              <a:t>Interpolation:</a:t>
-            </a:r>
-          </a:p>
-          <a:p>
-            <a:pPr algn="l"/>
-            <a:r>
-              <a:rPr lang="en-US" sz="2400" dirty="0"/>
-              <a:t>&lt;span title="{{ </a:t>
-            </a:r>
-            <a:r>
-              <a:rPr lang="en-US" sz="2400" dirty="0" err="1" smtClean="0"/>
-              <a:t>toolTip</a:t>
-            </a:r>
-            <a:r>
-              <a:rPr lang="en-US" sz="2400" dirty="0" smtClean="0"/>
-              <a:t> }</a:t>
-            </a:r>
-            <a:r>
-              <a:rPr lang="en-US" sz="2400" dirty="0"/>
-              <a:t>}"</a:t>
-            </a:r>
-            <a:r>
-              <a:rPr lang="en-US" sz="2400" dirty="0" smtClean="0"/>
-              <a:t>&gt; {{ </a:t>
-            </a:r>
-            <a:r>
-              <a:rPr lang="en-US" sz="2400" dirty="0" err="1" smtClean="0"/>
-              <a:t>toolContent</a:t>
-            </a:r>
-            <a:r>
-              <a:rPr lang="en-US" sz="2400" dirty="0" smtClean="0"/>
-              <a:t> }}&lt;</a:t>
-            </a:r>
-            <a:r>
-              <a:rPr lang="en-US" sz="2400" dirty="0"/>
-              <a:t>/span&gt;</a:t>
-            </a:r>
-          </a:p>
-          <a:p>
-            <a:pPr algn="l"/>
-            <a:endParaRPr lang="en-US" sz="2400" dirty="0" smtClean="0"/>
-          </a:p>
-          <a:p>
-            <a:pPr algn="l"/>
-            <a:r>
-              <a:rPr lang="en-US" sz="2400" dirty="0" smtClean="0"/>
-              <a:t>Together:</a:t>
-            </a:r>
-          </a:p>
-          <a:p>
-            <a:pPr algn="l"/>
-            <a:r>
-              <a:rPr lang="en-US" sz="2400" dirty="0" smtClean="0"/>
-              <a:t>&lt;div </a:t>
-            </a:r>
-            <a:r>
-              <a:rPr lang="en-US" sz="2400" dirty="0" err="1" smtClean="0"/>
-              <a:t>ng-init</a:t>
-            </a:r>
-            <a:r>
-              <a:rPr lang="en-US" sz="2400" dirty="0" smtClean="0"/>
-              <a:t>="</a:t>
-            </a:r>
-            <a:r>
-              <a:rPr lang="en-US" sz="2400" dirty="0" err="1" smtClean="0"/>
-              <a:t>convertToKM</a:t>
-            </a:r>
-            <a:r>
-              <a:rPr lang="en-US" sz="2400" dirty="0" smtClean="0"/>
-              <a:t> = false"&gt;</a:t>
-            </a:r>
-          </a:p>
-          <a:p>
-            <a:pPr algn="l"/>
-            <a:r>
-              <a:rPr lang="en-US" sz="2400" dirty="0" smtClean="0"/>
-              <a:t>  &lt;</a:t>
-            </a:r>
-            <a:r>
-              <a:rPr lang="en-US" sz="2400" dirty="0"/>
-              <a:t>span </a:t>
-            </a:r>
-            <a:r>
-              <a:rPr lang="en-US" sz="2400" dirty="0" err="1" smtClean="0"/>
+            <a:pPr marL="800100" lvl="1" indent="-342900" algn="l">
+              <a:buFont typeface="Arial"/>
+              <a:buChar char="•"/>
+            </a:pPr>
+            <a:r>
+              <a:rPr lang="en-US" sz="2000" dirty="0" err="1" smtClean="0"/>
               <a:t>ng</a:t>
             </a:r>
             <a:r>
-              <a:rPr lang="en-US" sz="2400" dirty="0" smtClean="0"/>
-              <a:t>-if="</a:t>
-            </a:r>
-            <a:r>
-              <a:rPr lang="en-US" sz="2400" dirty="0" err="1" smtClean="0"/>
-              <a:t>convertToKM</a:t>
-            </a:r>
-            <a:r>
-              <a:rPr lang="en-US" sz="2400" dirty="0" smtClean="0"/>
-              <a:t>"&gt;</a:t>
-            </a:r>
-          </a:p>
-          <a:p>
-            <a:pPr algn="l"/>
-            <a:r>
-              <a:rPr lang="en-US" sz="2400" dirty="0"/>
-              <a:t> </a:t>
-            </a:r>
-            <a:r>
-              <a:rPr lang="en-US" sz="2400" dirty="0" smtClean="0"/>
-              <a:t>   {</a:t>
-            </a:r>
-            <a:r>
-              <a:rPr lang="en-US" sz="2400" dirty="0"/>
-              <a:t>{ </a:t>
-            </a:r>
-            <a:r>
-              <a:rPr lang="en-US" sz="2400" dirty="0" smtClean="0"/>
-              <a:t>miles * MILES_KM_CONVERT </a:t>
-            </a:r>
-            <a:r>
-              <a:rPr lang="en-US" sz="2400" dirty="0"/>
-              <a:t>}</a:t>
-            </a:r>
-            <a:r>
-              <a:rPr lang="en-US" sz="2400" dirty="0" smtClean="0"/>
-              <a:t>}</a:t>
-            </a:r>
-          </a:p>
-          <a:p>
-            <a:pPr algn="l"/>
-            <a:r>
-              <a:rPr lang="en-US" sz="2400" dirty="0" smtClean="0"/>
-              <a:t>  &lt;</a:t>
-            </a:r>
-            <a:r>
-              <a:rPr lang="en-US" sz="2400" dirty="0"/>
-              <a:t>/</a:t>
-            </a:r>
-            <a:r>
-              <a:rPr lang="en-US" sz="2400" dirty="0" smtClean="0"/>
-              <a:t>span&gt;</a:t>
-            </a:r>
-          </a:p>
-          <a:p>
-            <a:pPr algn="l"/>
-            <a:r>
-              <a:rPr lang="en-US" sz="2400" dirty="0" smtClean="0"/>
-              <a:t>&lt;/div&gt;</a:t>
-            </a:r>
+              <a:rPr lang="en-US" sz="2000" dirty="0" smtClean="0"/>
+              <a:t>-model that converts comma separated items to array</a:t>
+            </a:r>
+            <a:endParaRPr lang="en-US" sz="2000" dirty="0"/>
+          </a:p>
+          <a:p>
+            <a:pPr marL="342900" indent="-342900" algn="l">
+              <a:buFont typeface="Arial"/>
+              <a:buChar char="•"/>
+            </a:pPr>
+            <a:endParaRPr lang="en-US" sz="2400" dirty="0"/>
+          </a:p>
+          <a:p>
+            <a:pPr marL="342900" indent="-342900" algn="l">
+              <a:buFont typeface="Arial"/>
+              <a:buChar char="•"/>
+            </a:pPr>
+            <a:endParaRPr lang="en-US" sz="2400" dirty="0"/>
           </a:p>
         </p:txBody>
       </p:sp>
     </p:spTree>
     <p:extLst>
       <p:ext uri="{BB962C8B-B14F-4D97-AF65-F5344CB8AC3E}">
-        <p14:creationId xmlns:p14="http://schemas.microsoft.com/office/powerpoint/2010/main" val="4112534857"/>
+        <p14:creationId xmlns:p14="http://schemas.microsoft.com/office/powerpoint/2010/main" val="3519792158"/>
       </p:ext>
     </p:extLst>
   </p:cSld>
@@ -5021,7 +4963,7 @@
           <a:p>
             <a:r>
               <a:rPr lang="en-US" dirty="0" smtClean="0"/>
-              <a:t>Angular expressions</a:t>
+              <a:t>Custom Directives</a:t>
             </a:r>
             <a:endParaRPr lang="en-US" dirty="0"/>
           </a:p>
@@ -5049,20 +4991,26 @@
           </a:bodyPr>
           <a:lstStyle/>
           <a:p>
-            <a:pPr algn="l"/>
-            <a:r>
-              <a:rPr lang="en-US" sz="2400" dirty="0" smtClean="0"/>
-              <a:t>Differences from </a:t>
+            <a:pPr marL="342900" indent="-342900" algn="l">
+              <a:buFont typeface="Arial"/>
+              <a:buChar char="•"/>
+            </a:pPr>
+            <a:r>
+              <a:rPr lang="en-US" sz="2400" dirty="0" smtClean="0"/>
+              <a:t>recipe</a:t>
             </a:r>
             <a:r>
               <a:rPr lang="en-US" sz="2400" dirty="0"/>
-              <a:t>JavaScript </a:t>
-            </a:r>
-            <a:r>
-              <a:rPr lang="en-US" sz="2400" dirty="0" smtClean="0"/>
-              <a:t>expressions:</a:t>
-            </a:r>
-            <a:endParaRPr lang="en-US" sz="2400" dirty="0"/>
+              <a:t>: .directive('</a:t>
+            </a:r>
+            <a:r>
+              <a:rPr lang="en-US" sz="2400" dirty="0" err="1"/>
+              <a:t>someDirective</a:t>
+            </a:r>
+            <a:r>
+              <a:rPr lang="en-US" sz="2400" dirty="0"/>
+              <a:t>', function () { return {...}})</a:t>
+            </a:r>
           </a:p>
           <a:p>
             <a:pPr marL="342900" indent="-342900" algn="l">
@@ -5070,117 +5018,8 @@
               <a:buChar char="•"/>
             </a:pPr>
             <a:r>
-              <a:rPr lang="en-US" sz="2400" dirty="0" smtClean="0"/>
-              <a:t>Context</a:t>
-            </a:r>
-            <a:r>
               <a:rPr lang="en-US" sz="2400" dirty="0"/>
-              <a:t>: </a:t>
-            </a:r>
-            <a:r>
-              <a:rPr lang="en-US" sz="2400" dirty="0" err="1" smtClean="0"/>
-              <a:t>nG</a:t>
-            </a:r>
-            <a:r>
-              <a:rPr lang="en-US" sz="2400" dirty="0" smtClean="0"/>
-              <a:t> expressions evaluated </a:t>
-            </a:r>
-            <a:r>
-              <a:rPr lang="en-US" sz="2400" dirty="0"/>
-              <a:t>against </a:t>
-            </a:r>
-            <a:r>
-              <a:rPr lang="en-US" sz="2400" dirty="0" smtClean="0"/>
-              <a:t>an </a:t>
-            </a:r>
-            <a:r>
-              <a:rPr lang="en-US" sz="2400" dirty="0" err="1" smtClean="0"/>
-              <a:t>nG</a:t>
-            </a:r>
-            <a:r>
-              <a:rPr lang="en-US" sz="2400" dirty="0" smtClean="0"/>
-              <a:t> context</a:t>
-            </a:r>
-            <a:endParaRPr lang="en-US" sz="2400" dirty="0"/>
-          </a:p>
-          <a:p>
-            <a:pPr marL="342900" indent="-342900" algn="l">
-              <a:buFont typeface="Arial"/>
-              <a:buChar char="•"/>
-            </a:pPr>
-            <a:r>
-              <a:rPr lang="en-US" sz="2400" dirty="0" smtClean="0"/>
-              <a:t>Forgiving</a:t>
-            </a:r>
-            <a:r>
-              <a:rPr lang="en-US" sz="2400" dirty="0"/>
-              <a:t>: </a:t>
-            </a:r>
-            <a:r>
-              <a:rPr lang="en-US" sz="2400" dirty="0" smtClean="0"/>
-              <a:t>undefined </a:t>
-            </a:r>
-            <a:r>
-              <a:rPr lang="en-US" sz="2400" dirty="0"/>
-              <a:t>properties </a:t>
-            </a:r>
-            <a:r>
-              <a:rPr lang="en-US" sz="2400" dirty="0" smtClean="0"/>
-              <a:t>don't throw Errors</a:t>
-            </a:r>
-            <a:endParaRPr lang="en-US" sz="2400" dirty="0"/>
-          </a:p>
-          <a:p>
-            <a:pPr marL="342900" indent="-342900" algn="l">
-              <a:buFont typeface="Arial"/>
-              <a:buChar char="•"/>
-            </a:pPr>
-            <a:r>
-              <a:rPr lang="en-US" sz="2400" dirty="0" smtClean="0"/>
-              <a:t>Filters</a:t>
-            </a:r>
-            <a:r>
-              <a:rPr lang="en-US" sz="2400" dirty="0"/>
-              <a:t>: </a:t>
-            </a:r>
-            <a:r>
-              <a:rPr lang="en-US" sz="2400" dirty="0" smtClean="0"/>
-              <a:t>use </a:t>
-            </a:r>
-            <a:r>
-              <a:rPr lang="en-US" sz="2400" dirty="0"/>
-              <a:t>filters within expressions to format data before </a:t>
-            </a:r>
-            <a:r>
-              <a:rPr lang="en-US" sz="2400" dirty="0" smtClean="0"/>
-              <a:t>display</a:t>
-            </a:r>
-            <a:endParaRPr lang="en-US" sz="2400" dirty="0"/>
-          </a:p>
-          <a:p>
-            <a:pPr marL="342900" indent="-342900" algn="l">
-              <a:buFont typeface="Arial"/>
-              <a:buChar char="•"/>
-            </a:pPr>
-            <a:r>
-              <a:rPr lang="en-US" sz="2400" dirty="0" smtClean="0"/>
-              <a:t>No </a:t>
-            </a:r>
-            <a:r>
-              <a:rPr lang="en-US" sz="2400" dirty="0"/>
-              <a:t>Control Flow </a:t>
-            </a:r>
-            <a:r>
-              <a:rPr lang="en-US" sz="2400" dirty="0" smtClean="0"/>
-              <a:t>: no </a:t>
-            </a:r>
-            <a:r>
-              <a:rPr lang="en-US" sz="2400" dirty="0"/>
-              <a:t>conditionals, loops, or </a:t>
-            </a:r>
-            <a:r>
-              <a:rPr lang="en-US" sz="2400" dirty="0" smtClean="0"/>
-              <a:t>exceptions</a:t>
+              <a:t>Factory function can return</a:t>
             </a:r>
           </a:p>
           <a:p>
@@ -5189,58 +5028,22 @@
               <a:buChar char="•"/>
             </a:pPr>
             <a:r>
+              <a:rPr lang="en-US" sz="2000" dirty="0"/>
+              <a:t>a directive definition object, which provides many options</a:t>
+            </a:r>
+          </a:p>
+          <a:p>
+            <a:pPr marL="800100" lvl="1" indent="-342900" algn="l">
+              <a:buFont typeface="Arial"/>
+              <a:buChar char="•"/>
+            </a:pPr>
+            <a:r>
+              <a:rPr lang="en-US" sz="2000" dirty="0"/>
+              <a:t>or just the DDOs 'link' function, which is the key spot for DOM </a:t>
+            </a:r>
+            <a:r>
               <a:rPr lang="en-US" sz="2000" dirty="0" smtClean="0"/>
-              <a:t>Exception (sort of): ternary operator</a:t>
-            </a:r>
-            <a:endParaRPr lang="en-US" sz="2000" dirty="0"/>
-          </a:p>
-          <a:p>
-            <a:pPr marL="342900" indent="-342900" algn="l">
-              <a:buFont typeface="Arial"/>
-              <a:buChar char="•"/>
-            </a:pPr>
-            <a:r>
-              <a:rPr lang="en-US" sz="2400" dirty="0" smtClean="0"/>
-              <a:t>No </a:t>
-            </a:r>
-            <a:r>
-              <a:rPr lang="en-US" sz="2400" dirty="0"/>
-              <a:t>Function </a:t>
-            </a:r>
-            <a:r>
-              <a:rPr lang="en-US" sz="2400" dirty="0" smtClean="0"/>
-              <a:t>Declarations, </a:t>
-            </a:r>
-            <a:r>
-              <a:rPr lang="en-US" sz="2400" dirty="0" err="1" smtClean="0"/>
-              <a:t>RegExp</a:t>
-            </a:r>
-            <a:r>
-              <a:rPr lang="en-US" sz="2400" dirty="0" smtClean="0"/>
-              <a:t> Literals, New Operator</a:t>
-            </a:r>
-            <a:endParaRPr lang="en-US" sz="2400" dirty="0"/>
-          </a:p>
-          <a:p>
-            <a:pPr marL="342900" indent="-342900" algn="l">
-              <a:buFont typeface="Arial"/>
-              <a:buChar char="•"/>
-            </a:pPr>
-            <a:r>
-              <a:rPr lang="en-US" sz="2400" dirty="0" smtClean="0"/>
-              <a:t>No </a:t>
-            </a:r>
-            <a:r>
-              <a:rPr lang="en-US" sz="2400" dirty="0"/>
-              <a:t>Bitwise, Comma, </a:t>
-            </a:r>
-            <a:r>
-              <a:rPr lang="en-US" sz="2400" dirty="0" smtClean="0"/>
-              <a:t>Void </a:t>
-            </a:r>
-            <a:r>
-              <a:rPr lang="en-US" sz="2400" dirty="0"/>
-              <a:t>Operators: You cannot use Bitwise, , or void operators in an Angular expression.</a:t>
+              <a:t>actions</a:t>
             </a:r>
             <a:endParaRPr lang="en-US" sz="2000" dirty="0"/>
           </a:p>
@@ -5249,7 +5052,7 @@
     </p:spTree>
     <p:extLst>
       <p:ext uri="{BB962C8B-B14F-4D97-AF65-F5344CB8AC3E}">
-        <p14:creationId xmlns:p14="http://schemas.microsoft.com/office/powerpoint/2010/main" val="4047607919"/>
+        <p14:creationId xmlns:p14="http://schemas.microsoft.com/office/powerpoint/2010/main" val="3980679051"/>
       </p:ext>
     </p:extLst>
   </p:cSld>
@@ -5464,6 +5267,570 @@
         </p:spPr>
         <p:txBody>
           <a:bodyPr>
+            <a:normAutofit fontScale="85000" lnSpcReduction="20000"/>
+          </a:bodyPr>
+          <a:lstStyle/>
+          <a:p>
+            <a:pPr algn="l"/>
+            <a:r>
+              <a:rPr lang="en-US" sz="2400" dirty="0"/>
+              <a:t>Angular expressions </a:t>
+            </a:r>
+            <a:r>
+              <a:rPr lang="en-US" sz="2400" dirty="0"/>
+              <a:t>are limited </a:t>
+            </a:r>
+            <a:r>
+              <a:rPr lang="en-US" sz="2400" dirty="0" smtClean="0"/>
+              <a:t>JS used within directives. </a:t>
+            </a:r>
+          </a:p>
+          <a:p>
+            <a:pPr algn="l"/>
+            <a:endParaRPr lang="en-US" sz="2400" dirty="0" smtClean="0"/>
+          </a:p>
+          <a:p>
+            <a:pPr algn="l"/>
+            <a:r>
+              <a:rPr lang="en-US" sz="2400" dirty="0" smtClean="0"/>
+              <a:t>Directive attribute:</a:t>
+            </a:r>
+            <a:endParaRPr lang="en-US" sz="2400" dirty="0"/>
+          </a:p>
+          <a:p>
+            <a:pPr algn="l"/>
+            <a:r>
+              <a:rPr lang="en-US" sz="2400" dirty="0"/>
+              <a:t>&lt;button </a:t>
+            </a:r>
+            <a:r>
+              <a:rPr lang="en-US" sz="2400" dirty="0" err="1"/>
+              <a:t>ng</a:t>
+            </a:r>
+            <a:r>
+              <a:rPr lang="en-US" sz="2400" dirty="0"/>
+              <a:t>-click="</a:t>
+            </a:r>
+            <a:r>
+              <a:rPr lang="en-US" sz="2400" dirty="0" err="1"/>
+              <a:t>clickMe</a:t>
+            </a:r>
+            <a:r>
+              <a:rPr lang="en-US" sz="2400" dirty="0" smtClean="0"/>
+              <a:t>( $event )"&gt; Click Me &lt;/button&gt;</a:t>
+            </a:r>
+          </a:p>
+          <a:p>
+            <a:pPr algn="l"/>
+            <a:endParaRPr lang="en-US" sz="2400" dirty="0"/>
+          </a:p>
+          <a:p>
+            <a:pPr algn="l"/>
+            <a:r>
+              <a:rPr lang="en-US" sz="2400" dirty="0" smtClean="0"/>
+              <a:t>Interpolation:</a:t>
+            </a:r>
+          </a:p>
+          <a:p>
+            <a:pPr algn="l"/>
+            <a:r>
+              <a:rPr lang="en-US" sz="2400" dirty="0"/>
+              <a:t>&lt;span title="{{ </a:t>
+            </a:r>
+            <a:r>
+              <a:rPr lang="en-US" sz="2400" dirty="0" err="1" smtClean="0"/>
+              <a:t>toolTip</a:t>
+            </a:r>
+            <a:r>
+              <a:rPr lang="en-US" sz="2400" dirty="0" smtClean="0"/>
+              <a:t> }</a:t>
+            </a:r>
+            <a:r>
+              <a:rPr lang="en-US" sz="2400" dirty="0"/>
+              <a:t>}"</a:t>
+            </a:r>
+            <a:r>
+              <a:rPr lang="en-US" sz="2400" dirty="0" smtClean="0"/>
+              <a:t>&gt; {{ </a:t>
+            </a:r>
+            <a:r>
+              <a:rPr lang="en-US" sz="2400" dirty="0" err="1" smtClean="0"/>
+              <a:t>toolContent</a:t>
+            </a:r>
+            <a:r>
+              <a:rPr lang="en-US" sz="2400" dirty="0" smtClean="0"/>
+              <a:t> }}&lt;</a:t>
+            </a:r>
+            <a:r>
+              <a:rPr lang="en-US" sz="2400" dirty="0"/>
+              <a:t>/span&gt;</a:t>
+            </a:r>
+          </a:p>
+          <a:p>
+            <a:pPr algn="l"/>
+            <a:endParaRPr lang="en-US" sz="2400" dirty="0" smtClean="0"/>
+          </a:p>
+          <a:p>
+            <a:pPr algn="l"/>
+            <a:r>
+              <a:rPr lang="en-US" sz="2400" dirty="0" smtClean="0"/>
+              <a:t>Together:</a:t>
+            </a:r>
+          </a:p>
+          <a:p>
+            <a:pPr algn="l"/>
+            <a:r>
+              <a:rPr lang="en-US" sz="2400" dirty="0" smtClean="0"/>
+              <a:t>&lt;div </a:t>
+            </a:r>
+            <a:r>
+              <a:rPr lang="en-US" sz="2400" dirty="0" err="1" smtClean="0"/>
+              <a:t>ng-init</a:t>
+            </a:r>
+            <a:r>
+              <a:rPr lang="en-US" sz="2400" dirty="0" smtClean="0"/>
+              <a:t>="</a:t>
+            </a:r>
+            <a:r>
+              <a:rPr lang="en-US" sz="2400" dirty="0" err="1" smtClean="0"/>
+              <a:t>convertToKM</a:t>
+            </a:r>
+            <a:r>
+              <a:rPr lang="en-US" sz="2400" dirty="0" smtClean="0"/>
+              <a:t> = false"&gt;</a:t>
+            </a:r>
+          </a:p>
+          <a:p>
+            <a:pPr algn="l"/>
+            <a:r>
+              <a:rPr lang="en-US" sz="2400" dirty="0" smtClean="0"/>
+              <a:t>  &lt;</a:t>
+            </a:r>
+            <a:r>
+              <a:rPr lang="en-US" sz="2400" dirty="0"/>
+              <a:t>span </a:t>
+            </a:r>
+            <a:r>
+              <a:rPr lang="en-US" sz="2400" dirty="0" err="1" smtClean="0"/>
+              <a:t>ng</a:t>
+            </a:r>
+            <a:r>
+              <a:rPr lang="en-US" sz="2400" dirty="0" smtClean="0"/>
+              <a:t>-if="</a:t>
+            </a:r>
+            <a:r>
+              <a:rPr lang="en-US" sz="2400" dirty="0" err="1" smtClean="0"/>
+              <a:t>convertToKM</a:t>
+            </a:r>
+            <a:r>
+              <a:rPr lang="en-US" sz="2400" dirty="0" smtClean="0"/>
+              <a:t>"&gt;</a:t>
+            </a:r>
+          </a:p>
+          <a:p>
+            <a:pPr algn="l"/>
+            <a:r>
+              <a:rPr lang="en-US" sz="2400" dirty="0"/>
+              <a:t> </a:t>
+            </a:r>
+            <a:r>
+              <a:rPr lang="en-US" sz="2400" dirty="0" smtClean="0"/>
+              <a:t>   {</a:t>
+            </a:r>
+            <a:r>
+              <a:rPr lang="en-US" sz="2400" dirty="0"/>
+              <a:t>{ </a:t>
+            </a:r>
+            <a:r>
+              <a:rPr lang="en-US" sz="2400" dirty="0" smtClean="0"/>
+              <a:t>miles * MILES_KM_CONVERT </a:t>
+            </a:r>
+            <a:r>
+              <a:rPr lang="en-US" sz="2400" dirty="0"/>
+              <a:t>}</a:t>
+            </a:r>
+            <a:r>
+              <a:rPr lang="en-US" sz="2400" dirty="0" smtClean="0"/>
+              <a:t>}</a:t>
+            </a:r>
+          </a:p>
+          <a:p>
+            <a:pPr algn="l"/>
+            <a:r>
+              <a:rPr lang="en-US" sz="2400" dirty="0" smtClean="0"/>
+              <a:t>  &lt;</a:t>
+            </a:r>
+            <a:r>
+              <a:rPr lang="en-US" sz="2400" dirty="0"/>
+              <a:t>/</a:t>
+            </a:r>
+            <a:r>
+              <a:rPr lang="en-US" sz="2400" dirty="0" smtClean="0"/>
+              <a:t>span&gt;</a:t>
+            </a:r>
+          </a:p>
+          <a:p>
+            <a:pPr algn="l"/>
+            <a:r>
+              <a:rPr lang="en-US" sz="2400" dirty="0" smtClean="0"/>
+              <a:t>&lt;/div&gt;</a:t>
+            </a:r>
+          </a:p>
+        </p:txBody>
+      </p:sp>
+    </p:spTree>
+    <p:extLst>
+      <p:ext uri="{BB962C8B-B14F-4D97-AF65-F5344CB8AC3E}">
+        <p14:creationId xmlns:p14="http://schemas.microsoft.com/office/powerpoint/2010/main" val="4112534857"/>
+      </p:ext>
+    </p:extLst>
+  </p:cSld>
+  <p:clrMapOvr>
+    <a:masterClrMapping/>
+  </p:clrMapOvr>
+</p:sld>
+</file>
+
+<file path=ppt/slides/slide21.xml><?xml version="1.0" encoding="utf-8"?>
+<p:sld xmlns:a="http://schemas.openxmlformats.org/drawingml/2006/main" xmlns:r="http://schemas.openxmlformats.org/officeDocument/2006/relationships" xmlns:p="http://schemas.openxmlformats.org/presentationml/2006/main">
+  <p:cSld>
+    <p:spTree>
+      <p:nvGrpSpPr>
+        <p:cNvPr id="1" name=""/>
+        <p:cNvGrpSpPr/>
+        <p:nvPr/>
+      </p:nvGrpSpPr>
+      <p:grpSpPr>
+        <a:xfrm>
+          <a:off x="0" y="0"/>
+          <a:ext cx="0" cy="0"/>
+          <a:chOff x="0" y="0"/>
+          <a:chExt cx="0" cy="0"/>
+        </a:xfrm>
+      </p:grpSpPr>
+      <p:sp>
+        <p:nvSpPr>
+          <p:cNvPr id="2" name="Title 1"/>
+          <p:cNvSpPr>
+            <a:spLocks noGrp="1"/>
+          </p:cNvSpPr>
+          <p:nvPr>
+            <p:ph type="ctrTitle"/>
+          </p:nvPr>
+        </p:nvSpPr>
+        <p:spPr>
+          <a:xfrm>
+            <a:off x="685800" y="160685"/>
+            <a:ext cx="7772400" cy="1470025"/>
+          </a:xfrm>
+        </p:spPr>
+        <p:txBody>
+          <a:bodyPr/>
+          <a:lstStyle/>
+          <a:p>
+            <a:r>
+              <a:rPr lang="en-US" dirty="0" smtClean="0"/>
+              <a:t>Angular expressions</a:t>
+            </a:r>
+            <a:endParaRPr lang="en-US" dirty="0"/>
+          </a:p>
+        </p:txBody>
+      </p:sp>
+      <p:sp>
+        <p:nvSpPr>
+          <p:cNvPr id="3" name="Subtitle 2"/>
+          <p:cNvSpPr>
+            <a:spLocks noGrp="1"/>
+          </p:cNvSpPr>
+          <p:nvPr>
+            <p:ph type="subTitle" idx="1"/>
+          </p:nvPr>
+        </p:nvSpPr>
+        <p:spPr>
+          <a:xfrm>
+            <a:off x="454651" y="1630710"/>
+            <a:ext cx="8371875" cy="4609893"/>
+          </a:xfrm>
+        </p:spPr>
+        <p:txBody>
+          <a:bodyPr>
+            <a:normAutofit/>
+          </a:bodyPr>
+          <a:lstStyle/>
+          <a:p>
+            <a:pPr algn="l"/>
+            <a:r>
+              <a:rPr lang="en-US" sz="2400" dirty="0" smtClean="0"/>
+              <a:t>Differences from </a:t>
+            </a:r>
+            <a:r>
+              <a:rPr lang="en-US" sz="2400" dirty="0"/>
+              <a:t>JavaScript </a:t>
+            </a:r>
+            <a:r>
+              <a:rPr lang="en-US" sz="2400" dirty="0" smtClean="0"/>
+              <a:t>expressions:</a:t>
+            </a:r>
+            <a:endParaRPr lang="en-US" sz="2400" dirty="0"/>
+          </a:p>
+          <a:p>
+            <a:pPr marL="342900" indent="-342900" algn="l">
+              <a:buFont typeface="Arial"/>
+              <a:buChar char="•"/>
+            </a:pPr>
+            <a:r>
+              <a:rPr lang="en-US" sz="2400" dirty="0" smtClean="0"/>
+              <a:t>Context</a:t>
+            </a:r>
+            <a:r>
+              <a:rPr lang="en-US" sz="2400" dirty="0"/>
+              <a:t>: </a:t>
+            </a:r>
+            <a:r>
+              <a:rPr lang="en-US" sz="2400" dirty="0" err="1" smtClean="0"/>
+              <a:t>nG</a:t>
+            </a:r>
+            <a:r>
+              <a:rPr lang="en-US" sz="2400" dirty="0" smtClean="0"/>
+              <a:t> expressions evaluated </a:t>
+            </a:r>
+            <a:r>
+              <a:rPr lang="en-US" sz="2400" dirty="0"/>
+              <a:t>against </a:t>
+            </a:r>
+            <a:r>
+              <a:rPr lang="en-US" sz="2400" dirty="0" smtClean="0"/>
+              <a:t>an </a:t>
+            </a:r>
+            <a:r>
+              <a:rPr lang="en-US" sz="2400" dirty="0" err="1" smtClean="0"/>
+              <a:t>nG</a:t>
+            </a:r>
+            <a:r>
+              <a:rPr lang="en-US" sz="2400" dirty="0" smtClean="0"/>
+              <a:t> context</a:t>
+            </a:r>
+            <a:endParaRPr lang="en-US" sz="2400" dirty="0"/>
+          </a:p>
+          <a:p>
+            <a:pPr marL="342900" indent="-342900" algn="l">
+              <a:buFont typeface="Arial"/>
+              <a:buChar char="•"/>
+            </a:pPr>
+            <a:r>
+              <a:rPr lang="en-US" sz="2400" dirty="0" smtClean="0"/>
+              <a:t>Forgiving</a:t>
+            </a:r>
+            <a:r>
+              <a:rPr lang="en-US" sz="2400" dirty="0"/>
+              <a:t>: </a:t>
+            </a:r>
+            <a:r>
+              <a:rPr lang="en-US" sz="2400" dirty="0" smtClean="0"/>
+              <a:t>undefined </a:t>
+            </a:r>
+            <a:r>
+              <a:rPr lang="en-US" sz="2400" dirty="0"/>
+              <a:t>properties </a:t>
+            </a:r>
+            <a:r>
+              <a:rPr lang="en-US" sz="2400" dirty="0" smtClean="0"/>
+              <a:t>don't throw Errors</a:t>
+            </a:r>
+            <a:endParaRPr lang="en-US" sz="2400" dirty="0"/>
+          </a:p>
+          <a:p>
+            <a:pPr marL="342900" indent="-342900" algn="l">
+              <a:buFont typeface="Arial"/>
+              <a:buChar char="•"/>
+            </a:pPr>
+            <a:r>
+              <a:rPr lang="en-US" sz="2400" dirty="0" smtClean="0"/>
+              <a:t>Filters</a:t>
+            </a:r>
+            <a:r>
+              <a:rPr lang="en-US" sz="2400" dirty="0"/>
+              <a:t>: </a:t>
+            </a:r>
+            <a:r>
+              <a:rPr lang="en-US" sz="2400" dirty="0" smtClean="0"/>
+              <a:t>use </a:t>
+            </a:r>
+            <a:r>
+              <a:rPr lang="en-US" sz="2400" dirty="0"/>
+              <a:t>filters within expressions to format data before </a:t>
+            </a:r>
+            <a:r>
+              <a:rPr lang="en-US" sz="2400" dirty="0" smtClean="0"/>
+              <a:t>display</a:t>
+            </a:r>
+            <a:endParaRPr lang="en-US" sz="2400" dirty="0"/>
+          </a:p>
+          <a:p>
+            <a:pPr marL="342900" indent="-342900" algn="l">
+              <a:buFont typeface="Arial"/>
+              <a:buChar char="•"/>
+            </a:pPr>
+            <a:r>
+              <a:rPr lang="en-US" sz="2400" dirty="0" smtClean="0"/>
+              <a:t>No </a:t>
+            </a:r>
+            <a:r>
+              <a:rPr lang="en-US" sz="2400" dirty="0"/>
+              <a:t>Control Flow </a:t>
+            </a:r>
+            <a:r>
+              <a:rPr lang="en-US" sz="2400" dirty="0" smtClean="0"/>
+              <a:t>: no </a:t>
+            </a:r>
+            <a:r>
+              <a:rPr lang="en-US" sz="2400" dirty="0"/>
+              <a:t>conditionals, loops, or </a:t>
+            </a:r>
+            <a:r>
+              <a:rPr lang="en-US" sz="2400" dirty="0" smtClean="0"/>
+              <a:t>exceptions</a:t>
+            </a:r>
+          </a:p>
+          <a:p>
+            <a:pPr marL="800100" lvl="1" indent="-342900" algn="l">
+              <a:buFont typeface="Arial"/>
+              <a:buChar char="•"/>
+            </a:pPr>
+            <a:r>
+              <a:rPr lang="en-US" sz="2000" dirty="0" smtClean="0"/>
+              <a:t>Exception (sort of): ternary operator</a:t>
+            </a:r>
+            <a:endParaRPr lang="en-US" sz="2000" dirty="0"/>
+          </a:p>
+          <a:p>
+            <a:pPr marL="342900" indent="-342900" algn="l">
+              <a:buFont typeface="Arial"/>
+              <a:buChar char="•"/>
+            </a:pPr>
+            <a:r>
+              <a:rPr lang="en-US" sz="2400" dirty="0" smtClean="0"/>
+              <a:t>No </a:t>
+            </a:r>
+            <a:r>
+              <a:rPr lang="en-US" sz="2400" dirty="0"/>
+              <a:t>Function </a:t>
+            </a:r>
+            <a:r>
+              <a:rPr lang="en-US" sz="2400" dirty="0" smtClean="0"/>
+              <a:t>Declarations, </a:t>
+            </a:r>
+            <a:r>
+              <a:rPr lang="en-US" sz="2400" dirty="0" err="1" smtClean="0"/>
+              <a:t>RegExp</a:t>
+            </a:r>
+            <a:r>
+              <a:rPr lang="en-US" sz="2400" dirty="0" smtClean="0"/>
+              <a:t> Literals, New Operator</a:t>
+            </a:r>
+            <a:endParaRPr lang="en-US" sz="2400" dirty="0"/>
+          </a:p>
+          <a:p>
+            <a:pPr marL="342900" indent="-342900" algn="l">
+              <a:buFont typeface="Arial"/>
+              <a:buChar char="•"/>
+            </a:pPr>
+            <a:r>
+              <a:rPr lang="en-US" sz="2400" dirty="0" smtClean="0"/>
+              <a:t>No </a:t>
+            </a:r>
+            <a:r>
+              <a:rPr lang="en-US" sz="2400" dirty="0"/>
+              <a:t>Bitwise, Comma, </a:t>
+            </a:r>
+            <a:r>
+              <a:rPr lang="en-US" sz="2400" dirty="0" smtClean="0"/>
+              <a:t>Void </a:t>
+            </a:r>
+            <a:r>
+              <a:rPr lang="en-US" sz="2400" dirty="0"/>
+              <a:t>Operators: You cannot use Bitwise, , or void operators in an Angular expression.</a:t>
+            </a:r>
+            <a:endParaRPr lang="en-US" sz="2000" dirty="0"/>
+          </a:p>
+        </p:txBody>
+      </p:sp>
+    </p:spTree>
+    <p:extLst>
+      <p:ext uri="{BB962C8B-B14F-4D97-AF65-F5344CB8AC3E}">
+        <p14:creationId xmlns:p14="http://schemas.microsoft.com/office/powerpoint/2010/main" val="4047607919"/>
+      </p:ext>
+    </p:extLst>
+  </p:cSld>
+  <p:clrMapOvr>
+    <a:masterClrMapping/>
+  </p:clrMapOvr>
+</p:sld>
+</file>
+
+<file path=ppt/slides/slide22.xml><?xml version="1.0" encoding="utf-8"?>
+<p:sld xmlns:a="http://schemas.openxmlformats.org/drawingml/2006/main" xmlns:r="http://schemas.openxmlformats.org/officeDocument/2006/relationships" xmlns:p="http://schemas.openxmlformats.org/presentationml/2006/main">
+  <p:cSld>
+    <p:spTree>
+      <p:nvGrpSpPr>
+        <p:cNvPr id="1" name=""/>
+        <p:cNvGrpSpPr/>
+        <p:nvPr/>
+      </p:nvGrpSpPr>
+      <p:grpSpPr>
+        <a:xfrm>
+          <a:off x="0" y="0"/>
+          <a:ext cx="0" cy="0"/>
+          <a:chOff x="0" y="0"/>
+          <a:chExt cx="0" cy="0"/>
+        </a:xfrm>
+      </p:grpSpPr>
+      <p:sp>
+        <p:nvSpPr>
+          <p:cNvPr id="2" name="Title 1"/>
+          <p:cNvSpPr>
+            <a:spLocks noGrp="1"/>
+          </p:cNvSpPr>
+          <p:nvPr>
+            <p:ph type="ctrTitle"/>
+          </p:nvPr>
+        </p:nvSpPr>
+        <p:spPr>
+          <a:xfrm>
+            <a:off x="685800" y="160685"/>
+            <a:ext cx="7772400" cy="1470025"/>
+          </a:xfrm>
+        </p:spPr>
+        <p:txBody>
+          <a:bodyPr/>
+          <a:lstStyle/>
+          <a:p>
+            <a:r>
+              <a:rPr lang="en-US" dirty="0" smtClean="0"/>
+              <a:t>Angular expressions</a:t>
+            </a:r>
+            <a:endParaRPr lang="en-US" dirty="0"/>
+          </a:p>
+        </p:txBody>
+      </p:sp>
+      <p:sp>
+        <p:nvSpPr>
+          <p:cNvPr id="3" name="Subtitle 2"/>
+          <p:cNvSpPr>
+            <a:spLocks noGrp="1"/>
+          </p:cNvSpPr>
+          <p:nvPr>
+            <p:ph type="subTitle" idx="1"/>
+          </p:nvPr>
+        </p:nvSpPr>
+        <p:spPr>
+          <a:xfrm>
+            <a:off x="454651" y="1630710"/>
+            <a:ext cx="8371875" cy="4609893"/>
+          </a:xfrm>
+        </p:spPr>
+        <p:txBody>
+          <a:bodyPr>
             <a:normAutofit/>
           </a:bodyPr>
           <a:lstStyle/>
@@ -5587,7 +5954,7 @@
 </p:sld>
 </file>
 
-<file path=ppt/slides/slide21.xml><?xml version="1.0" encoding="utf-8"?>
+<file path=ppt/slides/slide23.xml><?xml version="1.0" encoding="utf-8"?>
 <p:sld xmlns:a="http://schemas.openxmlformats.org/drawingml/2006/main" xmlns:r="http://schemas.openxmlformats.org/officeDocument/2006/relationships" xmlns:p="http://schemas.openxmlformats.org/presentationml/2006/main">
   <p:cSld>
     <p:spTree>
